--- a/곽.pptx
+++ b/곽.pptx
@@ -3036,1243 +3036,1751 @@
           <a:chExt cx="0" cy="0"/>
         </a:xfrm>
       </p:grpSpPr>
-      <p:sp>
-        <p:nvSpPr>
-          <p:cNvPr id="4" name="직사각형 3"/>
-          <p:cNvSpPr/>
+      <p:grpSp>
+        <p:nvGrpSpPr>
+          <p:cNvPr id="2" name="그룹 1"/>
+          <p:cNvGrpSpPr/>
           <p:nvPr/>
-        </p:nvSpPr>
-        <p:spPr>
+        </p:nvGrpSpPr>
+        <p:grpSpPr>
           <a:xfrm>
             <a:off x="208053" y="168944"/>
-            <a:ext cx="2707764" cy="6500416"/>
+            <a:ext cx="8756434" cy="6500416"/>
+            <a:chOff x="208053" y="168944"/>
+            <a:chExt cx="8756434" cy="6500416"/>
           </a:xfrm>
-          <a:prstGeom prst="rect">
-            <a:avLst/>
-          </a:prstGeom>
-          <a:solidFill>
-            <a:schemeClr val="accent4">
-              <a:lumMod val="40000"/>
-              <a:lumOff val="60000"/>
-            </a:schemeClr>
-          </a:solidFill>
-          <a:ln>
+        </p:grpSpPr>
+        <p:sp>
+          <p:nvSpPr>
+            <p:cNvPr id="4" name="직사각형 3"/>
+            <p:cNvSpPr/>
+            <p:nvPr/>
+          </p:nvSpPr>
+          <p:spPr>
+            <a:xfrm>
+              <a:off x="208053" y="168944"/>
+              <a:ext cx="2707764" cy="6500416"/>
+            </a:xfrm>
+            <a:prstGeom prst="rect">
+              <a:avLst/>
+            </a:prstGeom>
             <a:solidFill>
-              <a:schemeClr val="tx1"/>
+              <a:schemeClr val="accent4">
+                <a:lumMod val="40000"/>
+                <a:lumOff val="60000"/>
+              </a:schemeClr>
             </a:solidFill>
-          </a:ln>
-        </p:spPr>
-        <p:style>
-          <a:lnRef idx="2">
-            <a:schemeClr val="accent1">
-              <a:shade val="50000"/>
-            </a:schemeClr>
-          </a:lnRef>
-          <a:fillRef idx="1">
-            <a:schemeClr val="accent1"/>
-          </a:fillRef>
-          <a:effectRef idx="0">
-            <a:schemeClr val="accent1"/>
-          </a:effectRef>
-          <a:fontRef idx="minor">
-            <a:schemeClr val="lt1"/>
-          </a:fontRef>
-        </p:style>
-        <p:txBody>
-          <a:bodyPr rtlCol="0" anchor="ctr"/>
-          <a:lstStyle/>
-          <a:p>
-            <a:pPr algn="ctr"/>
-            <a:endParaRPr lang="ko-KR" altLang="en-US" b="1" dirty="0">
+            <a:ln>
               <a:solidFill>
                 <a:schemeClr val="tx1"/>
               </a:solidFill>
-            </a:endParaRPr>
-          </a:p>
-        </p:txBody>
-      </p:sp>
-      <p:sp>
-        <p:nvSpPr>
-          <p:cNvPr id="17" name="직사각형 16"/>
-          <p:cNvSpPr/>
-          <p:nvPr/>
-        </p:nvSpPr>
-        <p:spPr>
-          <a:xfrm>
-            <a:off x="1272699" y="7173416"/>
-            <a:ext cx="8756435" cy="6500416"/>
-          </a:xfrm>
-          <a:prstGeom prst="rect">
-            <a:avLst/>
-          </a:prstGeom>
-          <a:solidFill>
-            <a:srgbClr val="00B0F0"/>
-          </a:solidFill>
-          <a:ln>
+            </a:ln>
+          </p:spPr>
+          <p:style>
+            <a:lnRef idx="2">
+              <a:schemeClr val="accent1">
+                <a:shade val="50000"/>
+              </a:schemeClr>
+            </a:lnRef>
+            <a:fillRef idx="1">
+              <a:schemeClr val="accent1"/>
+            </a:fillRef>
+            <a:effectRef idx="0">
+              <a:schemeClr val="accent1"/>
+            </a:effectRef>
+            <a:fontRef idx="minor">
+              <a:schemeClr val="lt1"/>
+            </a:fontRef>
+          </p:style>
+          <p:txBody>
+            <a:bodyPr rtlCol="0" anchor="ctr"/>
+            <a:lstStyle/>
+            <a:p>
+              <a:pPr algn="ctr"/>
+              <a:endParaRPr lang="ko-KR" altLang="en-US" b="1" dirty="0">
+                <a:solidFill>
+                  <a:schemeClr val="tx1"/>
+                </a:solidFill>
+              </a:endParaRPr>
+            </a:p>
+          </p:txBody>
+        </p:sp>
+        <p:sp>
+          <p:nvSpPr>
+            <p:cNvPr id="18" name="TextBox 17"/>
+            <p:cNvSpPr txBox="1"/>
+            <p:nvPr/>
+          </p:nvSpPr>
+          <p:spPr>
+            <a:xfrm>
+              <a:off x="395536" y="332656"/>
+              <a:ext cx="877163" cy="369332"/>
+            </a:xfrm>
+            <a:prstGeom prst="rect">
+              <a:avLst/>
+            </a:prstGeom>
             <a:solidFill>
-              <a:schemeClr val="tx1"/>
+              <a:schemeClr val="bg1"/>
             </a:solidFill>
-          </a:ln>
-        </p:spPr>
-        <p:style>
-          <a:lnRef idx="2">
-            <a:schemeClr val="accent1">
-              <a:shade val="50000"/>
-            </a:schemeClr>
-          </a:lnRef>
-          <a:fillRef idx="1">
-            <a:schemeClr val="accent1"/>
-          </a:fillRef>
-          <a:effectRef idx="0">
-            <a:schemeClr val="accent1"/>
-          </a:effectRef>
-          <a:fontRef idx="minor">
-            <a:schemeClr val="lt1"/>
-          </a:fontRef>
-        </p:style>
-        <p:txBody>
-          <a:bodyPr rtlCol="0" anchor="ctr"/>
-          <a:lstStyle/>
-          <a:p>
-            <a:pPr algn="ctr"/>
-            <a:endParaRPr lang="ko-KR" altLang="en-US" b="1" dirty="0">
+            <a:ln>
               <a:solidFill>
                 <a:schemeClr val="tx1"/>
               </a:solidFill>
-            </a:endParaRPr>
-          </a:p>
-        </p:txBody>
-      </p:sp>
-      <p:sp>
-        <p:nvSpPr>
-          <p:cNvPr id="18" name="TextBox 17"/>
-          <p:cNvSpPr txBox="1"/>
-          <p:nvPr/>
-        </p:nvSpPr>
-        <p:spPr>
-          <a:xfrm>
-            <a:off x="395536" y="332656"/>
-            <a:ext cx="877163" cy="369332"/>
-          </a:xfrm>
-          <a:prstGeom prst="rect">
-            <a:avLst/>
-          </a:prstGeom>
-          <a:solidFill>
-            <a:schemeClr val="bg1"/>
-          </a:solidFill>
-          <a:ln>
+            </a:ln>
+          </p:spPr>
+          <p:txBody>
+            <a:bodyPr wrap="none" rtlCol="0">
+              <a:spAutoFit/>
+            </a:bodyPr>
+            <a:lstStyle/>
+            <a:p>
+              <a:r>
+                <a:rPr lang="ko-KR" altLang="en-US" b="1" dirty="0" err="1" smtClean="0"/>
+                <a:t>트리뷰</a:t>
+              </a:r>
+              <a:endParaRPr lang="ko-KR" altLang="en-US" b="1" dirty="0"/>
+            </a:p>
+          </p:txBody>
+        </p:sp>
+        <p:sp>
+          <p:nvSpPr>
+            <p:cNvPr id="19" name="직사각형 18"/>
+            <p:cNvSpPr/>
+            <p:nvPr/>
+          </p:nvSpPr>
+          <p:spPr>
+            <a:xfrm>
+              <a:off x="2915816" y="168944"/>
+              <a:ext cx="6048671" cy="4268168"/>
+            </a:xfrm>
+            <a:prstGeom prst="rect">
+              <a:avLst/>
+            </a:prstGeom>
             <a:solidFill>
-              <a:schemeClr val="tx1"/>
+              <a:schemeClr val="accent4">
+                <a:lumMod val="40000"/>
+                <a:lumOff val="60000"/>
+              </a:schemeClr>
             </a:solidFill>
-          </a:ln>
-        </p:spPr>
-        <p:txBody>
-          <a:bodyPr wrap="none" rtlCol="0">
-            <a:spAutoFit/>
-          </a:bodyPr>
-          <a:lstStyle/>
-          <a:p>
-            <a:r>
-              <a:rPr lang="ko-KR" altLang="en-US" b="1" dirty="0" err="1" smtClean="0"/>
-              <a:t>트리뷰</a:t>
-            </a:r>
-            <a:endParaRPr lang="ko-KR" altLang="en-US" b="1" dirty="0"/>
-          </a:p>
-        </p:txBody>
-      </p:sp>
-      <p:sp>
-        <p:nvSpPr>
-          <p:cNvPr id="19" name="직사각형 18"/>
-          <p:cNvSpPr/>
-          <p:nvPr/>
-        </p:nvSpPr>
-        <p:spPr>
-          <a:xfrm>
-            <a:off x="2915816" y="168944"/>
-            <a:ext cx="6048671" cy="4268168"/>
-          </a:xfrm>
-          <a:prstGeom prst="rect">
-            <a:avLst/>
-          </a:prstGeom>
-          <a:solidFill>
-            <a:schemeClr val="accent4">
-              <a:lumMod val="40000"/>
-              <a:lumOff val="60000"/>
-            </a:schemeClr>
-          </a:solidFill>
-          <a:ln>
-            <a:solidFill>
-              <a:schemeClr val="tx1"/>
-            </a:solidFill>
-          </a:ln>
-        </p:spPr>
-        <p:style>
-          <a:lnRef idx="2">
-            <a:schemeClr val="accent1">
-              <a:shade val="50000"/>
-            </a:schemeClr>
-          </a:lnRef>
-          <a:fillRef idx="1">
-            <a:schemeClr val="accent1"/>
-          </a:fillRef>
-          <a:effectRef idx="0">
-            <a:schemeClr val="accent1"/>
-          </a:effectRef>
-          <a:fontRef idx="minor">
-            <a:schemeClr val="lt1"/>
-          </a:fontRef>
-        </p:style>
-        <p:txBody>
-          <a:bodyPr rtlCol="0" anchor="ctr"/>
-          <a:lstStyle/>
-          <a:p>
-            <a:pPr algn="ctr"/>
-            <a:endParaRPr lang="ko-KR" altLang="en-US" b="1" dirty="0">
+            <a:ln>
               <a:solidFill>
                 <a:schemeClr val="tx1"/>
               </a:solidFill>
-            </a:endParaRPr>
-          </a:p>
-        </p:txBody>
-      </p:sp>
-      <p:sp>
-        <p:nvSpPr>
-          <p:cNvPr id="20" name="직사각형 19"/>
-          <p:cNvSpPr/>
-          <p:nvPr/>
-        </p:nvSpPr>
-        <p:spPr>
-          <a:xfrm>
-            <a:off x="2915817" y="4437112"/>
-            <a:ext cx="3751606" cy="2232248"/>
-          </a:xfrm>
-          <a:prstGeom prst="rect">
-            <a:avLst/>
-          </a:prstGeom>
-          <a:solidFill>
-            <a:schemeClr val="accent4">
-              <a:lumMod val="40000"/>
-              <a:lumOff val="60000"/>
-            </a:schemeClr>
-          </a:solidFill>
-          <a:ln>
+            </a:ln>
+          </p:spPr>
+          <p:style>
+            <a:lnRef idx="2">
+              <a:schemeClr val="accent1">
+                <a:shade val="50000"/>
+              </a:schemeClr>
+            </a:lnRef>
+            <a:fillRef idx="1">
+              <a:schemeClr val="accent1"/>
+            </a:fillRef>
+            <a:effectRef idx="0">
+              <a:schemeClr val="accent1"/>
+            </a:effectRef>
+            <a:fontRef idx="minor">
+              <a:schemeClr val="lt1"/>
+            </a:fontRef>
+          </p:style>
+          <p:txBody>
+            <a:bodyPr rtlCol="0" anchor="ctr"/>
+            <a:lstStyle/>
+            <a:p>
+              <a:pPr algn="ctr"/>
+              <a:endParaRPr lang="ko-KR" altLang="en-US" b="1" dirty="0">
+                <a:solidFill>
+                  <a:schemeClr val="tx1"/>
+                </a:solidFill>
+              </a:endParaRPr>
+            </a:p>
+          </p:txBody>
+        </p:sp>
+        <p:sp>
+          <p:nvSpPr>
+            <p:cNvPr id="20" name="직사각형 19"/>
+            <p:cNvSpPr/>
+            <p:nvPr/>
+          </p:nvSpPr>
+          <p:spPr>
+            <a:xfrm>
+              <a:off x="2915817" y="4437112"/>
+              <a:ext cx="3751606" cy="2232248"/>
+            </a:xfrm>
+            <a:prstGeom prst="rect">
+              <a:avLst/>
+            </a:prstGeom>
             <a:solidFill>
-              <a:schemeClr val="tx1"/>
+              <a:schemeClr val="accent4">
+                <a:lumMod val="40000"/>
+                <a:lumOff val="60000"/>
+              </a:schemeClr>
             </a:solidFill>
-          </a:ln>
-        </p:spPr>
-        <p:style>
-          <a:lnRef idx="2">
-            <a:schemeClr val="accent1">
-              <a:shade val="50000"/>
-            </a:schemeClr>
-          </a:lnRef>
-          <a:fillRef idx="1">
-            <a:schemeClr val="accent1"/>
-          </a:fillRef>
-          <a:effectRef idx="0">
-            <a:schemeClr val="accent1"/>
-          </a:effectRef>
-          <a:fontRef idx="minor">
-            <a:schemeClr val="lt1"/>
-          </a:fontRef>
-        </p:style>
-        <p:txBody>
-          <a:bodyPr rtlCol="0" anchor="ctr"/>
-          <a:lstStyle/>
-          <a:p>
-            <a:pPr algn="ctr"/>
-            <a:endParaRPr lang="ko-KR" altLang="en-US" b="1" dirty="0">
+            <a:ln>
               <a:solidFill>
                 <a:schemeClr val="tx1"/>
               </a:solidFill>
-            </a:endParaRPr>
-          </a:p>
-        </p:txBody>
-      </p:sp>
-      <p:sp>
-        <p:nvSpPr>
-          <p:cNvPr id="21" name="직사각형 20"/>
-          <p:cNvSpPr/>
-          <p:nvPr/>
-        </p:nvSpPr>
-        <p:spPr>
-          <a:xfrm>
-            <a:off x="6667423" y="4437112"/>
-            <a:ext cx="2297064" cy="2232248"/>
-          </a:xfrm>
-          <a:prstGeom prst="rect">
-            <a:avLst/>
-          </a:prstGeom>
-          <a:solidFill>
-            <a:schemeClr val="accent4">
-              <a:lumMod val="40000"/>
-              <a:lumOff val="60000"/>
-            </a:schemeClr>
-          </a:solidFill>
-          <a:ln>
+            </a:ln>
+          </p:spPr>
+          <p:style>
+            <a:lnRef idx="2">
+              <a:schemeClr val="accent1">
+                <a:shade val="50000"/>
+              </a:schemeClr>
+            </a:lnRef>
+            <a:fillRef idx="1">
+              <a:schemeClr val="accent1"/>
+            </a:fillRef>
+            <a:effectRef idx="0">
+              <a:schemeClr val="accent1"/>
+            </a:effectRef>
+            <a:fontRef idx="minor">
+              <a:schemeClr val="lt1"/>
+            </a:fontRef>
+          </p:style>
+          <p:txBody>
+            <a:bodyPr rtlCol="0" anchor="ctr"/>
+            <a:lstStyle/>
+            <a:p>
+              <a:pPr algn="ctr"/>
+              <a:endParaRPr lang="ko-KR" altLang="en-US" b="1" dirty="0">
+                <a:solidFill>
+                  <a:schemeClr val="tx1"/>
+                </a:solidFill>
+              </a:endParaRPr>
+            </a:p>
+          </p:txBody>
+        </p:sp>
+        <p:sp>
+          <p:nvSpPr>
+            <p:cNvPr id="21" name="직사각형 20"/>
+            <p:cNvSpPr/>
+            <p:nvPr/>
+          </p:nvSpPr>
+          <p:spPr>
+            <a:xfrm>
+              <a:off x="6667423" y="4437112"/>
+              <a:ext cx="2297064" cy="2232248"/>
+            </a:xfrm>
+            <a:prstGeom prst="rect">
+              <a:avLst/>
+            </a:prstGeom>
             <a:solidFill>
-              <a:schemeClr val="tx1"/>
+              <a:schemeClr val="accent4">
+                <a:lumMod val="40000"/>
+                <a:lumOff val="60000"/>
+              </a:schemeClr>
             </a:solidFill>
-          </a:ln>
-        </p:spPr>
-        <p:style>
-          <a:lnRef idx="2">
-            <a:schemeClr val="accent1">
-              <a:shade val="50000"/>
-            </a:schemeClr>
-          </a:lnRef>
-          <a:fillRef idx="1">
-            <a:schemeClr val="accent1"/>
-          </a:fillRef>
-          <a:effectRef idx="0">
-            <a:schemeClr val="accent1"/>
-          </a:effectRef>
-          <a:fontRef idx="minor">
-            <a:schemeClr val="lt1"/>
-          </a:fontRef>
-        </p:style>
-        <p:txBody>
-          <a:bodyPr rtlCol="0" anchor="ctr"/>
-          <a:lstStyle/>
-          <a:p>
-            <a:pPr algn="ctr"/>
-            <a:endParaRPr lang="ko-KR" altLang="en-US" b="1" dirty="0">
+            <a:ln>
               <a:solidFill>
                 <a:schemeClr val="tx1"/>
               </a:solidFill>
-            </a:endParaRPr>
-          </a:p>
-        </p:txBody>
-      </p:sp>
-      <p:sp>
-        <p:nvSpPr>
-          <p:cNvPr id="22" name="TextBox 21"/>
-          <p:cNvSpPr txBox="1"/>
-          <p:nvPr/>
-        </p:nvSpPr>
-        <p:spPr>
-          <a:xfrm>
-            <a:off x="3059832" y="332656"/>
-            <a:ext cx="1800493" cy="369332"/>
-          </a:xfrm>
-          <a:prstGeom prst="rect">
-            <a:avLst/>
-          </a:prstGeom>
-          <a:solidFill>
-            <a:schemeClr val="bg1"/>
-          </a:solidFill>
-          <a:ln>
-            <a:solidFill>
-              <a:schemeClr val="tx1"/>
-            </a:solidFill>
-          </a:ln>
-        </p:spPr>
-        <p:txBody>
-          <a:bodyPr wrap="none" rtlCol="0">
-            <a:spAutoFit/>
-          </a:bodyPr>
-          <a:lstStyle/>
-          <a:p>
-            <a:r>
-              <a:rPr lang="ko-KR" altLang="en-US" b="1" dirty="0" err="1" smtClean="0"/>
-              <a:t>데이터그리드뷰</a:t>
-            </a:r>
-            <a:endParaRPr lang="ko-KR" altLang="en-US" b="1" dirty="0"/>
-          </a:p>
-        </p:txBody>
-      </p:sp>
-      <p:sp>
-        <p:nvSpPr>
-          <p:cNvPr id="23" name="TextBox 22"/>
-          <p:cNvSpPr txBox="1"/>
-          <p:nvPr/>
-        </p:nvSpPr>
-        <p:spPr>
-          <a:xfrm>
-            <a:off x="3059832" y="4581128"/>
-            <a:ext cx="1882247" cy="369332"/>
-          </a:xfrm>
-          <a:prstGeom prst="rect">
-            <a:avLst/>
-          </a:prstGeom>
-          <a:solidFill>
-            <a:schemeClr val="bg1"/>
-          </a:solidFill>
-          <a:ln>
-            <a:solidFill>
-              <a:schemeClr val="tx1"/>
-            </a:solidFill>
-          </a:ln>
-        </p:spPr>
-        <p:txBody>
-          <a:bodyPr wrap="none" rtlCol="0">
-            <a:spAutoFit/>
-          </a:bodyPr>
-          <a:lstStyle/>
-          <a:p>
-            <a:r>
-              <a:rPr lang="ko-KR" altLang="en-US" b="1" dirty="0" err="1" smtClean="0"/>
-              <a:t>쿼리문</a:t>
-            </a:r>
-            <a:r>
-              <a:rPr lang="ko-KR" altLang="en-US" b="1" dirty="0" smtClean="0"/>
-              <a:t> 자동작성</a:t>
-            </a:r>
-            <a:endParaRPr lang="ko-KR" altLang="en-US" b="1" dirty="0"/>
-          </a:p>
-        </p:txBody>
-      </p:sp>
-      <p:sp>
-        <p:nvSpPr>
-          <p:cNvPr id="24" name="TextBox 23"/>
-          <p:cNvSpPr txBox="1"/>
-          <p:nvPr/>
-        </p:nvSpPr>
-        <p:spPr>
-          <a:xfrm>
-            <a:off x="6804248" y="4581128"/>
-            <a:ext cx="955711" cy="369332"/>
-          </a:xfrm>
-          <a:prstGeom prst="rect">
-            <a:avLst/>
-          </a:prstGeom>
-          <a:solidFill>
-            <a:schemeClr val="bg1"/>
-          </a:solidFill>
-          <a:ln>
-            <a:solidFill>
-              <a:schemeClr val="tx1"/>
-            </a:solidFill>
-          </a:ln>
-        </p:spPr>
-        <p:txBody>
-          <a:bodyPr wrap="none" rtlCol="0">
-            <a:spAutoFit/>
-          </a:bodyPr>
-          <a:lstStyle/>
-          <a:p>
-            <a:r>
-              <a:rPr lang="en-US" altLang="ko-KR" b="1" dirty="0" smtClean="0"/>
-              <a:t>LOG </a:t>
-            </a:r>
-            <a:r>
-              <a:rPr lang="ko-KR" altLang="en-US" b="1" dirty="0" smtClean="0"/>
-              <a:t>창</a:t>
-            </a:r>
-            <a:endParaRPr lang="ko-KR" altLang="en-US" b="1" dirty="0"/>
-          </a:p>
-        </p:txBody>
-      </p:sp>
-      <p:sp>
-        <p:nvSpPr>
-          <p:cNvPr id="25" name="TextBox 24"/>
-          <p:cNvSpPr txBox="1"/>
-          <p:nvPr/>
-        </p:nvSpPr>
-        <p:spPr>
-          <a:xfrm>
-            <a:off x="395536" y="836712"/>
-            <a:ext cx="877163" cy="369332"/>
-          </a:xfrm>
-          <a:prstGeom prst="rect">
-            <a:avLst/>
-          </a:prstGeom>
-          <a:solidFill>
-            <a:schemeClr val="bg1"/>
-          </a:solidFill>
-          <a:ln>
-            <a:solidFill>
-              <a:schemeClr val="tx1"/>
-            </a:solidFill>
-          </a:ln>
-        </p:spPr>
-        <p:txBody>
-          <a:bodyPr wrap="none" rtlCol="0">
-            <a:spAutoFit/>
-          </a:bodyPr>
-          <a:lstStyle/>
-          <a:p>
-            <a:r>
-              <a:rPr lang="ko-KR" altLang="en-US" b="1" dirty="0" smtClean="0"/>
-              <a:t>테이블</a:t>
-            </a:r>
-            <a:endParaRPr lang="ko-KR" altLang="en-US" b="1" dirty="0"/>
-          </a:p>
-        </p:txBody>
-      </p:sp>
-      <p:sp>
-        <p:nvSpPr>
-          <p:cNvPr id="26" name="TextBox 25"/>
-          <p:cNvSpPr txBox="1"/>
-          <p:nvPr/>
-        </p:nvSpPr>
-        <p:spPr>
-          <a:xfrm>
-            <a:off x="395536" y="2474821"/>
-            <a:ext cx="1107996" cy="369332"/>
-          </a:xfrm>
-          <a:prstGeom prst="rect">
-            <a:avLst/>
-          </a:prstGeom>
-          <a:solidFill>
-            <a:schemeClr val="bg1"/>
-          </a:solidFill>
-          <a:ln>
-            <a:solidFill>
-              <a:schemeClr val="tx1"/>
-            </a:solidFill>
-          </a:ln>
-        </p:spPr>
-        <p:txBody>
-          <a:bodyPr wrap="none" rtlCol="0">
-            <a:spAutoFit/>
-          </a:bodyPr>
-          <a:lstStyle/>
-          <a:p>
-            <a:r>
-              <a:rPr lang="ko-KR" altLang="en-US" b="1" dirty="0" smtClean="0"/>
-              <a:t>프로시저</a:t>
-            </a:r>
-            <a:endParaRPr lang="ko-KR" altLang="en-US" b="1" dirty="0"/>
-          </a:p>
-        </p:txBody>
-      </p:sp>
-      <p:sp>
-        <p:nvSpPr>
-          <p:cNvPr id="27" name="TextBox 26"/>
-          <p:cNvSpPr txBox="1"/>
-          <p:nvPr/>
-        </p:nvSpPr>
-        <p:spPr>
-          <a:xfrm>
-            <a:off x="395536" y="4207537"/>
-            <a:ext cx="877163" cy="369332"/>
-          </a:xfrm>
-          <a:prstGeom prst="rect">
-            <a:avLst/>
-          </a:prstGeom>
-          <a:solidFill>
-            <a:schemeClr val="bg1"/>
-          </a:solidFill>
-          <a:ln>
-            <a:solidFill>
-              <a:schemeClr val="tx1"/>
-            </a:solidFill>
-          </a:ln>
-        </p:spPr>
-        <p:txBody>
-          <a:bodyPr wrap="none" rtlCol="0">
-            <a:spAutoFit/>
-          </a:bodyPr>
-          <a:lstStyle/>
-          <a:p>
-            <a:r>
-              <a:rPr lang="ko-KR" altLang="en-US" b="1" dirty="0" smtClean="0"/>
-              <a:t>시퀀스</a:t>
-            </a:r>
-            <a:endParaRPr lang="ko-KR" altLang="en-US" b="1" dirty="0"/>
-          </a:p>
-        </p:txBody>
-      </p:sp>
-      <p:sp>
-        <p:nvSpPr>
-          <p:cNvPr id="28" name="TextBox 27"/>
-          <p:cNvSpPr txBox="1"/>
-          <p:nvPr/>
-        </p:nvSpPr>
-        <p:spPr>
-          <a:xfrm>
-            <a:off x="834117" y="1340768"/>
-            <a:ext cx="1010213" cy="369332"/>
-          </a:xfrm>
-          <a:prstGeom prst="rect">
-            <a:avLst/>
-          </a:prstGeom>
-          <a:solidFill>
-            <a:schemeClr val="bg1"/>
-          </a:solidFill>
-          <a:ln>
-            <a:solidFill>
-              <a:schemeClr val="tx1"/>
-            </a:solidFill>
-          </a:ln>
-        </p:spPr>
-        <p:txBody>
-          <a:bodyPr wrap="none" rtlCol="0">
-            <a:spAutoFit/>
-          </a:bodyPr>
-          <a:lstStyle/>
-          <a:p>
-            <a:r>
-              <a:rPr lang="ko-KR" altLang="en-US" b="1" dirty="0" smtClean="0"/>
-              <a:t>테이블</a:t>
-            </a:r>
-            <a:r>
-              <a:rPr lang="en-US" altLang="ko-KR" b="1" dirty="0" smtClean="0"/>
-              <a:t>1</a:t>
-            </a:r>
-            <a:endParaRPr lang="ko-KR" altLang="en-US" b="1" dirty="0"/>
-          </a:p>
-        </p:txBody>
-      </p:sp>
-      <p:sp>
-        <p:nvSpPr>
-          <p:cNvPr id="30" name="TextBox 29"/>
-          <p:cNvSpPr txBox="1"/>
-          <p:nvPr/>
-        </p:nvSpPr>
-        <p:spPr>
-          <a:xfrm>
-            <a:off x="834117" y="1902082"/>
-            <a:ext cx="1010213" cy="369332"/>
-          </a:xfrm>
-          <a:prstGeom prst="rect">
-            <a:avLst/>
-          </a:prstGeom>
-          <a:solidFill>
-            <a:schemeClr val="bg1"/>
-          </a:solidFill>
-          <a:ln>
-            <a:solidFill>
-              <a:schemeClr val="tx1"/>
-            </a:solidFill>
-          </a:ln>
-        </p:spPr>
-        <p:txBody>
-          <a:bodyPr wrap="none" rtlCol="0">
-            <a:spAutoFit/>
-          </a:bodyPr>
-          <a:lstStyle/>
-          <a:p>
-            <a:r>
-              <a:rPr lang="ko-KR" altLang="en-US" b="1" dirty="0" smtClean="0"/>
-              <a:t>테이블</a:t>
-            </a:r>
-            <a:r>
-              <a:rPr lang="en-US" altLang="ko-KR" b="1" dirty="0" smtClean="0"/>
-              <a:t>2</a:t>
-            </a:r>
-            <a:endParaRPr lang="ko-KR" altLang="en-US" b="1" dirty="0"/>
-          </a:p>
-        </p:txBody>
-      </p:sp>
-      <p:sp>
-        <p:nvSpPr>
-          <p:cNvPr id="31" name="TextBox 30"/>
-          <p:cNvSpPr txBox="1"/>
-          <p:nvPr/>
-        </p:nvSpPr>
-        <p:spPr>
-          <a:xfrm>
-            <a:off x="834117" y="3034659"/>
-            <a:ext cx="1241045" cy="369332"/>
-          </a:xfrm>
-          <a:prstGeom prst="rect">
-            <a:avLst/>
-          </a:prstGeom>
-          <a:solidFill>
-            <a:schemeClr val="bg1"/>
-          </a:solidFill>
-          <a:ln>
-            <a:solidFill>
-              <a:schemeClr val="tx1"/>
-            </a:solidFill>
-          </a:ln>
-        </p:spPr>
-        <p:txBody>
-          <a:bodyPr wrap="none" rtlCol="0">
-            <a:spAutoFit/>
-          </a:bodyPr>
-          <a:lstStyle/>
-          <a:p>
-            <a:r>
-              <a:rPr lang="ko-KR" altLang="en-US" b="1" dirty="0" smtClean="0"/>
-              <a:t>프로시저</a:t>
-            </a:r>
-            <a:r>
-              <a:rPr lang="en-US" altLang="ko-KR" b="1" dirty="0" smtClean="0"/>
-              <a:t>1</a:t>
-            </a:r>
-            <a:endParaRPr lang="ko-KR" altLang="en-US" b="1" dirty="0"/>
-          </a:p>
-        </p:txBody>
-      </p:sp>
-      <p:sp>
-        <p:nvSpPr>
-          <p:cNvPr id="32" name="TextBox 31"/>
-          <p:cNvSpPr txBox="1"/>
-          <p:nvPr/>
-        </p:nvSpPr>
-        <p:spPr>
-          <a:xfrm>
-            <a:off x="834117" y="3556858"/>
-            <a:ext cx="1241045" cy="369332"/>
-          </a:xfrm>
-          <a:prstGeom prst="rect">
-            <a:avLst/>
-          </a:prstGeom>
-          <a:solidFill>
-            <a:schemeClr val="bg1"/>
-          </a:solidFill>
-          <a:ln>
-            <a:solidFill>
-              <a:schemeClr val="tx1"/>
-            </a:solidFill>
-          </a:ln>
-        </p:spPr>
-        <p:txBody>
-          <a:bodyPr wrap="none" rtlCol="0">
-            <a:spAutoFit/>
-          </a:bodyPr>
-          <a:lstStyle/>
-          <a:p>
-            <a:r>
-              <a:rPr lang="ko-KR" altLang="en-US" b="1" dirty="0" smtClean="0"/>
-              <a:t>프로시저</a:t>
-            </a:r>
-            <a:r>
-              <a:rPr lang="en-US" altLang="ko-KR" b="1" dirty="0" smtClean="0"/>
-              <a:t>2</a:t>
-            </a:r>
-            <a:endParaRPr lang="ko-KR" altLang="en-US" b="1" dirty="0"/>
-          </a:p>
-        </p:txBody>
-      </p:sp>
-      <p:sp>
-        <p:nvSpPr>
-          <p:cNvPr id="33" name="TextBox 32"/>
-          <p:cNvSpPr txBox="1"/>
-          <p:nvPr/>
-        </p:nvSpPr>
-        <p:spPr>
-          <a:xfrm>
-            <a:off x="834116" y="4765794"/>
-            <a:ext cx="1010213" cy="369332"/>
-          </a:xfrm>
-          <a:prstGeom prst="rect">
-            <a:avLst/>
-          </a:prstGeom>
-          <a:solidFill>
-            <a:schemeClr val="bg1"/>
-          </a:solidFill>
-          <a:ln>
-            <a:solidFill>
-              <a:schemeClr val="tx1"/>
-            </a:solidFill>
-          </a:ln>
-        </p:spPr>
-        <p:txBody>
-          <a:bodyPr wrap="none" rtlCol="0">
-            <a:spAutoFit/>
-          </a:bodyPr>
-          <a:lstStyle/>
-          <a:p>
-            <a:r>
-              <a:rPr lang="ko-KR" altLang="en-US" b="1" dirty="0" smtClean="0"/>
-              <a:t>시퀀스</a:t>
-            </a:r>
-            <a:r>
-              <a:rPr lang="en-US" altLang="ko-KR" b="1" dirty="0" smtClean="0"/>
-              <a:t>1</a:t>
-            </a:r>
-            <a:endParaRPr lang="ko-KR" altLang="en-US" b="1" dirty="0"/>
-          </a:p>
-        </p:txBody>
-      </p:sp>
-      <p:sp>
-        <p:nvSpPr>
-          <p:cNvPr id="34" name="TextBox 33"/>
-          <p:cNvSpPr txBox="1"/>
-          <p:nvPr/>
-        </p:nvSpPr>
-        <p:spPr>
-          <a:xfrm>
-            <a:off x="834116" y="5272907"/>
-            <a:ext cx="1010213" cy="369332"/>
-          </a:xfrm>
-          <a:prstGeom prst="rect">
-            <a:avLst/>
-          </a:prstGeom>
-          <a:solidFill>
-            <a:schemeClr val="bg1"/>
-          </a:solidFill>
-          <a:ln>
-            <a:solidFill>
-              <a:schemeClr val="tx1"/>
-            </a:solidFill>
-          </a:ln>
-        </p:spPr>
-        <p:txBody>
-          <a:bodyPr wrap="none" rtlCol="0">
-            <a:spAutoFit/>
-          </a:bodyPr>
-          <a:lstStyle/>
-          <a:p>
-            <a:r>
-              <a:rPr lang="ko-KR" altLang="en-US" b="1" dirty="0" smtClean="0"/>
-              <a:t>시퀀스</a:t>
-            </a:r>
-            <a:r>
-              <a:rPr lang="en-US" altLang="ko-KR" b="1" dirty="0" smtClean="0"/>
-              <a:t>2</a:t>
-            </a:r>
-            <a:endParaRPr lang="ko-KR" altLang="en-US" b="1" dirty="0"/>
-          </a:p>
-        </p:txBody>
-      </p:sp>
-      <p:cxnSp>
-        <p:nvCxnSpPr>
-          <p:cNvPr id="36" name="직선 연결선 35"/>
-          <p:cNvCxnSpPr/>
-          <p:nvPr/>
-        </p:nvCxnSpPr>
-        <p:spPr>
-          <a:xfrm>
-            <a:off x="611560" y="1206044"/>
-            <a:ext cx="0" cy="880704"/>
-          </a:xfrm>
-          <a:prstGeom prst="line">
-            <a:avLst/>
-          </a:prstGeom>
-          <a:ln>
-            <a:solidFill>
-              <a:schemeClr val="tx1"/>
-            </a:solidFill>
-          </a:ln>
-        </p:spPr>
-        <p:style>
-          <a:lnRef idx="1">
-            <a:schemeClr val="accent1"/>
-          </a:lnRef>
-          <a:fillRef idx="0">
-            <a:schemeClr val="accent1"/>
-          </a:fillRef>
-          <a:effectRef idx="0">
-            <a:schemeClr val="accent1"/>
-          </a:effectRef>
-          <a:fontRef idx="minor">
-            <a:schemeClr val="tx1"/>
-          </a:fontRef>
-        </p:style>
-      </p:cxnSp>
-      <p:cxnSp>
-        <p:nvCxnSpPr>
-          <p:cNvPr id="37" name="직선 연결선 36"/>
-          <p:cNvCxnSpPr/>
-          <p:nvPr/>
-        </p:nvCxnSpPr>
-        <p:spPr>
-          <a:xfrm>
-            <a:off x="611560" y="2844153"/>
-            <a:ext cx="0" cy="880704"/>
-          </a:xfrm>
-          <a:prstGeom prst="line">
-            <a:avLst/>
-          </a:prstGeom>
-          <a:ln>
-            <a:solidFill>
-              <a:schemeClr val="tx1"/>
-            </a:solidFill>
-          </a:ln>
-        </p:spPr>
-        <p:style>
-          <a:lnRef idx="1">
-            <a:schemeClr val="accent1"/>
-          </a:lnRef>
-          <a:fillRef idx="0">
-            <a:schemeClr val="accent1"/>
-          </a:fillRef>
-          <a:effectRef idx="0">
-            <a:schemeClr val="accent1"/>
-          </a:effectRef>
-          <a:fontRef idx="minor">
-            <a:schemeClr val="tx1"/>
-          </a:fontRef>
-        </p:style>
-      </p:cxnSp>
-      <p:cxnSp>
-        <p:nvCxnSpPr>
-          <p:cNvPr id="38" name="직선 연결선 37"/>
-          <p:cNvCxnSpPr/>
-          <p:nvPr/>
-        </p:nvCxnSpPr>
-        <p:spPr>
-          <a:xfrm>
-            <a:off x="611560" y="4576869"/>
-            <a:ext cx="0" cy="880704"/>
-          </a:xfrm>
-          <a:prstGeom prst="line">
-            <a:avLst/>
-          </a:prstGeom>
-          <a:ln>
-            <a:solidFill>
-              <a:schemeClr val="tx1"/>
-            </a:solidFill>
-          </a:ln>
-        </p:spPr>
-        <p:style>
-          <a:lnRef idx="1">
-            <a:schemeClr val="accent1"/>
-          </a:lnRef>
-          <a:fillRef idx="0">
-            <a:schemeClr val="accent1"/>
-          </a:fillRef>
-          <a:effectRef idx="0">
-            <a:schemeClr val="accent1"/>
-          </a:effectRef>
-          <a:fontRef idx="minor">
-            <a:schemeClr val="tx1"/>
-          </a:fontRef>
-        </p:style>
-      </p:cxnSp>
-      <p:cxnSp>
-        <p:nvCxnSpPr>
-          <p:cNvPr id="40" name="직선 연결선 39"/>
-          <p:cNvCxnSpPr>
-            <a:endCxn id="28" idx="1"/>
-          </p:cNvCxnSpPr>
-          <p:nvPr/>
-        </p:nvCxnSpPr>
-        <p:spPr>
-          <a:xfrm>
-            <a:off x="611560" y="1525434"/>
-            <a:ext cx="222557" cy="0"/>
-          </a:xfrm>
-          <a:prstGeom prst="line">
-            <a:avLst/>
-          </a:prstGeom>
-          <a:ln>
-            <a:solidFill>
-              <a:schemeClr val="tx1"/>
-            </a:solidFill>
-          </a:ln>
-        </p:spPr>
-        <p:style>
-          <a:lnRef idx="1">
-            <a:schemeClr val="accent1"/>
-          </a:lnRef>
-          <a:fillRef idx="0">
-            <a:schemeClr val="accent1"/>
-          </a:fillRef>
-          <a:effectRef idx="0">
-            <a:schemeClr val="accent1"/>
-          </a:effectRef>
-          <a:fontRef idx="minor">
-            <a:schemeClr val="tx1"/>
-          </a:fontRef>
-        </p:style>
-      </p:cxnSp>
-      <p:cxnSp>
-        <p:nvCxnSpPr>
-          <p:cNvPr id="41" name="직선 연결선 40"/>
-          <p:cNvCxnSpPr/>
-          <p:nvPr/>
-        </p:nvCxnSpPr>
-        <p:spPr>
-          <a:xfrm>
-            <a:off x="611560" y="2084324"/>
-            <a:ext cx="222557" cy="0"/>
-          </a:xfrm>
-          <a:prstGeom prst="line">
-            <a:avLst/>
-          </a:prstGeom>
-          <a:ln>
-            <a:solidFill>
-              <a:schemeClr val="tx1"/>
-            </a:solidFill>
-          </a:ln>
-        </p:spPr>
-        <p:style>
-          <a:lnRef idx="1">
-            <a:schemeClr val="accent1"/>
-          </a:lnRef>
-          <a:fillRef idx="0">
-            <a:schemeClr val="accent1"/>
-          </a:fillRef>
-          <a:effectRef idx="0">
-            <a:schemeClr val="accent1"/>
-          </a:effectRef>
-          <a:fontRef idx="minor">
-            <a:schemeClr val="tx1"/>
-          </a:fontRef>
-        </p:style>
-      </p:cxnSp>
-      <p:cxnSp>
-        <p:nvCxnSpPr>
-          <p:cNvPr id="42" name="직선 연결선 41"/>
-          <p:cNvCxnSpPr/>
-          <p:nvPr/>
-        </p:nvCxnSpPr>
-        <p:spPr>
-          <a:xfrm>
-            <a:off x="611560" y="3219325"/>
-            <a:ext cx="222557" cy="0"/>
-          </a:xfrm>
-          <a:prstGeom prst="line">
-            <a:avLst/>
-          </a:prstGeom>
-          <a:ln>
-            <a:solidFill>
-              <a:schemeClr val="tx1"/>
-            </a:solidFill>
-          </a:ln>
-        </p:spPr>
-        <p:style>
-          <a:lnRef idx="1">
-            <a:schemeClr val="accent1"/>
-          </a:lnRef>
-          <a:fillRef idx="0">
-            <a:schemeClr val="accent1"/>
-          </a:fillRef>
-          <a:effectRef idx="0">
-            <a:schemeClr val="accent1"/>
-          </a:effectRef>
-          <a:fontRef idx="minor">
-            <a:schemeClr val="tx1"/>
-          </a:fontRef>
-        </p:style>
-      </p:cxnSp>
-      <p:cxnSp>
-        <p:nvCxnSpPr>
-          <p:cNvPr id="43" name="직선 연결선 42"/>
-          <p:cNvCxnSpPr/>
-          <p:nvPr/>
-        </p:nvCxnSpPr>
-        <p:spPr>
-          <a:xfrm>
-            <a:off x="611560" y="3714845"/>
-            <a:ext cx="222557" cy="0"/>
-          </a:xfrm>
-          <a:prstGeom prst="line">
-            <a:avLst/>
-          </a:prstGeom>
-          <a:ln>
-            <a:solidFill>
-              <a:schemeClr val="tx1"/>
-            </a:solidFill>
-          </a:ln>
-        </p:spPr>
-        <p:style>
-          <a:lnRef idx="1">
-            <a:schemeClr val="accent1"/>
-          </a:lnRef>
-          <a:fillRef idx="0">
-            <a:schemeClr val="accent1"/>
-          </a:fillRef>
-          <a:effectRef idx="0">
-            <a:schemeClr val="accent1"/>
-          </a:effectRef>
-          <a:fontRef idx="minor">
-            <a:schemeClr val="tx1"/>
-          </a:fontRef>
-        </p:style>
-      </p:cxnSp>
-      <p:cxnSp>
-        <p:nvCxnSpPr>
-          <p:cNvPr id="44" name="직선 연결선 43"/>
-          <p:cNvCxnSpPr/>
-          <p:nvPr/>
-        </p:nvCxnSpPr>
-        <p:spPr>
-          <a:xfrm>
-            <a:off x="611560" y="4938257"/>
-            <a:ext cx="222557" cy="0"/>
-          </a:xfrm>
-          <a:prstGeom prst="line">
-            <a:avLst/>
-          </a:prstGeom>
-          <a:ln>
-            <a:solidFill>
-              <a:schemeClr val="tx1"/>
-            </a:solidFill>
-          </a:ln>
-        </p:spPr>
-        <p:style>
-          <a:lnRef idx="1">
-            <a:schemeClr val="accent1"/>
-          </a:lnRef>
-          <a:fillRef idx="0">
-            <a:schemeClr val="accent1"/>
-          </a:fillRef>
-          <a:effectRef idx="0">
-            <a:schemeClr val="accent1"/>
-          </a:effectRef>
-          <a:fontRef idx="minor">
-            <a:schemeClr val="tx1"/>
-          </a:fontRef>
-        </p:style>
-      </p:cxnSp>
-      <p:cxnSp>
-        <p:nvCxnSpPr>
-          <p:cNvPr id="45" name="직선 연결선 44"/>
-          <p:cNvCxnSpPr/>
-          <p:nvPr/>
-        </p:nvCxnSpPr>
-        <p:spPr>
-          <a:xfrm>
-            <a:off x="611560" y="5457573"/>
-            <a:ext cx="222557" cy="0"/>
-          </a:xfrm>
-          <a:prstGeom prst="line">
-            <a:avLst/>
-          </a:prstGeom>
-          <a:ln>
-            <a:solidFill>
-              <a:schemeClr val="tx1"/>
-            </a:solidFill>
-          </a:ln>
-        </p:spPr>
-        <p:style>
-          <a:lnRef idx="1">
-            <a:schemeClr val="accent1"/>
-          </a:lnRef>
-          <a:fillRef idx="0">
-            <a:schemeClr val="accent1"/>
-          </a:fillRef>
-          <a:effectRef idx="0">
-            <a:schemeClr val="accent1"/>
-          </a:effectRef>
-          <a:fontRef idx="minor">
-            <a:schemeClr val="tx1"/>
-          </a:fontRef>
-        </p:style>
-      </p:cxnSp>
-      <p:sp>
-        <p:nvSpPr>
-          <p:cNvPr id="47" name="직사각형 46"/>
-          <p:cNvSpPr/>
-          <p:nvPr/>
-        </p:nvSpPr>
-        <p:spPr>
-          <a:xfrm>
-            <a:off x="3118893" y="1150421"/>
-            <a:ext cx="3685355" cy="2600524"/>
-          </a:xfrm>
-          <a:prstGeom prst="rect">
-            <a:avLst/>
-          </a:prstGeom>
-          <a:solidFill>
-            <a:schemeClr val="accent4">
-              <a:lumMod val="40000"/>
-              <a:lumOff val="60000"/>
-            </a:schemeClr>
-          </a:solidFill>
-          <a:ln>
-            <a:solidFill>
-              <a:schemeClr val="tx1"/>
-            </a:solidFill>
-          </a:ln>
-        </p:spPr>
-        <p:style>
-          <a:lnRef idx="2">
-            <a:schemeClr val="accent1">
-              <a:shade val="50000"/>
-            </a:schemeClr>
-          </a:lnRef>
-          <a:fillRef idx="1">
-            <a:schemeClr val="accent1"/>
-          </a:fillRef>
-          <a:effectRef idx="0">
-            <a:schemeClr val="accent1"/>
-          </a:effectRef>
-          <a:fontRef idx="minor">
-            <a:schemeClr val="lt1"/>
-          </a:fontRef>
-        </p:style>
-        <p:txBody>
-          <a:bodyPr rtlCol="0" anchor="ctr"/>
-          <a:lstStyle/>
-          <a:p>
-            <a:pPr algn="ctr"/>
-            <a:r>
-              <a:rPr lang="ko-KR" altLang="en-US" sz="3600" b="1" dirty="0" smtClean="0">
+            </a:ln>
+          </p:spPr>
+          <p:style>
+            <a:lnRef idx="2">
+              <a:schemeClr val="accent1">
+                <a:shade val="50000"/>
+              </a:schemeClr>
+            </a:lnRef>
+            <a:fillRef idx="1">
+              <a:schemeClr val="accent1"/>
+            </a:fillRef>
+            <a:effectRef idx="0">
+              <a:schemeClr val="accent1"/>
+            </a:effectRef>
+            <a:fontRef idx="minor">
+              <a:schemeClr val="lt1"/>
+            </a:fontRef>
+          </p:style>
+          <p:txBody>
+            <a:bodyPr rtlCol="0" anchor="ctr"/>
+            <a:lstStyle/>
+            <a:p>
+              <a:pPr algn="ctr"/>
+              <a:endParaRPr lang="ko-KR" altLang="en-US" b="1" dirty="0">
                 <a:solidFill>
                   <a:schemeClr val="tx1"/>
                 </a:solidFill>
-              </a:rPr>
-              <a:t>구현 기능</a:t>
-            </a:r>
-            <a:endParaRPr lang="en-US" altLang="ko-KR" sz="3600" b="1" dirty="0" smtClean="0">
+              </a:endParaRPr>
+            </a:p>
+          </p:txBody>
+        </p:sp>
+        <p:sp>
+          <p:nvSpPr>
+            <p:cNvPr id="22" name="TextBox 21"/>
+            <p:cNvSpPr txBox="1"/>
+            <p:nvPr/>
+          </p:nvSpPr>
+          <p:spPr>
+            <a:xfrm>
+              <a:off x="3059832" y="332656"/>
+              <a:ext cx="1800493" cy="369332"/>
+            </a:xfrm>
+            <a:prstGeom prst="rect">
+              <a:avLst/>
+            </a:prstGeom>
+            <a:solidFill>
+              <a:schemeClr val="bg1"/>
+            </a:solidFill>
+            <a:ln>
               <a:solidFill>
                 <a:schemeClr val="tx1"/>
               </a:solidFill>
-            </a:endParaRPr>
-          </a:p>
-          <a:p>
-            <a:pPr algn="ctr"/>
-            <a:r>
-              <a:rPr lang="en-US" altLang="ko-KR" sz="3600" b="1" dirty="0" smtClean="0">
+            </a:ln>
+          </p:spPr>
+          <p:txBody>
+            <a:bodyPr wrap="none" rtlCol="0">
+              <a:spAutoFit/>
+            </a:bodyPr>
+            <a:lstStyle/>
+            <a:p>
+              <a:r>
+                <a:rPr lang="ko-KR" altLang="en-US" b="1" dirty="0" err="1" smtClean="0"/>
+                <a:t>데이터그리드뷰</a:t>
+              </a:r>
+              <a:endParaRPr lang="ko-KR" altLang="en-US" b="1" dirty="0"/>
+            </a:p>
+          </p:txBody>
+        </p:sp>
+        <p:sp>
+          <p:nvSpPr>
+            <p:cNvPr id="23" name="TextBox 22"/>
+            <p:cNvSpPr txBox="1"/>
+            <p:nvPr/>
+          </p:nvSpPr>
+          <p:spPr>
+            <a:xfrm>
+              <a:off x="3059832" y="4581128"/>
+              <a:ext cx="1882247" cy="369332"/>
+            </a:xfrm>
+            <a:prstGeom prst="rect">
+              <a:avLst/>
+            </a:prstGeom>
+            <a:solidFill>
+              <a:schemeClr val="bg1"/>
+            </a:solidFill>
+            <a:ln>
+              <a:solidFill>
+                <a:schemeClr val="tx1"/>
+              </a:solidFill>
+            </a:ln>
+          </p:spPr>
+          <p:txBody>
+            <a:bodyPr wrap="none" rtlCol="0">
+              <a:spAutoFit/>
+            </a:bodyPr>
+            <a:lstStyle/>
+            <a:p>
+              <a:r>
+                <a:rPr lang="ko-KR" altLang="en-US" b="1" dirty="0" err="1" smtClean="0"/>
+                <a:t>쿼리문</a:t>
+              </a:r>
+              <a:r>
+                <a:rPr lang="ko-KR" altLang="en-US" b="1" dirty="0" smtClean="0"/>
+                <a:t> 자동작성</a:t>
+              </a:r>
+              <a:endParaRPr lang="ko-KR" altLang="en-US" b="1" dirty="0"/>
+            </a:p>
+          </p:txBody>
+        </p:sp>
+        <p:sp>
+          <p:nvSpPr>
+            <p:cNvPr id="25" name="TextBox 24"/>
+            <p:cNvSpPr txBox="1"/>
+            <p:nvPr/>
+          </p:nvSpPr>
+          <p:spPr>
+            <a:xfrm>
+              <a:off x="395536" y="836712"/>
+              <a:ext cx="877163" cy="369332"/>
+            </a:xfrm>
+            <a:prstGeom prst="rect">
+              <a:avLst/>
+            </a:prstGeom>
+            <a:solidFill>
+              <a:schemeClr val="bg1"/>
+            </a:solidFill>
+            <a:ln>
+              <a:solidFill>
+                <a:schemeClr val="tx1"/>
+              </a:solidFill>
+            </a:ln>
+          </p:spPr>
+          <p:txBody>
+            <a:bodyPr wrap="none" rtlCol="0">
+              <a:spAutoFit/>
+            </a:bodyPr>
+            <a:lstStyle/>
+            <a:p>
+              <a:r>
+                <a:rPr lang="ko-KR" altLang="en-US" b="1" dirty="0" smtClean="0"/>
+                <a:t>테이블</a:t>
+              </a:r>
+              <a:endParaRPr lang="ko-KR" altLang="en-US" b="1" dirty="0"/>
+            </a:p>
+          </p:txBody>
+        </p:sp>
+        <p:sp>
+          <p:nvSpPr>
+            <p:cNvPr id="26" name="TextBox 25"/>
+            <p:cNvSpPr txBox="1"/>
+            <p:nvPr/>
+          </p:nvSpPr>
+          <p:spPr>
+            <a:xfrm>
+              <a:off x="395536" y="2474821"/>
+              <a:ext cx="1107996" cy="369332"/>
+            </a:xfrm>
+            <a:prstGeom prst="rect">
+              <a:avLst/>
+            </a:prstGeom>
+            <a:solidFill>
+              <a:schemeClr val="bg1"/>
+            </a:solidFill>
+            <a:ln>
+              <a:solidFill>
+                <a:schemeClr val="tx1"/>
+              </a:solidFill>
+            </a:ln>
+          </p:spPr>
+          <p:txBody>
+            <a:bodyPr wrap="none" rtlCol="0">
+              <a:spAutoFit/>
+            </a:bodyPr>
+            <a:lstStyle/>
+            <a:p>
+              <a:r>
+                <a:rPr lang="ko-KR" altLang="en-US" b="1" dirty="0" smtClean="0"/>
+                <a:t>프로시저</a:t>
+              </a:r>
+              <a:endParaRPr lang="ko-KR" altLang="en-US" b="1" dirty="0"/>
+            </a:p>
+          </p:txBody>
+        </p:sp>
+        <p:sp>
+          <p:nvSpPr>
+            <p:cNvPr id="27" name="TextBox 26"/>
+            <p:cNvSpPr txBox="1"/>
+            <p:nvPr/>
+          </p:nvSpPr>
+          <p:spPr>
+            <a:xfrm>
+              <a:off x="395536" y="4207537"/>
+              <a:ext cx="877163" cy="369332"/>
+            </a:xfrm>
+            <a:prstGeom prst="rect">
+              <a:avLst/>
+            </a:prstGeom>
+            <a:solidFill>
+              <a:schemeClr val="bg1"/>
+            </a:solidFill>
+            <a:ln>
+              <a:solidFill>
+                <a:schemeClr val="tx1"/>
+              </a:solidFill>
+            </a:ln>
+          </p:spPr>
+          <p:txBody>
+            <a:bodyPr wrap="none" rtlCol="0">
+              <a:spAutoFit/>
+            </a:bodyPr>
+            <a:lstStyle/>
+            <a:p>
+              <a:r>
+                <a:rPr lang="ko-KR" altLang="en-US" b="1" dirty="0" smtClean="0"/>
+                <a:t>시퀀스</a:t>
+              </a:r>
+              <a:endParaRPr lang="ko-KR" altLang="en-US" b="1" dirty="0"/>
+            </a:p>
+          </p:txBody>
+        </p:sp>
+        <p:sp>
+          <p:nvSpPr>
+            <p:cNvPr id="28" name="TextBox 27"/>
+            <p:cNvSpPr txBox="1"/>
+            <p:nvPr/>
+          </p:nvSpPr>
+          <p:spPr>
+            <a:xfrm>
+              <a:off x="834117" y="1340768"/>
+              <a:ext cx="1010213" cy="369332"/>
+            </a:xfrm>
+            <a:prstGeom prst="rect">
+              <a:avLst/>
+            </a:prstGeom>
+            <a:solidFill>
+              <a:schemeClr val="bg1"/>
+            </a:solidFill>
+            <a:ln>
+              <a:solidFill>
+                <a:schemeClr val="tx1"/>
+              </a:solidFill>
+            </a:ln>
+          </p:spPr>
+          <p:txBody>
+            <a:bodyPr wrap="none" rtlCol="0">
+              <a:spAutoFit/>
+            </a:bodyPr>
+            <a:lstStyle/>
+            <a:p>
+              <a:r>
+                <a:rPr lang="ko-KR" altLang="en-US" b="1" dirty="0" smtClean="0"/>
+                <a:t>테이블</a:t>
+              </a:r>
+              <a:r>
+                <a:rPr lang="en-US" altLang="ko-KR" b="1" dirty="0" smtClean="0"/>
+                <a:t>1</a:t>
+              </a:r>
+              <a:endParaRPr lang="ko-KR" altLang="en-US" b="1" dirty="0"/>
+            </a:p>
+          </p:txBody>
+        </p:sp>
+        <p:sp>
+          <p:nvSpPr>
+            <p:cNvPr id="30" name="TextBox 29"/>
+            <p:cNvSpPr txBox="1"/>
+            <p:nvPr/>
+          </p:nvSpPr>
+          <p:spPr>
+            <a:xfrm>
+              <a:off x="834117" y="1902082"/>
+              <a:ext cx="1010213" cy="369332"/>
+            </a:xfrm>
+            <a:prstGeom prst="rect">
+              <a:avLst/>
+            </a:prstGeom>
+            <a:solidFill>
+              <a:schemeClr val="bg1"/>
+            </a:solidFill>
+            <a:ln>
+              <a:solidFill>
+                <a:schemeClr val="tx1"/>
+              </a:solidFill>
+            </a:ln>
+          </p:spPr>
+          <p:txBody>
+            <a:bodyPr wrap="none" rtlCol="0">
+              <a:spAutoFit/>
+            </a:bodyPr>
+            <a:lstStyle/>
+            <a:p>
+              <a:r>
+                <a:rPr lang="ko-KR" altLang="en-US" b="1" dirty="0" smtClean="0"/>
+                <a:t>테이블</a:t>
+              </a:r>
+              <a:r>
+                <a:rPr lang="en-US" altLang="ko-KR" b="1" dirty="0" smtClean="0"/>
+                <a:t>2</a:t>
+              </a:r>
+              <a:endParaRPr lang="ko-KR" altLang="en-US" b="1" dirty="0"/>
+            </a:p>
+          </p:txBody>
+        </p:sp>
+        <p:sp>
+          <p:nvSpPr>
+            <p:cNvPr id="31" name="TextBox 30"/>
+            <p:cNvSpPr txBox="1"/>
+            <p:nvPr/>
+          </p:nvSpPr>
+          <p:spPr>
+            <a:xfrm>
+              <a:off x="834117" y="3034659"/>
+              <a:ext cx="1241045" cy="369332"/>
+            </a:xfrm>
+            <a:prstGeom prst="rect">
+              <a:avLst/>
+            </a:prstGeom>
+            <a:solidFill>
+              <a:schemeClr val="bg1"/>
+            </a:solidFill>
+            <a:ln>
+              <a:solidFill>
+                <a:schemeClr val="tx1"/>
+              </a:solidFill>
+            </a:ln>
+          </p:spPr>
+          <p:txBody>
+            <a:bodyPr wrap="none" rtlCol="0">
+              <a:spAutoFit/>
+            </a:bodyPr>
+            <a:lstStyle/>
+            <a:p>
+              <a:r>
+                <a:rPr lang="ko-KR" altLang="en-US" b="1" dirty="0" smtClean="0"/>
+                <a:t>프로시저</a:t>
+              </a:r>
+              <a:r>
+                <a:rPr lang="en-US" altLang="ko-KR" b="1" dirty="0" smtClean="0"/>
+                <a:t>1</a:t>
+              </a:r>
+              <a:endParaRPr lang="ko-KR" altLang="en-US" b="1" dirty="0"/>
+            </a:p>
+          </p:txBody>
+        </p:sp>
+        <p:sp>
+          <p:nvSpPr>
+            <p:cNvPr id="32" name="TextBox 31"/>
+            <p:cNvSpPr txBox="1"/>
+            <p:nvPr/>
+          </p:nvSpPr>
+          <p:spPr>
+            <a:xfrm>
+              <a:off x="834117" y="3556858"/>
+              <a:ext cx="1241045" cy="369332"/>
+            </a:xfrm>
+            <a:prstGeom prst="rect">
+              <a:avLst/>
+            </a:prstGeom>
+            <a:solidFill>
+              <a:schemeClr val="bg1"/>
+            </a:solidFill>
+            <a:ln>
+              <a:solidFill>
+                <a:schemeClr val="tx1"/>
+              </a:solidFill>
+            </a:ln>
+          </p:spPr>
+          <p:txBody>
+            <a:bodyPr wrap="none" rtlCol="0">
+              <a:spAutoFit/>
+            </a:bodyPr>
+            <a:lstStyle/>
+            <a:p>
+              <a:r>
+                <a:rPr lang="ko-KR" altLang="en-US" b="1" dirty="0" smtClean="0"/>
+                <a:t>프로시저</a:t>
+              </a:r>
+              <a:r>
+                <a:rPr lang="en-US" altLang="ko-KR" b="1" dirty="0" smtClean="0"/>
+                <a:t>2</a:t>
+              </a:r>
+              <a:endParaRPr lang="ko-KR" altLang="en-US" b="1" dirty="0"/>
+            </a:p>
+          </p:txBody>
+        </p:sp>
+        <p:sp>
+          <p:nvSpPr>
+            <p:cNvPr id="33" name="TextBox 32"/>
+            <p:cNvSpPr txBox="1"/>
+            <p:nvPr/>
+          </p:nvSpPr>
+          <p:spPr>
+            <a:xfrm>
+              <a:off x="834116" y="4765794"/>
+              <a:ext cx="1010213" cy="369332"/>
+            </a:xfrm>
+            <a:prstGeom prst="rect">
+              <a:avLst/>
+            </a:prstGeom>
+            <a:solidFill>
+              <a:schemeClr val="bg1"/>
+            </a:solidFill>
+            <a:ln>
+              <a:solidFill>
+                <a:schemeClr val="tx1"/>
+              </a:solidFill>
+            </a:ln>
+          </p:spPr>
+          <p:txBody>
+            <a:bodyPr wrap="none" rtlCol="0">
+              <a:spAutoFit/>
+            </a:bodyPr>
+            <a:lstStyle/>
+            <a:p>
+              <a:r>
+                <a:rPr lang="ko-KR" altLang="en-US" b="1" dirty="0" smtClean="0"/>
+                <a:t>시퀀스</a:t>
+              </a:r>
+              <a:r>
+                <a:rPr lang="en-US" altLang="ko-KR" b="1" dirty="0" smtClean="0"/>
+                <a:t>1</a:t>
+              </a:r>
+              <a:endParaRPr lang="ko-KR" altLang="en-US" b="1" dirty="0"/>
+            </a:p>
+          </p:txBody>
+        </p:sp>
+        <p:sp>
+          <p:nvSpPr>
+            <p:cNvPr id="34" name="TextBox 33"/>
+            <p:cNvSpPr txBox="1"/>
+            <p:nvPr/>
+          </p:nvSpPr>
+          <p:spPr>
+            <a:xfrm>
+              <a:off x="834116" y="5272907"/>
+              <a:ext cx="1010213" cy="369332"/>
+            </a:xfrm>
+            <a:prstGeom prst="rect">
+              <a:avLst/>
+            </a:prstGeom>
+            <a:solidFill>
+              <a:schemeClr val="bg1"/>
+            </a:solidFill>
+            <a:ln>
+              <a:solidFill>
+                <a:schemeClr val="tx1"/>
+              </a:solidFill>
+            </a:ln>
+          </p:spPr>
+          <p:txBody>
+            <a:bodyPr wrap="none" rtlCol="0">
+              <a:spAutoFit/>
+            </a:bodyPr>
+            <a:lstStyle/>
+            <a:p>
+              <a:r>
+                <a:rPr lang="ko-KR" altLang="en-US" b="1" dirty="0" smtClean="0"/>
+                <a:t>시퀀스</a:t>
+              </a:r>
+              <a:r>
+                <a:rPr lang="en-US" altLang="ko-KR" b="1" dirty="0" smtClean="0"/>
+                <a:t>2</a:t>
+              </a:r>
+              <a:endParaRPr lang="ko-KR" altLang="en-US" b="1" dirty="0"/>
+            </a:p>
+          </p:txBody>
+        </p:sp>
+        <p:cxnSp>
+          <p:nvCxnSpPr>
+            <p:cNvPr id="36" name="직선 연결선 35"/>
+            <p:cNvCxnSpPr/>
+            <p:nvPr/>
+          </p:nvCxnSpPr>
+          <p:spPr>
+            <a:xfrm>
+              <a:off x="611560" y="1206044"/>
+              <a:ext cx="0" cy="880704"/>
+            </a:xfrm>
+            <a:prstGeom prst="line">
+              <a:avLst/>
+            </a:prstGeom>
+            <a:ln>
+              <a:solidFill>
+                <a:schemeClr val="tx1"/>
+              </a:solidFill>
+            </a:ln>
+          </p:spPr>
+          <p:style>
+            <a:lnRef idx="1">
+              <a:schemeClr val="accent1"/>
+            </a:lnRef>
+            <a:fillRef idx="0">
+              <a:schemeClr val="accent1"/>
+            </a:fillRef>
+            <a:effectRef idx="0">
+              <a:schemeClr val="accent1"/>
+            </a:effectRef>
+            <a:fontRef idx="minor">
+              <a:schemeClr val="tx1"/>
+            </a:fontRef>
+          </p:style>
+        </p:cxnSp>
+        <p:cxnSp>
+          <p:nvCxnSpPr>
+            <p:cNvPr id="37" name="직선 연결선 36"/>
+            <p:cNvCxnSpPr/>
+            <p:nvPr/>
+          </p:nvCxnSpPr>
+          <p:spPr>
+            <a:xfrm>
+              <a:off x="611560" y="2844153"/>
+              <a:ext cx="0" cy="880704"/>
+            </a:xfrm>
+            <a:prstGeom prst="line">
+              <a:avLst/>
+            </a:prstGeom>
+            <a:ln>
+              <a:solidFill>
+                <a:schemeClr val="tx1"/>
+              </a:solidFill>
+            </a:ln>
+          </p:spPr>
+          <p:style>
+            <a:lnRef idx="1">
+              <a:schemeClr val="accent1"/>
+            </a:lnRef>
+            <a:fillRef idx="0">
+              <a:schemeClr val="accent1"/>
+            </a:fillRef>
+            <a:effectRef idx="0">
+              <a:schemeClr val="accent1"/>
+            </a:effectRef>
+            <a:fontRef idx="minor">
+              <a:schemeClr val="tx1"/>
+            </a:fontRef>
+          </p:style>
+        </p:cxnSp>
+        <p:cxnSp>
+          <p:nvCxnSpPr>
+            <p:cNvPr id="38" name="직선 연결선 37"/>
+            <p:cNvCxnSpPr/>
+            <p:nvPr/>
+          </p:nvCxnSpPr>
+          <p:spPr>
+            <a:xfrm>
+              <a:off x="611560" y="4576869"/>
+              <a:ext cx="0" cy="880704"/>
+            </a:xfrm>
+            <a:prstGeom prst="line">
+              <a:avLst/>
+            </a:prstGeom>
+            <a:ln>
+              <a:solidFill>
+                <a:schemeClr val="tx1"/>
+              </a:solidFill>
+            </a:ln>
+          </p:spPr>
+          <p:style>
+            <a:lnRef idx="1">
+              <a:schemeClr val="accent1"/>
+            </a:lnRef>
+            <a:fillRef idx="0">
+              <a:schemeClr val="accent1"/>
+            </a:fillRef>
+            <a:effectRef idx="0">
+              <a:schemeClr val="accent1"/>
+            </a:effectRef>
+            <a:fontRef idx="minor">
+              <a:schemeClr val="tx1"/>
+            </a:fontRef>
+          </p:style>
+        </p:cxnSp>
+        <p:cxnSp>
+          <p:nvCxnSpPr>
+            <p:cNvPr id="40" name="직선 연결선 39"/>
+            <p:cNvCxnSpPr>
+              <a:endCxn id="28" idx="1"/>
+            </p:cNvCxnSpPr>
+            <p:nvPr/>
+          </p:nvCxnSpPr>
+          <p:spPr>
+            <a:xfrm>
+              <a:off x="611560" y="1525434"/>
+              <a:ext cx="222557" cy="0"/>
+            </a:xfrm>
+            <a:prstGeom prst="line">
+              <a:avLst/>
+            </a:prstGeom>
+            <a:ln>
+              <a:solidFill>
+                <a:schemeClr val="tx1"/>
+              </a:solidFill>
+            </a:ln>
+          </p:spPr>
+          <p:style>
+            <a:lnRef idx="1">
+              <a:schemeClr val="accent1"/>
+            </a:lnRef>
+            <a:fillRef idx="0">
+              <a:schemeClr val="accent1"/>
+            </a:fillRef>
+            <a:effectRef idx="0">
+              <a:schemeClr val="accent1"/>
+            </a:effectRef>
+            <a:fontRef idx="minor">
+              <a:schemeClr val="tx1"/>
+            </a:fontRef>
+          </p:style>
+        </p:cxnSp>
+        <p:cxnSp>
+          <p:nvCxnSpPr>
+            <p:cNvPr id="41" name="직선 연결선 40"/>
+            <p:cNvCxnSpPr/>
+            <p:nvPr/>
+          </p:nvCxnSpPr>
+          <p:spPr>
+            <a:xfrm>
+              <a:off x="611560" y="2084324"/>
+              <a:ext cx="222557" cy="0"/>
+            </a:xfrm>
+            <a:prstGeom prst="line">
+              <a:avLst/>
+            </a:prstGeom>
+            <a:ln>
+              <a:solidFill>
+                <a:schemeClr val="tx1"/>
+              </a:solidFill>
+            </a:ln>
+          </p:spPr>
+          <p:style>
+            <a:lnRef idx="1">
+              <a:schemeClr val="accent1"/>
+            </a:lnRef>
+            <a:fillRef idx="0">
+              <a:schemeClr val="accent1"/>
+            </a:fillRef>
+            <a:effectRef idx="0">
+              <a:schemeClr val="accent1"/>
+            </a:effectRef>
+            <a:fontRef idx="minor">
+              <a:schemeClr val="tx1"/>
+            </a:fontRef>
+          </p:style>
+        </p:cxnSp>
+        <p:cxnSp>
+          <p:nvCxnSpPr>
+            <p:cNvPr id="42" name="직선 연결선 41"/>
+            <p:cNvCxnSpPr/>
+            <p:nvPr/>
+          </p:nvCxnSpPr>
+          <p:spPr>
+            <a:xfrm>
+              <a:off x="611560" y="3219325"/>
+              <a:ext cx="222557" cy="0"/>
+            </a:xfrm>
+            <a:prstGeom prst="line">
+              <a:avLst/>
+            </a:prstGeom>
+            <a:ln>
+              <a:solidFill>
+                <a:schemeClr val="tx1"/>
+              </a:solidFill>
+            </a:ln>
+          </p:spPr>
+          <p:style>
+            <a:lnRef idx="1">
+              <a:schemeClr val="accent1"/>
+            </a:lnRef>
+            <a:fillRef idx="0">
+              <a:schemeClr val="accent1"/>
+            </a:fillRef>
+            <a:effectRef idx="0">
+              <a:schemeClr val="accent1"/>
+            </a:effectRef>
+            <a:fontRef idx="minor">
+              <a:schemeClr val="tx1"/>
+            </a:fontRef>
+          </p:style>
+        </p:cxnSp>
+        <p:cxnSp>
+          <p:nvCxnSpPr>
+            <p:cNvPr id="43" name="직선 연결선 42"/>
+            <p:cNvCxnSpPr/>
+            <p:nvPr/>
+          </p:nvCxnSpPr>
+          <p:spPr>
+            <a:xfrm>
+              <a:off x="611560" y="3714845"/>
+              <a:ext cx="222557" cy="0"/>
+            </a:xfrm>
+            <a:prstGeom prst="line">
+              <a:avLst/>
+            </a:prstGeom>
+            <a:ln>
+              <a:solidFill>
+                <a:schemeClr val="tx1"/>
+              </a:solidFill>
+            </a:ln>
+          </p:spPr>
+          <p:style>
+            <a:lnRef idx="1">
+              <a:schemeClr val="accent1"/>
+            </a:lnRef>
+            <a:fillRef idx="0">
+              <a:schemeClr val="accent1"/>
+            </a:fillRef>
+            <a:effectRef idx="0">
+              <a:schemeClr val="accent1"/>
+            </a:effectRef>
+            <a:fontRef idx="minor">
+              <a:schemeClr val="tx1"/>
+            </a:fontRef>
+          </p:style>
+        </p:cxnSp>
+        <p:cxnSp>
+          <p:nvCxnSpPr>
+            <p:cNvPr id="44" name="직선 연결선 43"/>
+            <p:cNvCxnSpPr/>
+            <p:nvPr/>
+          </p:nvCxnSpPr>
+          <p:spPr>
+            <a:xfrm>
+              <a:off x="611560" y="4938257"/>
+              <a:ext cx="222557" cy="0"/>
+            </a:xfrm>
+            <a:prstGeom prst="line">
+              <a:avLst/>
+            </a:prstGeom>
+            <a:ln>
+              <a:solidFill>
+                <a:schemeClr val="tx1"/>
+              </a:solidFill>
+            </a:ln>
+          </p:spPr>
+          <p:style>
+            <a:lnRef idx="1">
+              <a:schemeClr val="accent1"/>
+            </a:lnRef>
+            <a:fillRef idx="0">
+              <a:schemeClr val="accent1"/>
+            </a:fillRef>
+            <a:effectRef idx="0">
+              <a:schemeClr val="accent1"/>
+            </a:effectRef>
+            <a:fontRef idx="minor">
+              <a:schemeClr val="tx1"/>
+            </a:fontRef>
+          </p:style>
+        </p:cxnSp>
+        <p:cxnSp>
+          <p:nvCxnSpPr>
+            <p:cNvPr id="45" name="직선 연결선 44"/>
+            <p:cNvCxnSpPr/>
+            <p:nvPr/>
+          </p:nvCxnSpPr>
+          <p:spPr>
+            <a:xfrm>
+              <a:off x="611560" y="5457573"/>
+              <a:ext cx="222557" cy="0"/>
+            </a:xfrm>
+            <a:prstGeom prst="line">
+              <a:avLst/>
+            </a:prstGeom>
+            <a:ln>
+              <a:solidFill>
+                <a:schemeClr val="tx1"/>
+              </a:solidFill>
+            </a:ln>
+          </p:spPr>
+          <p:style>
+            <a:lnRef idx="1">
+              <a:schemeClr val="accent1"/>
+            </a:lnRef>
+            <a:fillRef idx="0">
+              <a:schemeClr val="accent1"/>
+            </a:fillRef>
+            <a:effectRef idx="0">
+              <a:schemeClr val="accent1"/>
+            </a:effectRef>
+            <a:fontRef idx="minor">
+              <a:schemeClr val="tx1"/>
+            </a:fontRef>
+          </p:style>
+        </p:cxnSp>
+        <p:sp>
+          <p:nvSpPr>
+            <p:cNvPr id="47" name="직사각형 46"/>
+            <p:cNvSpPr/>
+            <p:nvPr/>
+          </p:nvSpPr>
+          <p:spPr>
+            <a:xfrm>
+              <a:off x="5088756" y="244106"/>
+              <a:ext cx="3764756" cy="4447063"/>
+            </a:xfrm>
+            <a:prstGeom prst="rect">
+              <a:avLst/>
+            </a:prstGeom>
+            <a:solidFill>
+              <a:srgbClr val="FFFF00"/>
+            </a:solidFill>
+            <a:ln>
+              <a:solidFill>
+                <a:schemeClr val="tx1"/>
+              </a:solidFill>
+            </a:ln>
+          </p:spPr>
+          <p:style>
+            <a:lnRef idx="2">
+              <a:schemeClr val="accent1">
+                <a:shade val="50000"/>
+              </a:schemeClr>
+            </a:lnRef>
+            <a:fillRef idx="1">
+              <a:schemeClr val="accent1"/>
+            </a:fillRef>
+            <a:effectRef idx="0">
+              <a:schemeClr val="accent1"/>
+            </a:effectRef>
+            <a:fontRef idx="minor">
+              <a:schemeClr val="lt1"/>
+            </a:fontRef>
+          </p:style>
+          <p:txBody>
+            <a:bodyPr rtlCol="0" anchor="ctr"/>
+            <a:lstStyle/>
+            <a:p>
+              <a:pPr algn="ctr"/>
+              <a:r>
+                <a:rPr lang="en-US" altLang="ko-KR" sz="2000" b="1" dirty="0" smtClean="0">
+                  <a:solidFill>
+                    <a:schemeClr val="tx1"/>
+                  </a:solidFill>
+                </a:rPr>
+                <a:t>&lt;</a:t>
+              </a:r>
+              <a:r>
+                <a:rPr lang="ko-KR" altLang="en-US" sz="2000" b="1" dirty="0" smtClean="0">
+                  <a:solidFill>
+                    <a:schemeClr val="tx1"/>
+                  </a:solidFill>
+                </a:rPr>
+                <a:t>학습 및 실습</a:t>
+              </a:r>
+              <a:r>
+                <a:rPr lang="en-US" altLang="ko-KR" sz="2000" b="1" dirty="0" smtClean="0">
+                  <a:solidFill>
+                    <a:schemeClr val="tx1"/>
+                  </a:solidFill>
+                </a:rPr>
+                <a:t>&gt;</a:t>
+              </a:r>
+            </a:p>
+            <a:p>
+              <a:pPr algn="ctr"/>
+              <a:endParaRPr lang="en-US" altLang="ko-KR" sz="1400" dirty="0" smtClean="0">
                 <a:solidFill>
                   <a:schemeClr val="tx1"/>
                 </a:solidFill>
-              </a:rPr>
-              <a:t>DB</a:t>
-            </a:r>
-            <a:r>
-              <a:rPr lang="ko-KR" altLang="en-US" sz="3600" b="1" dirty="0" smtClean="0">
+              </a:endParaRPr>
+            </a:p>
+            <a:p>
+              <a:r>
+                <a:rPr lang="en-US" altLang="ko-KR" sz="1400" dirty="0" smtClean="0">
+                  <a:solidFill>
+                    <a:schemeClr val="tx1"/>
+                  </a:solidFill>
+                </a:rPr>
+                <a:t>1 DB</a:t>
+              </a:r>
+              <a:r>
+                <a:rPr lang="ko-KR" altLang="en-US" sz="1400" dirty="0" smtClean="0">
+                  <a:solidFill>
+                    <a:schemeClr val="tx1"/>
+                  </a:solidFill>
+                </a:rPr>
+                <a:t>구축</a:t>
+              </a:r>
+              <a:r>
+                <a:rPr lang="en-US" altLang="ko-KR" sz="1400" dirty="0" smtClean="0">
+                  <a:solidFill>
+                    <a:schemeClr val="tx1"/>
+                  </a:solidFill>
+                </a:rPr>
+                <a:t>(MSSQL,ORACLE)</a:t>
+              </a:r>
+            </a:p>
+            <a:p>
+              <a:r>
+                <a:rPr lang="en-US" altLang="ko-KR" sz="1400" dirty="0" smtClean="0">
+                  <a:solidFill>
+                    <a:schemeClr val="tx1"/>
+                  </a:solidFill>
+                </a:rPr>
+                <a:t>  </a:t>
+              </a:r>
+              <a:r>
+                <a:rPr lang="ja-JP" altLang="en-US" sz="1400" dirty="0" smtClean="0">
+                  <a:solidFill>
+                    <a:schemeClr val="tx1"/>
+                  </a:solidFill>
+                </a:rPr>
+                <a:t>・ </a:t>
+              </a:r>
+              <a:r>
+                <a:rPr lang="en-US" altLang="ko-KR" sz="1400" dirty="0" smtClean="0">
+                  <a:solidFill>
+                    <a:schemeClr val="tx1"/>
+                  </a:solidFill>
+                </a:rPr>
+                <a:t>ID,PW</a:t>
+              </a:r>
+              <a:r>
+                <a:rPr lang="ko-KR" altLang="en-US" sz="1400" dirty="0" smtClean="0">
+                  <a:solidFill>
+                    <a:schemeClr val="tx1"/>
+                  </a:solidFill>
+                </a:rPr>
+                <a:t>설정</a:t>
+              </a:r>
+              <a:endParaRPr lang="en-US" altLang="ko-KR" sz="1400" dirty="0" smtClean="0">
                 <a:solidFill>
                   <a:schemeClr val="tx1"/>
                 </a:solidFill>
-              </a:rPr>
-              <a:t>구현</a:t>
-            </a:r>
-            <a:endParaRPr lang="en-US" altLang="ko-KR" sz="3600" b="1" dirty="0" smtClean="0">
+              </a:endParaRPr>
+            </a:p>
+            <a:p>
+              <a:r>
+                <a:rPr lang="en-US" altLang="ko-KR" sz="1400" dirty="0">
+                  <a:solidFill>
+                    <a:schemeClr val="tx1"/>
+                  </a:solidFill>
+                </a:rPr>
+                <a:t> </a:t>
+              </a:r>
+              <a:r>
+                <a:rPr lang="en-US" altLang="ko-KR" sz="1400" dirty="0" smtClean="0">
+                  <a:solidFill>
+                    <a:schemeClr val="tx1"/>
+                  </a:solidFill>
+                </a:rPr>
+                <a:t> </a:t>
+              </a:r>
+              <a:r>
+                <a:rPr lang="ja-JP" altLang="en-US" sz="1400" dirty="0" smtClean="0">
+                  <a:solidFill>
+                    <a:schemeClr val="tx1"/>
+                  </a:solidFill>
+                </a:rPr>
+                <a:t>・ </a:t>
+              </a:r>
+              <a:r>
+                <a:rPr lang="ko-KR" altLang="en-US" sz="1400" dirty="0" smtClean="0">
+                  <a:solidFill>
+                    <a:schemeClr val="tx1"/>
+                  </a:solidFill>
+                </a:rPr>
+                <a:t>권한설정</a:t>
+              </a:r>
+              <a:endParaRPr lang="en-US" altLang="ko-KR" sz="1400" dirty="0" smtClean="0">
+                <a:solidFill>
+                  <a:schemeClr val="tx1"/>
+                </a:solidFill>
+              </a:endParaRPr>
+            </a:p>
+            <a:p>
+              <a:r>
+                <a:rPr lang="en-US" altLang="ko-KR" sz="1400" dirty="0" smtClean="0">
+                  <a:solidFill>
+                    <a:schemeClr val="tx1"/>
+                  </a:solidFill>
+                </a:rPr>
+                <a:t>  </a:t>
+              </a:r>
+              <a:r>
+                <a:rPr lang="ja-JP" altLang="en-US" sz="1400" dirty="0" smtClean="0">
+                  <a:solidFill>
+                    <a:schemeClr val="tx1"/>
+                  </a:solidFill>
+                </a:rPr>
+                <a:t>・ </a:t>
+              </a:r>
+              <a:r>
+                <a:rPr lang="ko-KR" altLang="en-US" sz="1400" dirty="0" smtClean="0">
+                  <a:solidFill>
+                    <a:schemeClr val="tx1"/>
+                  </a:solidFill>
+                </a:rPr>
+                <a:t>방화벽설정</a:t>
+              </a:r>
+              <a:endParaRPr lang="en-US" altLang="ko-KR" sz="1400" dirty="0" smtClean="0">
+                <a:solidFill>
+                  <a:schemeClr val="tx1"/>
+                </a:solidFill>
+              </a:endParaRPr>
+            </a:p>
+            <a:p>
+              <a:r>
+                <a:rPr lang="en-US" altLang="ko-KR" sz="1400" dirty="0">
+                  <a:solidFill>
+                    <a:schemeClr val="tx1"/>
+                  </a:solidFill>
+                </a:rPr>
+                <a:t> </a:t>
+              </a:r>
+              <a:r>
+                <a:rPr lang="en-US" altLang="ko-KR" sz="1400" dirty="0" smtClean="0">
+                  <a:solidFill>
+                    <a:schemeClr val="tx1"/>
+                  </a:solidFill>
+                </a:rPr>
+                <a:t> </a:t>
+              </a:r>
+              <a:r>
+                <a:rPr lang="ja-JP" altLang="en-US" sz="1400" dirty="0" smtClean="0">
+                  <a:solidFill>
+                    <a:schemeClr val="tx1"/>
+                  </a:solidFill>
+                </a:rPr>
+                <a:t>・ </a:t>
+              </a:r>
+              <a:r>
+                <a:rPr lang="en-US" altLang="ko-KR" sz="1400" dirty="0" smtClean="0">
+                  <a:solidFill>
+                    <a:schemeClr val="tx1"/>
+                  </a:solidFill>
+                </a:rPr>
+                <a:t>PORT</a:t>
+              </a:r>
+              <a:r>
+                <a:rPr lang="ko-KR" altLang="en-US" sz="1400" dirty="0" smtClean="0">
+                  <a:solidFill>
+                    <a:schemeClr val="tx1"/>
+                  </a:solidFill>
+                </a:rPr>
+                <a:t>설정</a:t>
+              </a:r>
+              <a:endParaRPr lang="en-US" altLang="ko-KR" sz="1400" dirty="0" smtClean="0">
+                <a:solidFill>
+                  <a:schemeClr val="tx1"/>
+                </a:solidFill>
+              </a:endParaRPr>
+            </a:p>
+            <a:p>
+              <a:endParaRPr lang="en-US" altLang="ko-KR" sz="1400" dirty="0" smtClean="0">
+                <a:solidFill>
+                  <a:schemeClr val="tx1"/>
+                </a:solidFill>
+              </a:endParaRPr>
+            </a:p>
+            <a:p>
+              <a:r>
+                <a:rPr lang="en-US" altLang="ko-KR" sz="1400" dirty="0" smtClean="0">
+                  <a:solidFill>
+                    <a:schemeClr val="tx1"/>
+                  </a:solidFill>
+                </a:rPr>
+                <a:t>2 SQL</a:t>
+              </a:r>
+              <a:r>
+                <a:rPr lang="ko-KR" altLang="en-US" sz="1400" dirty="0" smtClean="0">
+                  <a:solidFill>
+                    <a:schemeClr val="tx1"/>
+                  </a:solidFill>
+                </a:rPr>
+                <a:t>응용</a:t>
+              </a:r>
+              <a:endParaRPr lang="en-US" altLang="ko-KR" sz="1400" dirty="0" smtClean="0">
+                <a:solidFill>
+                  <a:schemeClr val="tx1"/>
+                </a:solidFill>
+              </a:endParaRPr>
+            </a:p>
+            <a:p>
+              <a:r>
+                <a:rPr lang="en-US" altLang="ko-KR" sz="1400" dirty="0" smtClean="0">
+                  <a:solidFill>
+                    <a:schemeClr val="tx1"/>
+                  </a:solidFill>
+                </a:rPr>
+                <a:t>  </a:t>
+              </a:r>
+              <a:r>
+                <a:rPr lang="ja-JP" altLang="en-US" sz="1400" dirty="0" smtClean="0">
+                  <a:solidFill>
+                    <a:schemeClr val="tx1"/>
+                  </a:solidFill>
+                </a:rPr>
+                <a:t>・ </a:t>
+              </a:r>
+              <a:r>
+                <a:rPr lang="en-US" altLang="ko-KR" sz="1400" dirty="0" smtClean="0">
+                  <a:solidFill>
+                    <a:schemeClr val="tx1"/>
+                  </a:solidFill>
+                </a:rPr>
+                <a:t>DDL : </a:t>
+              </a:r>
+              <a:r>
+                <a:rPr lang="ko-KR" altLang="en-US" sz="1400" dirty="0" smtClean="0">
+                  <a:solidFill>
+                    <a:schemeClr val="tx1"/>
+                  </a:solidFill>
+                </a:rPr>
+                <a:t>데이터 </a:t>
+              </a:r>
+              <a:r>
+                <a:rPr lang="ko-KR" altLang="en-US" sz="1400" dirty="0" smtClean="0">
+                  <a:solidFill>
+                    <a:schemeClr val="tx1"/>
+                  </a:solidFill>
+                </a:rPr>
+                <a:t>정의</a:t>
+              </a:r>
+              <a:endParaRPr lang="en-US" altLang="ko-KR" sz="1400" dirty="0" smtClean="0">
+                <a:solidFill>
+                  <a:schemeClr val="tx1"/>
+                </a:solidFill>
+              </a:endParaRPr>
+            </a:p>
+            <a:p>
+              <a:r>
+                <a:rPr lang="en-US" altLang="ko-KR" sz="1400" dirty="0" smtClean="0">
+                  <a:solidFill>
+                    <a:schemeClr val="tx1"/>
+                  </a:solidFill>
+                </a:rPr>
+                <a:t>     CREATE, DROP, ALTER, TRUNCATE</a:t>
+              </a:r>
+              <a:endParaRPr lang="en-US" altLang="ko-KR" sz="1400" dirty="0" smtClean="0">
+                <a:solidFill>
+                  <a:schemeClr val="tx1"/>
+                </a:solidFill>
+              </a:endParaRPr>
+            </a:p>
+            <a:p>
+              <a:r>
+                <a:rPr lang="en-US" altLang="ko-KR" sz="1400" dirty="0" smtClean="0">
+                  <a:solidFill>
+                    <a:schemeClr val="tx1"/>
+                  </a:solidFill>
+                </a:rPr>
+                <a:t>  </a:t>
+              </a:r>
+              <a:r>
+                <a:rPr lang="ja-JP" altLang="en-US" sz="1400" dirty="0" smtClean="0">
+                  <a:solidFill>
+                    <a:schemeClr val="tx1"/>
+                  </a:solidFill>
+                </a:rPr>
+                <a:t>・ </a:t>
+              </a:r>
+              <a:r>
+                <a:rPr lang="en-US" altLang="ko-KR" sz="1400" dirty="0" smtClean="0">
+                  <a:solidFill>
+                    <a:schemeClr val="tx1"/>
+                  </a:solidFill>
+                </a:rPr>
+                <a:t>DML </a:t>
+              </a:r>
+              <a:r>
+                <a:rPr lang="en-US" altLang="ko-KR" sz="1400" dirty="0">
+                  <a:solidFill>
+                    <a:schemeClr val="tx1"/>
+                  </a:solidFill>
+                </a:rPr>
+                <a:t>: </a:t>
+              </a:r>
+              <a:r>
+                <a:rPr lang="ko-KR" altLang="en-US" sz="1400" dirty="0" smtClean="0">
+                  <a:solidFill>
+                    <a:schemeClr val="tx1"/>
+                  </a:solidFill>
+                </a:rPr>
+                <a:t>데이터 </a:t>
+              </a:r>
+              <a:r>
+                <a:rPr lang="ko-KR" altLang="en-US" sz="1400" dirty="0" smtClean="0">
+                  <a:solidFill>
+                    <a:schemeClr val="tx1"/>
+                  </a:solidFill>
+                </a:rPr>
+                <a:t>조작</a:t>
+              </a:r>
+              <a:endParaRPr lang="en-US" altLang="ko-KR" sz="1400" dirty="0" smtClean="0">
+                <a:solidFill>
+                  <a:schemeClr val="tx1"/>
+                </a:solidFill>
+              </a:endParaRPr>
+            </a:p>
+            <a:p>
+              <a:r>
+                <a:rPr lang="en-US" altLang="ko-KR" sz="1400" dirty="0">
+                  <a:solidFill>
+                    <a:schemeClr val="tx1"/>
+                  </a:solidFill>
+                </a:rPr>
+                <a:t> </a:t>
+              </a:r>
+              <a:r>
+                <a:rPr lang="en-US" altLang="ko-KR" sz="1400" dirty="0" smtClean="0">
+                  <a:solidFill>
+                    <a:schemeClr val="tx1"/>
+                  </a:solidFill>
+                </a:rPr>
+                <a:t>    SELECT, INSERT, UPDATE, DELETE</a:t>
+              </a:r>
+              <a:endParaRPr lang="en-US" altLang="ko-KR" sz="1400" dirty="0" smtClean="0">
+                <a:solidFill>
+                  <a:schemeClr val="tx1"/>
+                </a:solidFill>
+              </a:endParaRPr>
+            </a:p>
+            <a:p>
+              <a:r>
+                <a:rPr lang="en-US" altLang="ko-KR" sz="1400" dirty="0">
+                  <a:solidFill>
+                    <a:schemeClr val="tx1"/>
+                  </a:solidFill>
+                </a:rPr>
+                <a:t> </a:t>
+              </a:r>
+              <a:r>
+                <a:rPr lang="en-US" altLang="ko-KR" sz="1400" dirty="0" smtClean="0">
+                  <a:solidFill>
+                    <a:schemeClr val="tx1"/>
+                  </a:solidFill>
+                </a:rPr>
+                <a:t> </a:t>
+              </a:r>
+              <a:r>
+                <a:rPr lang="ja-JP" altLang="en-US" sz="1400" dirty="0" smtClean="0">
+                  <a:solidFill>
+                    <a:schemeClr val="tx1"/>
+                  </a:solidFill>
+                </a:rPr>
+                <a:t>・ </a:t>
+              </a:r>
+              <a:r>
+                <a:rPr lang="en-US" altLang="ko-KR" sz="1400" dirty="0" smtClean="0">
+                  <a:solidFill>
+                    <a:schemeClr val="tx1"/>
+                  </a:solidFill>
+                </a:rPr>
+                <a:t>DCL </a:t>
+              </a:r>
+              <a:r>
+                <a:rPr lang="en-US" altLang="ko-KR" sz="1400" dirty="0">
+                  <a:solidFill>
+                    <a:schemeClr val="tx1"/>
+                  </a:solidFill>
+                </a:rPr>
+                <a:t>: </a:t>
+              </a:r>
+              <a:r>
+                <a:rPr lang="ko-KR" altLang="en-US" sz="1400" dirty="0" smtClean="0">
+                  <a:solidFill>
+                    <a:schemeClr val="tx1"/>
+                  </a:solidFill>
+                </a:rPr>
+                <a:t>데이터 </a:t>
+              </a:r>
+              <a:r>
+                <a:rPr lang="ko-KR" altLang="en-US" sz="1400" dirty="0" smtClean="0">
+                  <a:solidFill>
+                    <a:schemeClr val="tx1"/>
+                  </a:solidFill>
+                </a:rPr>
+                <a:t>제어</a:t>
+              </a:r>
+              <a:endParaRPr lang="en-US" altLang="ko-KR" sz="1400" dirty="0" smtClean="0">
+                <a:solidFill>
+                  <a:schemeClr val="tx1"/>
+                </a:solidFill>
+              </a:endParaRPr>
+            </a:p>
+            <a:p>
+              <a:r>
+                <a:rPr lang="en-US" altLang="ko-KR" sz="1400" dirty="0">
+                  <a:solidFill>
+                    <a:schemeClr val="tx1"/>
+                  </a:solidFill>
+                </a:rPr>
+                <a:t> </a:t>
+              </a:r>
+              <a:r>
+                <a:rPr lang="en-US" altLang="ko-KR" sz="1400" dirty="0" smtClean="0">
+                  <a:solidFill>
+                    <a:schemeClr val="tx1"/>
+                  </a:solidFill>
+                </a:rPr>
+                <a:t>    GRANT, REVOKE</a:t>
+              </a:r>
+              <a:endParaRPr lang="en-US" altLang="ko-KR" sz="1400" dirty="0" smtClean="0">
+                <a:solidFill>
+                  <a:schemeClr val="tx1"/>
+                </a:solidFill>
+              </a:endParaRPr>
+            </a:p>
+            <a:p>
+              <a:endParaRPr lang="en-US" altLang="ko-KR" sz="1400" dirty="0" smtClean="0">
+                <a:solidFill>
+                  <a:schemeClr val="tx1"/>
+                </a:solidFill>
+              </a:endParaRPr>
+            </a:p>
+            <a:p>
+              <a:r>
+                <a:rPr lang="en-US" altLang="ko-KR" sz="1400" dirty="0" smtClean="0">
+                  <a:solidFill>
+                    <a:schemeClr val="tx1"/>
+                  </a:solidFill>
+                </a:rPr>
+                <a:t>3 C#</a:t>
+              </a:r>
+              <a:r>
+                <a:rPr lang="ko-KR" altLang="en-US" sz="1400" dirty="0" smtClean="0">
+                  <a:solidFill>
+                    <a:schemeClr val="tx1"/>
+                  </a:solidFill>
+                </a:rPr>
+                <a:t>연결</a:t>
+              </a:r>
+              <a:endParaRPr lang="en-US" altLang="ko-KR" sz="1400" dirty="0" smtClean="0">
+                <a:solidFill>
+                  <a:schemeClr val="tx1"/>
+                </a:solidFill>
+              </a:endParaRPr>
+            </a:p>
+            <a:p>
+              <a:r>
+                <a:rPr lang="en-US" altLang="ko-KR" sz="1400" dirty="0">
+                  <a:solidFill>
+                    <a:schemeClr val="tx1"/>
+                  </a:solidFill>
+                </a:rPr>
+                <a:t> </a:t>
+              </a:r>
+              <a:r>
+                <a:rPr lang="en-US" altLang="ko-KR" sz="1400" dirty="0" smtClean="0">
+                  <a:solidFill>
+                    <a:schemeClr val="tx1"/>
+                  </a:solidFill>
+                </a:rPr>
+                <a:t> </a:t>
+              </a:r>
+              <a:r>
+                <a:rPr lang="ja-JP" altLang="en-US" sz="1400" dirty="0" smtClean="0">
+                  <a:solidFill>
+                    <a:schemeClr val="tx1"/>
+                  </a:solidFill>
+                </a:rPr>
+                <a:t>・ </a:t>
+              </a:r>
+              <a:r>
+                <a:rPr lang="ko-KR" altLang="en-US" sz="1400" dirty="0" smtClean="0">
+                  <a:solidFill>
+                    <a:schemeClr val="tx1"/>
+                  </a:solidFill>
+                </a:rPr>
+                <a:t>참조추가</a:t>
+              </a:r>
+              <a:endParaRPr lang="en-US" altLang="ko-KR" sz="1400" dirty="0" smtClean="0">
+                <a:solidFill>
+                  <a:schemeClr val="tx1"/>
+                </a:solidFill>
+              </a:endParaRPr>
+            </a:p>
+            <a:p>
+              <a:r>
+                <a:rPr lang="en-US" altLang="ko-KR" sz="1400" dirty="0">
+                  <a:solidFill>
+                    <a:schemeClr val="tx1"/>
+                  </a:solidFill>
+                </a:rPr>
+                <a:t> </a:t>
+              </a:r>
+              <a:r>
+                <a:rPr lang="en-US" altLang="ko-KR" sz="1400" dirty="0" smtClean="0">
+                  <a:solidFill>
+                    <a:schemeClr val="tx1"/>
+                  </a:solidFill>
+                </a:rPr>
+                <a:t> </a:t>
+              </a:r>
+              <a:r>
+                <a:rPr lang="ja-JP" altLang="en-US" sz="1400" dirty="0" smtClean="0">
+                  <a:solidFill>
+                    <a:schemeClr val="tx1"/>
+                  </a:solidFill>
+                </a:rPr>
+                <a:t>・ </a:t>
+              </a:r>
+              <a:r>
+                <a:rPr lang="en-US" altLang="ja-JP" sz="1400" dirty="0" smtClean="0">
+                  <a:solidFill>
+                    <a:schemeClr val="tx1"/>
+                  </a:solidFill>
+                </a:rPr>
+                <a:t>NuGet </a:t>
+              </a:r>
+              <a:r>
+                <a:rPr lang="ko-KR" altLang="en-US" sz="1400" dirty="0" smtClean="0">
+                  <a:solidFill>
+                    <a:schemeClr val="tx1"/>
+                  </a:solidFill>
+                </a:rPr>
+                <a:t>패키지 추가</a:t>
+              </a:r>
+              <a:endParaRPr lang="en-US" altLang="ko-KR" sz="1400" dirty="0" smtClean="0">
+                <a:solidFill>
+                  <a:schemeClr val="tx1"/>
+                </a:solidFill>
+              </a:endParaRPr>
+            </a:p>
+            <a:p>
+              <a:r>
+                <a:rPr lang="en-US" altLang="ko-KR" sz="1400" dirty="0">
+                  <a:solidFill>
+                    <a:schemeClr val="tx1"/>
+                  </a:solidFill>
+                </a:rPr>
+                <a:t> </a:t>
+              </a:r>
+              <a:r>
+                <a:rPr lang="en-US" altLang="ko-KR" sz="1400" dirty="0" smtClean="0">
+                  <a:solidFill>
+                    <a:schemeClr val="tx1"/>
+                  </a:solidFill>
+                </a:rPr>
+                <a:t> </a:t>
+              </a:r>
+              <a:r>
+                <a:rPr lang="ja-JP" altLang="en-US" sz="1400" dirty="0" smtClean="0">
+                  <a:solidFill>
+                    <a:schemeClr val="tx1"/>
+                  </a:solidFill>
+                </a:rPr>
+                <a:t>・ </a:t>
+              </a:r>
+              <a:r>
+                <a:rPr lang="en-US" altLang="ja-JP" sz="1400" dirty="0" smtClean="0">
+                  <a:solidFill>
+                    <a:schemeClr val="tx1"/>
+                  </a:solidFill>
+                </a:rPr>
+                <a:t>using </a:t>
+              </a:r>
+              <a:r>
+                <a:rPr lang="ko-KR" altLang="en-US" sz="1400" dirty="0" smtClean="0">
+                  <a:solidFill>
+                    <a:schemeClr val="tx1"/>
+                  </a:solidFill>
+                </a:rPr>
+                <a:t>구문 추가</a:t>
+              </a:r>
+              <a:endParaRPr lang="ko-KR" altLang="en-US" sz="1400" dirty="0">
+                <a:solidFill>
+                  <a:schemeClr val="tx1"/>
+                </a:solidFill>
+              </a:endParaRPr>
+            </a:p>
+          </p:txBody>
+        </p:sp>
+        <p:sp>
+          <p:nvSpPr>
+            <p:cNvPr id="24" name="TextBox 23"/>
+            <p:cNvSpPr txBox="1"/>
+            <p:nvPr/>
+          </p:nvSpPr>
+          <p:spPr>
+            <a:xfrm>
+              <a:off x="6804248" y="4581128"/>
+              <a:ext cx="955711" cy="369332"/>
+            </a:xfrm>
+            <a:prstGeom prst="rect">
+              <a:avLst/>
+            </a:prstGeom>
+            <a:solidFill>
+              <a:schemeClr val="bg1"/>
+            </a:solidFill>
+            <a:ln>
               <a:solidFill>
                 <a:schemeClr val="tx1"/>
               </a:solidFill>
-            </a:endParaRPr>
-          </a:p>
-          <a:p>
-            <a:pPr algn="ctr"/>
-            <a:r>
-              <a:rPr lang="en-US" altLang="ko-KR" sz="3600" b="1" dirty="0" smtClean="0">
-                <a:solidFill>
-                  <a:schemeClr val="tx1"/>
-                </a:solidFill>
-              </a:rPr>
-              <a:t>SQL</a:t>
-            </a:r>
-            <a:r>
-              <a:rPr lang="ko-KR" altLang="en-US" sz="3600" b="1" dirty="0" smtClean="0">
-                <a:solidFill>
-                  <a:schemeClr val="tx1"/>
-                </a:solidFill>
-              </a:rPr>
-              <a:t>응용</a:t>
-            </a:r>
-            <a:endParaRPr lang="en-US" altLang="ko-KR" sz="3600" b="1" dirty="0" smtClean="0">
-              <a:solidFill>
-                <a:schemeClr val="tx1"/>
-              </a:solidFill>
-            </a:endParaRPr>
-          </a:p>
-          <a:p>
-            <a:pPr algn="ctr"/>
-            <a:r>
-              <a:rPr lang="en-US" altLang="ko-KR" sz="3600" b="1" dirty="0" smtClean="0">
-                <a:solidFill>
-                  <a:schemeClr val="tx1"/>
-                </a:solidFill>
-              </a:rPr>
-              <a:t>C#</a:t>
-            </a:r>
-            <a:r>
-              <a:rPr lang="ko-KR" altLang="en-US" sz="3600" b="1" dirty="0" smtClean="0">
-                <a:solidFill>
-                  <a:schemeClr val="tx1"/>
-                </a:solidFill>
-              </a:rPr>
-              <a:t>연결</a:t>
-            </a:r>
-            <a:endParaRPr lang="ko-KR" altLang="en-US" sz="3600" b="1" dirty="0">
-              <a:solidFill>
-                <a:schemeClr val="tx1"/>
-              </a:solidFill>
-            </a:endParaRPr>
-          </a:p>
-        </p:txBody>
-      </p:sp>
+            </a:ln>
+          </p:spPr>
+          <p:txBody>
+            <a:bodyPr wrap="none" rtlCol="0">
+              <a:spAutoFit/>
+            </a:bodyPr>
+            <a:lstStyle/>
+            <a:p>
+              <a:r>
+                <a:rPr lang="en-US" altLang="ko-KR" b="1" dirty="0" smtClean="0"/>
+                <a:t>LOG </a:t>
+              </a:r>
+              <a:r>
+                <a:rPr lang="ko-KR" altLang="en-US" b="1" dirty="0" smtClean="0"/>
+                <a:t>창</a:t>
+              </a:r>
+              <a:endParaRPr lang="ko-KR" altLang="en-US" b="1" dirty="0"/>
+            </a:p>
+          </p:txBody>
+        </p:sp>
+      </p:grpSp>
     </p:spTree>
     <p:extLst>
       <p:ext uri="{BB962C8B-B14F-4D97-AF65-F5344CB8AC3E}">
@@ -4311,8 +4819,8 @@
         </p:nvSpPr>
         <p:spPr>
           <a:xfrm>
-            <a:off x="395536" y="345610"/>
-            <a:ext cx="1944216" cy="1080120"/>
+            <a:off x="4122114" y="2996952"/>
+            <a:ext cx="1453752" cy="720080"/>
           </a:xfrm>
           <a:prstGeom prst="rect">
             <a:avLst/>
@@ -4353,7 +4861,7 @@
                   <a:schemeClr val="tx1"/>
                 </a:solidFill>
               </a:rPr>
-              <a:t>실제 사용처</a:t>
+              <a:t>응용</a:t>
             </a:r>
             <a:endParaRPr lang="ko-KR" altLang="en-US" b="1" dirty="0">
               <a:solidFill>
@@ -4363,27 +4871,878 @@
           </a:p>
         </p:txBody>
       </p:sp>
-      <p:sp>
-        <p:nvSpPr>
-          <p:cNvPr id="5" name="직사각형 4"/>
+      <p:grpSp>
+        <p:nvGrpSpPr>
+          <p:cNvPr id="2" name="그룹 1"/>
+          <p:cNvGrpSpPr/>
+          <p:nvPr/>
+        </p:nvGrpSpPr>
+        <p:grpSpPr>
+          <a:xfrm>
+            <a:off x="2051720" y="4230960"/>
+            <a:ext cx="7981268" cy="1944216"/>
+            <a:chOff x="251520" y="4293096"/>
+            <a:chExt cx="7981268" cy="1944216"/>
+          </a:xfrm>
+        </p:grpSpPr>
+        <p:sp>
+          <p:nvSpPr>
+            <p:cNvPr id="8" name="직사각형 7"/>
+            <p:cNvSpPr/>
+            <p:nvPr/>
+          </p:nvSpPr>
+          <p:spPr>
+            <a:xfrm>
+              <a:off x="251520" y="4653136"/>
+              <a:ext cx="1296144" cy="1584176"/>
+            </a:xfrm>
+            <a:prstGeom prst="rect">
+              <a:avLst/>
+            </a:prstGeom>
+            <a:solidFill>
+              <a:srgbClr val="92D050"/>
+            </a:solidFill>
+            <a:ln>
+              <a:solidFill>
+                <a:schemeClr val="tx1"/>
+              </a:solidFill>
+            </a:ln>
+          </p:spPr>
+          <p:style>
+            <a:lnRef idx="2">
+              <a:schemeClr val="accent1">
+                <a:shade val="50000"/>
+              </a:schemeClr>
+            </a:lnRef>
+            <a:fillRef idx="1">
+              <a:schemeClr val="accent1"/>
+            </a:fillRef>
+            <a:effectRef idx="0">
+              <a:schemeClr val="accent1"/>
+            </a:effectRef>
+            <a:fontRef idx="minor">
+              <a:schemeClr val="lt1"/>
+            </a:fontRef>
+          </p:style>
+          <p:txBody>
+            <a:bodyPr rtlCol="0" anchor="t" anchorCtr="0"/>
+            <a:lstStyle/>
+            <a:p>
+              <a:pPr algn="ctr"/>
+              <a:r>
+                <a:rPr lang="en-US" altLang="ko-KR" b="1" dirty="0" smtClean="0">
+                  <a:solidFill>
+                    <a:schemeClr val="tx1"/>
+                  </a:solidFill>
+                </a:rPr>
+                <a:t>&lt;</a:t>
+              </a:r>
+              <a:r>
+                <a:rPr lang="ko-KR" altLang="en-US" b="1" dirty="0" smtClean="0">
+                  <a:solidFill>
+                    <a:schemeClr val="tx1"/>
+                  </a:solidFill>
+                </a:rPr>
+                <a:t>고객</a:t>
+              </a:r>
+              <a:r>
+                <a:rPr lang="en-US" altLang="ko-KR" b="1" dirty="0" smtClean="0">
+                  <a:solidFill>
+                    <a:schemeClr val="tx1"/>
+                  </a:solidFill>
+                </a:rPr>
+                <a:t>&gt;</a:t>
+              </a:r>
+            </a:p>
+            <a:p>
+              <a:pPr algn="ctr"/>
+              <a:r>
+                <a:rPr lang="ko-KR" altLang="en-US" b="1" dirty="0" smtClean="0">
+                  <a:solidFill>
+                    <a:schemeClr val="tx1"/>
+                  </a:solidFill>
+                </a:rPr>
+                <a:t>영수증</a:t>
+              </a:r>
+              <a:endParaRPr lang="en-US" altLang="ko-KR" b="1" dirty="0" smtClean="0">
+                <a:solidFill>
+                  <a:schemeClr val="tx1"/>
+                </a:solidFill>
+              </a:endParaRPr>
+            </a:p>
+            <a:p>
+              <a:pPr algn="ctr"/>
+              <a:endParaRPr lang="ko-KR" altLang="en-US" b="1" dirty="0">
+                <a:solidFill>
+                  <a:schemeClr val="tx1"/>
+                </a:solidFill>
+              </a:endParaRPr>
+            </a:p>
+          </p:txBody>
+        </p:sp>
+        <p:sp>
+          <p:nvSpPr>
+            <p:cNvPr id="9" name="직사각형 8"/>
+            <p:cNvSpPr/>
+            <p:nvPr/>
+          </p:nvSpPr>
+          <p:spPr>
+            <a:xfrm>
+              <a:off x="251520" y="4293096"/>
+              <a:ext cx="7981268" cy="360040"/>
+            </a:xfrm>
+            <a:prstGeom prst="rect">
+              <a:avLst/>
+            </a:prstGeom>
+            <a:solidFill>
+              <a:srgbClr val="92D050"/>
+            </a:solidFill>
+            <a:ln>
+              <a:solidFill>
+                <a:schemeClr val="tx1"/>
+              </a:solidFill>
+            </a:ln>
+          </p:spPr>
+          <p:style>
+            <a:lnRef idx="2">
+              <a:schemeClr val="accent1">
+                <a:shade val="50000"/>
+              </a:schemeClr>
+            </a:lnRef>
+            <a:fillRef idx="1">
+              <a:schemeClr val="accent1"/>
+            </a:fillRef>
+            <a:effectRef idx="0">
+              <a:schemeClr val="accent1"/>
+            </a:effectRef>
+            <a:fontRef idx="minor">
+              <a:schemeClr val="lt1"/>
+            </a:fontRef>
+          </p:style>
+          <p:txBody>
+            <a:bodyPr rtlCol="0" anchor="t" anchorCtr="0"/>
+            <a:lstStyle/>
+            <a:p>
+              <a:pPr algn="ctr"/>
+              <a:r>
+                <a:rPr lang="en-US" altLang="ko-KR" b="1" dirty="0" smtClean="0">
+                  <a:solidFill>
+                    <a:schemeClr val="tx1"/>
+                  </a:solidFill>
+                </a:rPr>
+                <a:t>OUTPUT</a:t>
+              </a:r>
+            </a:p>
+          </p:txBody>
+        </p:sp>
+        <p:sp>
+          <p:nvSpPr>
+            <p:cNvPr id="10" name="직사각형 9"/>
+            <p:cNvSpPr/>
+            <p:nvPr/>
+          </p:nvSpPr>
+          <p:spPr>
+            <a:xfrm>
+              <a:off x="1547664" y="4653136"/>
+              <a:ext cx="1728192" cy="1584176"/>
+            </a:xfrm>
+            <a:prstGeom prst="rect">
+              <a:avLst/>
+            </a:prstGeom>
+            <a:solidFill>
+              <a:srgbClr val="92D050"/>
+            </a:solidFill>
+            <a:ln>
+              <a:solidFill>
+                <a:schemeClr val="tx1"/>
+              </a:solidFill>
+            </a:ln>
+          </p:spPr>
+          <p:style>
+            <a:lnRef idx="2">
+              <a:schemeClr val="accent1">
+                <a:shade val="50000"/>
+              </a:schemeClr>
+            </a:lnRef>
+            <a:fillRef idx="1">
+              <a:schemeClr val="accent1"/>
+            </a:fillRef>
+            <a:effectRef idx="0">
+              <a:schemeClr val="accent1"/>
+            </a:effectRef>
+            <a:fontRef idx="minor">
+              <a:schemeClr val="lt1"/>
+            </a:fontRef>
+          </p:style>
+          <p:txBody>
+            <a:bodyPr rtlCol="0" anchor="t" anchorCtr="0"/>
+            <a:lstStyle/>
+            <a:p>
+              <a:pPr algn="ctr"/>
+              <a:r>
+                <a:rPr lang="en-US" altLang="ko-KR" b="1" dirty="0" smtClean="0">
+                  <a:solidFill>
+                    <a:schemeClr val="tx1"/>
+                  </a:solidFill>
+                </a:rPr>
+                <a:t>&lt;</a:t>
+              </a:r>
+              <a:r>
+                <a:rPr lang="ko-KR" altLang="en-US" b="1" dirty="0" smtClean="0">
+                  <a:solidFill>
+                    <a:schemeClr val="tx1"/>
+                  </a:solidFill>
+                </a:rPr>
+                <a:t>점원</a:t>
+              </a:r>
+              <a:r>
+                <a:rPr lang="en-US" altLang="ko-KR" b="1" dirty="0" smtClean="0">
+                  <a:solidFill>
+                    <a:schemeClr val="tx1"/>
+                  </a:solidFill>
+                </a:rPr>
+                <a:t>&gt;</a:t>
+              </a:r>
+            </a:p>
+            <a:p>
+              <a:pPr algn="ctr"/>
+              <a:r>
+                <a:rPr lang="ko-KR" altLang="en-US" b="1" dirty="0" err="1" smtClean="0">
+                  <a:solidFill>
+                    <a:schemeClr val="tx1"/>
+                  </a:solidFill>
+                </a:rPr>
+                <a:t>주문표</a:t>
+              </a:r>
+              <a:endParaRPr lang="en-US" altLang="ko-KR" b="1" dirty="0" smtClean="0">
+                <a:solidFill>
+                  <a:schemeClr val="tx1"/>
+                </a:solidFill>
+              </a:endParaRPr>
+            </a:p>
+            <a:p>
+              <a:pPr algn="ctr"/>
+              <a:r>
+                <a:rPr lang="ja-JP" altLang="en-US" b="1" dirty="0">
+                  <a:solidFill>
+                    <a:schemeClr val="tx1"/>
+                  </a:solidFill>
+                </a:rPr>
+                <a:t>↓</a:t>
+              </a:r>
+              <a:endParaRPr lang="en-US" altLang="ko-KR" b="1" dirty="0" smtClean="0">
+                <a:solidFill>
+                  <a:schemeClr val="tx1"/>
+                </a:solidFill>
+              </a:endParaRPr>
+            </a:p>
+            <a:p>
+              <a:pPr algn="ctr"/>
+              <a:r>
+                <a:rPr lang="ko-KR" altLang="en-US" b="1" dirty="0" smtClean="0">
+                  <a:solidFill>
+                    <a:schemeClr val="tx1"/>
+                  </a:solidFill>
+                </a:rPr>
+                <a:t>메뉴</a:t>
+              </a:r>
+              <a:r>
+                <a:rPr lang="en-US" altLang="ko-KR" b="1" dirty="0" smtClean="0">
+                  <a:solidFill>
+                    <a:schemeClr val="tx1"/>
+                  </a:solidFill>
+                </a:rPr>
+                <a:t>,</a:t>
+              </a:r>
+              <a:r>
+                <a:rPr lang="ko-KR" altLang="en-US" b="1" dirty="0" smtClean="0">
+                  <a:solidFill>
+                    <a:schemeClr val="tx1"/>
+                  </a:solidFill>
+                </a:rPr>
+                <a:t>작업순서</a:t>
+              </a:r>
+              <a:endParaRPr lang="ko-KR" altLang="en-US" b="1" dirty="0">
+                <a:solidFill>
+                  <a:schemeClr val="tx1"/>
+                </a:solidFill>
+              </a:endParaRPr>
+            </a:p>
+          </p:txBody>
+        </p:sp>
+        <p:sp>
+          <p:nvSpPr>
+            <p:cNvPr id="11" name="직사각형 10"/>
+            <p:cNvSpPr/>
+            <p:nvPr/>
+          </p:nvSpPr>
+          <p:spPr>
+            <a:xfrm>
+              <a:off x="3275856" y="4653136"/>
+              <a:ext cx="1716572" cy="1584176"/>
+            </a:xfrm>
+            <a:prstGeom prst="rect">
+              <a:avLst/>
+            </a:prstGeom>
+            <a:solidFill>
+              <a:srgbClr val="92D050"/>
+            </a:solidFill>
+            <a:ln>
+              <a:solidFill>
+                <a:schemeClr val="tx1"/>
+              </a:solidFill>
+            </a:ln>
+          </p:spPr>
+          <p:style>
+            <a:lnRef idx="2">
+              <a:schemeClr val="accent1">
+                <a:shade val="50000"/>
+              </a:schemeClr>
+            </a:lnRef>
+            <a:fillRef idx="1">
+              <a:schemeClr val="accent1"/>
+            </a:fillRef>
+            <a:effectRef idx="0">
+              <a:schemeClr val="accent1"/>
+            </a:effectRef>
+            <a:fontRef idx="minor">
+              <a:schemeClr val="lt1"/>
+            </a:fontRef>
+          </p:style>
+          <p:txBody>
+            <a:bodyPr rtlCol="0" anchor="t" anchorCtr="0"/>
+            <a:lstStyle/>
+            <a:p>
+              <a:pPr algn="ctr"/>
+              <a:r>
+                <a:rPr lang="en-US" altLang="ko-KR" b="1" dirty="0" smtClean="0">
+                  <a:solidFill>
+                    <a:schemeClr val="tx1"/>
+                  </a:solidFill>
+                </a:rPr>
+                <a:t>&lt;</a:t>
+              </a:r>
+              <a:r>
+                <a:rPr lang="ko-KR" altLang="en-US" b="1" dirty="0" smtClean="0">
+                  <a:solidFill>
+                    <a:schemeClr val="tx1"/>
+                  </a:solidFill>
+                </a:rPr>
+                <a:t>지점</a:t>
+              </a:r>
+              <a:r>
+                <a:rPr lang="en-US" altLang="ko-KR" b="1" dirty="0" smtClean="0">
+                  <a:solidFill>
+                    <a:schemeClr val="tx1"/>
+                  </a:solidFill>
+                </a:rPr>
+                <a:t>&gt;</a:t>
+              </a:r>
+            </a:p>
+            <a:p>
+              <a:pPr algn="ctr"/>
+              <a:r>
+                <a:rPr lang="ko-KR" altLang="en-US" b="1" dirty="0" smtClean="0">
+                  <a:solidFill>
+                    <a:schemeClr val="tx1"/>
+                  </a:solidFill>
+                </a:rPr>
+                <a:t>재고관리</a:t>
+              </a:r>
+              <a:endParaRPr lang="en-US" altLang="ko-KR" b="1" dirty="0" smtClean="0">
+                <a:solidFill>
+                  <a:schemeClr val="tx1"/>
+                </a:solidFill>
+              </a:endParaRPr>
+            </a:p>
+            <a:p>
+              <a:pPr algn="ctr"/>
+              <a:r>
+                <a:rPr lang="ja-JP" altLang="en-US" b="1" dirty="0" smtClean="0">
+                  <a:solidFill>
+                    <a:schemeClr val="tx1"/>
+                  </a:solidFill>
+                </a:rPr>
+                <a:t>↓</a:t>
+              </a:r>
+              <a:endParaRPr lang="en-US" altLang="ko-KR" b="1" dirty="0" smtClean="0">
+                <a:solidFill>
+                  <a:schemeClr val="tx1"/>
+                </a:solidFill>
+              </a:endParaRPr>
+            </a:p>
+            <a:p>
+              <a:pPr algn="ctr"/>
+              <a:r>
+                <a:rPr lang="ko-KR" altLang="en-US" b="1" dirty="0" smtClean="0">
+                  <a:solidFill>
+                    <a:schemeClr val="tx1"/>
+                  </a:solidFill>
+                </a:rPr>
+                <a:t>재료자동주문</a:t>
+              </a:r>
+              <a:endParaRPr lang="en-US" altLang="ko-KR" b="1" dirty="0" smtClean="0">
+                <a:solidFill>
+                  <a:schemeClr val="tx1"/>
+                </a:solidFill>
+              </a:endParaRPr>
+            </a:p>
+            <a:p>
+              <a:pPr algn="ctr"/>
+              <a:endParaRPr lang="ko-KR" altLang="en-US" b="1" dirty="0">
+                <a:solidFill>
+                  <a:schemeClr val="tx1"/>
+                </a:solidFill>
+              </a:endParaRPr>
+            </a:p>
+          </p:txBody>
+        </p:sp>
+        <p:sp>
+          <p:nvSpPr>
+            <p:cNvPr id="14" name="직사각형 13"/>
+            <p:cNvSpPr/>
+            <p:nvPr/>
+          </p:nvSpPr>
+          <p:spPr>
+            <a:xfrm>
+              <a:off x="4992428" y="4653136"/>
+              <a:ext cx="3240360" cy="1584176"/>
+            </a:xfrm>
+            <a:prstGeom prst="rect">
+              <a:avLst/>
+            </a:prstGeom>
+            <a:solidFill>
+              <a:srgbClr val="92D050"/>
+            </a:solidFill>
+            <a:ln>
+              <a:solidFill>
+                <a:schemeClr val="tx1"/>
+              </a:solidFill>
+            </a:ln>
+          </p:spPr>
+          <p:style>
+            <a:lnRef idx="2">
+              <a:schemeClr val="accent1">
+                <a:shade val="50000"/>
+              </a:schemeClr>
+            </a:lnRef>
+            <a:fillRef idx="1">
+              <a:schemeClr val="accent1"/>
+            </a:fillRef>
+            <a:effectRef idx="0">
+              <a:schemeClr val="accent1"/>
+            </a:effectRef>
+            <a:fontRef idx="minor">
+              <a:schemeClr val="lt1"/>
+            </a:fontRef>
+          </p:style>
+          <p:txBody>
+            <a:bodyPr rtlCol="0" anchor="t" anchorCtr="0"/>
+            <a:lstStyle/>
+            <a:p>
+              <a:pPr algn="ctr"/>
+              <a:r>
+                <a:rPr lang="en-US" altLang="ko-KR" b="1" dirty="0" smtClean="0">
+                  <a:solidFill>
+                    <a:schemeClr val="tx1"/>
+                  </a:solidFill>
+                </a:rPr>
+                <a:t>&lt;</a:t>
+              </a:r>
+              <a:r>
+                <a:rPr lang="ko-KR" altLang="en-US" b="1" dirty="0" smtClean="0">
+                  <a:solidFill>
+                    <a:schemeClr val="tx1"/>
+                  </a:solidFill>
+                </a:rPr>
+                <a:t>본사</a:t>
+              </a:r>
+              <a:r>
+                <a:rPr lang="en-US" altLang="ko-KR" b="1" dirty="0" smtClean="0">
+                  <a:solidFill>
+                    <a:schemeClr val="tx1"/>
+                  </a:solidFill>
+                </a:rPr>
+                <a:t>&gt;</a:t>
+              </a:r>
+            </a:p>
+            <a:p>
+              <a:pPr algn="ctr"/>
+              <a:r>
+                <a:rPr lang="ko-KR" altLang="en-US" b="1" dirty="0" smtClean="0">
+                  <a:solidFill>
+                    <a:schemeClr val="tx1"/>
+                  </a:solidFill>
+                </a:rPr>
+                <a:t>매출분석</a:t>
+              </a:r>
+              <a:endParaRPr lang="en-US" altLang="ko-KR" b="1" dirty="0" smtClean="0">
+                <a:solidFill>
+                  <a:schemeClr val="tx1"/>
+                </a:solidFill>
+              </a:endParaRPr>
+            </a:p>
+            <a:p>
+              <a:pPr algn="ctr"/>
+              <a:r>
+                <a:rPr lang="en-US" altLang="ko-KR" b="1" dirty="0" smtClean="0">
+                  <a:solidFill>
+                    <a:schemeClr val="tx1"/>
+                  </a:solidFill>
+                </a:rPr>
+                <a:t>ex:</a:t>
+              </a:r>
+              <a:r>
+                <a:rPr lang="ko-KR" altLang="en-US" b="1" dirty="0" smtClean="0">
+                  <a:solidFill>
+                    <a:schemeClr val="tx1"/>
+                  </a:solidFill>
+                </a:rPr>
+                <a:t>매출</a:t>
+              </a:r>
+              <a:r>
+                <a:rPr lang="en-US" altLang="ko-KR" b="1" dirty="0" smtClean="0">
+                  <a:solidFill>
+                    <a:schemeClr val="tx1"/>
+                  </a:solidFill>
+                </a:rPr>
+                <a:t>,</a:t>
+              </a:r>
+              <a:r>
+                <a:rPr lang="ko-KR" altLang="en-US" b="1" dirty="0" smtClean="0">
+                  <a:solidFill>
+                    <a:schemeClr val="tx1"/>
+                  </a:solidFill>
+                </a:rPr>
+                <a:t>순수익</a:t>
+              </a:r>
+              <a:endParaRPr lang="en-US" altLang="ko-KR" b="1" dirty="0" smtClean="0">
+                <a:solidFill>
+                  <a:schemeClr val="tx1"/>
+                </a:solidFill>
+              </a:endParaRPr>
+            </a:p>
+            <a:p>
+              <a:pPr algn="ctr"/>
+              <a:r>
+                <a:rPr lang="ko-KR" altLang="en-US" b="1" dirty="0" err="1" smtClean="0">
+                  <a:solidFill>
+                    <a:schemeClr val="tx1"/>
+                  </a:solidFill>
+                </a:rPr>
+                <a:t>마켓팅</a:t>
+              </a:r>
+              <a:r>
+                <a:rPr lang="en-US" altLang="ko-KR" b="1" dirty="0" smtClean="0">
+                  <a:solidFill>
+                    <a:schemeClr val="tx1"/>
+                  </a:solidFill>
+                </a:rPr>
+                <a:t>(</a:t>
+              </a:r>
+              <a:r>
+                <a:rPr lang="ko-KR" altLang="en-US" b="1" dirty="0" smtClean="0">
+                  <a:solidFill>
+                    <a:schemeClr val="tx1"/>
+                  </a:solidFill>
+                </a:rPr>
+                <a:t>이벤트</a:t>
+              </a:r>
+              <a:r>
+                <a:rPr lang="en-US" altLang="ko-KR" b="1" dirty="0" smtClean="0">
+                  <a:solidFill>
+                    <a:schemeClr val="tx1"/>
+                  </a:solidFill>
+                </a:rPr>
+                <a:t>)</a:t>
+              </a:r>
+            </a:p>
+            <a:p>
+              <a:pPr algn="ctr"/>
+              <a:r>
+                <a:rPr lang="en-US" altLang="ko-KR" b="1" dirty="0">
+                  <a:solidFill>
+                    <a:schemeClr val="tx1"/>
+                  </a:solidFill>
+                </a:rPr>
+                <a:t>ex</a:t>
+              </a:r>
+              <a:r>
+                <a:rPr lang="en-US" altLang="ko-KR" b="1" dirty="0" smtClean="0">
+                  <a:solidFill>
+                    <a:schemeClr val="tx1"/>
+                  </a:solidFill>
+                </a:rPr>
+                <a:t>:</a:t>
+              </a:r>
+              <a:r>
+                <a:rPr lang="ko-KR" altLang="en-US" b="1" dirty="0" smtClean="0">
+                  <a:solidFill>
+                    <a:schemeClr val="tx1"/>
+                  </a:solidFill>
+                </a:rPr>
+                <a:t>시간</a:t>
+              </a:r>
+              <a:r>
+                <a:rPr lang="en-US" altLang="ko-KR" b="1" dirty="0" smtClean="0">
+                  <a:solidFill>
+                    <a:schemeClr val="tx1"/>
+                  </a:solidFill>
+                </a:rPr>
+                <a:t>(</a:t>
+              </a:r>
+              <a:r>
+                <a:rPr lang="ko-KR" altLang="en-US" b="1" dirty="0" smtClean="0">
+                  <a:solidFill>
+                    <a:schemeClr val="tx1"/>
+                  </a:solidFill>
+                </a:rPr>
+                <a:t>계절</a:t>
+              </a:r>
+              <a:r>
+                <a:rPr lang="en-US" altLang="ko-KR" b="1" dirty="0" smtClean="0">
+                  <a:solidFill>
+                    <a:schemeClr val="tx1"/>
+                  </a:solidFill>
+                </a:rPr>
+                <a:t>,</a:t>
+              </a:r>
+              <a:r>
+                <a:rPr lang="ko-KR" altLang="en-US" b="1" dirty="0" smtClean="0">
+                  <a:solidFill>
+                    <a:schemeClr val="tx1"/>
+                  </a:solidFill>
+                </a:rPr>
+                <a:t>요일</a:t>
+              </a:r>
+              <a:r>
+                <a:rPr lang="en-US" altLang="ko-KR" b="1" dirty="0" smtClean="0">
+                  <a:solidFill>
+                    <a:schemeClr val="tx1"/>
+                  </a:solidFill>
+                </a:rPr>
+                <a:t>),</a:t>
+              </a:r>
+              <a:r>
+                <a:rPr lang="ko-KR" altLang="en-US" b="1" dirty="0" smtClean="0">
+                  <a:solidFill>
+                    <a:schemeClr val="tx1"/>
+                  </a:solidFill>
+                </a:rPr>
+                <a:t>지역</a:t>
+              </a:r>
+              <a:r>
+                <a:rPr lang="en-US" altLang="ko-KR" b="1" dirty="0" smtClean="0">
+                  <a:solidFill>
+                    <a:schemeClr val="tx1"/>
+                  </a:solidFill>
+                </a:rPr>
+                <a:t>,</a:t>
+              </a:r>
+              <a:r>
+                <a:rPr lang="ko-KR" altLang="en-US" b="1" dirty="0" smtClean="0">
+                  <a:solidFill>
+                    <a:schemeClr val="tx1"/>
+                  </a:solidFill>
+                </a:rPr>
+                <a:t>날씨</a:t>
+              </a:r>
+              <a:endParaRPr lang="ko-KR" altLang="en-US" b="1" dirty="0">
+                <a:solidFill>
+                  <a:schemeClr val="tx1"/>
+                </a:solidFill>
+              </a:endParaRPr>
+            </a:p>
+          </p:txBody>
+        </p:sp>
+      </p:grpSp>
+      <p:grpSp>
+        <p:nvGrpSpPr>
+          <p:cNvPr id="3" name="그룹 2"/>
+          <p:cNvGrpSpPr/>
+          <p:nvPr/>
+        </p:nvGrpSpPr>
+        <p:grpSpPr>
+          <a:xfrm>
+            <a:off x="-758156" y="4456856"/>
+            <a:ext cx="1944216" cy="1368152"/>
+            <a:chOff x="208053" y="2060848"/>
+            <a:chExt cx="1944216" cy="1368152"/>
+          </a:xfrm>
+        </p:grpSpPr>
+        <p:sp>
+          <p:nvSpPr>
+            <p:cNvPr id="7" name="직사각형 6"/>
+            <p:cNvSpPr/>
+            <p:nvPr/>
+          </p:nvSpPr>
+          <p:spPr>
+            <a:xfrm>
+              <a:off x="208053" y="2420888"/>
+              <a:ext cx="1944216" cy="1008112"/>
+            </a:xfrm>
+            <a:prstGeom prst="rect">
+              <a:avLst/>
+            </a:prstGeom>
+            <a:solidFill>
+              <a:srgbClr val="FFC000"/>
+            </a:solidFill>
+            <a:ln>
+              <a:solidFill>
+                <a:schemeClr val="tx1"/>
+              </a:solidFill>
+            </a:ln>
+          </p:spPr>
+          <p:style>
+            <a:lnRef idx="2">
+              <a:schemeClr val="accent1">
+                <a:shade val="50000"/>
+              </a:schemeClr>
+            </a:lnRef>
+            <a:fillRef idx="1">
+              <a:schemeClr val="accent1"/>
+            </a:fillRef>
+            <a:effectRef idx="0">
+              <a:schemeClr val="accent1"/>
+            </a:effectRef>
+            <a:fontRef idx="minor">
+              <a:schemeClr val="lt1"/>
+            </a:fontRef>
+          </p:style>
+          <p:txBody>
+            <a:bodyPr rtlCol="0" anchor="t" anchorCtr="0"/>
+            <a:lstStyle/>
+            <a:p>
+              <a:pPr algn="ctr"/>
+              <a:r>
+                <a:rPr lang="en-US" altLang="ko-KR" b="1" dirty="0" smtClean="0">
+                  <a:solidFill>
+                    <a:schemeClr val="tx1"/>
+                  </a:solidFill>
+                </a:rPr>
+                <a:t>INPUT</a:t>
+              </a:r>
+            </a:p>
+            <a:p>
+              <a:pPr algn="ctr"/>
+              <a:r>
+                <a:rPr lang="en-US" altLang="ko-KR" b="1" dirty="0" smtClean="0">
+                  <a:solidFill>
+                    <a:schemeClr val="tx1"/>
+                  </a:solidFill>
+                </a:rPr>
+                <a:t>&lt;</a:t>
+              </a:r>
+              <a:r>
+                <a:rPr lang="ko-KR" altLang="en-US" b="1" dirty="0" smtClean="0">
+                  <a:solidFill>
+                    <a:schemeClr val="tx1"/>
+                  </a:solidFill>
+                </a:rPr>
+                <a:t>고객</a:t>
+              </a:r>
+              <a:r>
+                <a:rPr lang="en-US" altLang="ko-KR" b="1" dirty="0" smtClean="0">
+                  <a:solidFill>
+                    <a:schemeClr val="tx1"/>
+                  </a:solidFill>
+                </a:rPr>
+                <a:t>&gt;</a:t>
+              </a:r>
+            </a:p>
+            <a:p>
+              <a:pPr algn="ctr"/>
+              <a:r>
+                <a:rPr lang="ko-KR" altLang="en-US" b="1" dirty="0" smtClean="0">
+                  <a:solidFill>
+                    <a:schemeClr val="tx1"/>
+                  </a:solidFill>
+                </a:rPr>
+                <a:t>주문</a:t>
+              </a:r>
+              <a:endParaRPr lang="en-US" altLang="ko-KR" b="1" dirty="0" smtClean="0">
+                <a:solidFill>
+                  <a:schemeClr val="tx1"/>
+                </a:solidFill>
+              </a:endParaRPr>
+            </a:p>
+          </p:txBody>
+        </p:sp>
+        <p:sp>
+          <p:nvSpPr>
+            <p:cNvPr id="15" name="직사각형 14"/>
+            <p:cNvSpPr/>
+            <p:nvPr/>
+          </p:nvSpPr>
+          <p:spPr>
+            <a:xfrm>
+              <a:off x="208053" y="2060848"/>
+              <a:ext cx="1944216" cy="360040"/>
+            </a:xfrm>
+            <a:prstGeom prst="rect">
+              <a:avLst/>
+            </a:prstGeom>
+            <a:solidFill>
+              <a:srgbClr val="FFC000"/>
+            </a:solidFill>
+            <a:ln>
+              <a:solidFill>
+                <a:schemeClr val="tx1"/>
+              </a:solidFill>
+            </a:ln>
+          </p:spPr>
+          <p:style>
+            <a:lnRef idx="2">
+              <a:schemeClr val="accent1">
+                <a:shade val="50000"/>
+              </a:schemeClr>
+            </a:lnRef>
+            <a:fillRef idx="1">
+              <a:schemeClr val="accent1"/>
+            </a:fillRef>
+            <a:effectRef idx="0">
+              <a:schemeClr val="accent1"/>
+            </a:effectRef>
+            <a:fontRef idx="minor">
+              <a:schemeClr val="lt1"/>
+            </a:fontRef>
+          </p:style>
+          <p:txBody>
+            <a:bodyPr rtlCol="0" anchor="t" anchorCtr="0"/>
+            <a:lstStyle/>
+            <a:p>
+              <a:pPr algn="ctr"/>
+              <a:r>
+                <a:rPr lang="en-US" altLang="ko-KR" b="1" dirty="0" smtClean="0">
+                  <a:solidFill>
+                    <a:schemeClr val="tx1"/>
+                  </a:solidFill>
+                </a:rPr>
+                <a:t>INPUT</a:t>
+              </a:r>
+            </a:p>
+          </p:txBody>
+        </p:sp>
+      </p:grpSp>
+      <p:sp>
+        <p:nvSpPr>
+          <p:cNvPr id="13" name="오른쪽 화살표 12"/>
           <p:cNvSpPr/>
           <p:nvPr/>
         </p:nvSpPr>
         <p:spPr>
           <a:xfrm>
-            <a:off x="5745646" y="-1451236"/>
-            <a:ext cx="3168352" cy="2160240"/>
+            <a:off x="1402084" y="4600872"/>
+            <a:ext cx="504056" cy="1080120"/>
           </a:xfrm>
-          <a:prstGeom prst="rect">
+          <a:prstGeom prst="rightArrow">
             <a:avLst/>
           </a:prstGeom>
           <a:solidFill>
-            <a:srgbClr val="92D050"/>
+            <a:schemeClr val="tx1"/>
           </a:solidFill>
           <a:ln>
-            <a:solidFill>
-              <a:schemeClr val="tx1"/>
-            </a:solidFill>
+            <a:noFill/>
           </a:ln>
         </p:spPr>
         <p:style>
@@ -4403,1232 +5762,78 @@
           </a:fontRef>
         </p:style>
         <p:txBody>
-          <a:bodyPr rtlCol="0" anchor="t" anchorCtr="0"/>
+          <a:bodyPr rtlCol="0" anchor="ctr"/>
           <a:lstStyle/>
           <a:p>
-            <a:r>
-              <a:rPr lang="ko-KR" altLang="en-US" b="1" dirty="0" smtClean="0">
-                <a:solidFill>
-                  <a:schemeClr val="tx1"/>
-                </a:solidFill>
-              </a:rPr>
-              <a:t>용도</a:t>
-            </a:r>
-            <a:endParaRPr lang="en-US" altLang="ko-KR" b="1" dirty="0" smtClean="0">
-              <a:solidFill>
-                <a:schemeClr val="tx1"/>
-              </a:solidFill>
-            </a:endParaRPr>
-          </a:p>
-          <a:p>
-            <a:r>
-              <a:rPr lang="en-US" altLang="ko-KR" b="1" dirty="0">
-                <a:solidFill>
-                  <a:schemeClr val="tx1"/>
-                </a:solidFill>
-              </a:rPr>
-              <a:t> </a:t>
-            </a:r>
-            <a:r>
-              <a:rPr lang="en-US" altLang="ko-KR" b="1" dirty="0" smtClean="0">
-                <a:solidFill>
-                  <a:schemeClr val="tx1"/>
-                </a:solidFill>
-              </a:rPr>
-              <a:t>1 </a:t>
-            </a:r>
-            <a:r>
-              <a:rPr lang="ko-KR" altLang="en-US" b="1" dirty="0" err="1" smtClean="0">
-                <a:solidFill>
-                  <a:schemeClr val="tx1"/>
-                </a:solidFill>
-              </a:rPr>
-              <a:t>프론트관리</a:t>
-            </a:r>
-            <a:r>
-              <a:rPr lang="en-US" altLang="ko-KR" b="1" dirty="0" smtClean="0">
-                <a:solidFill>
-                  <a:schemeClr val="tx1"/>
-                </a:solidFill>
-              </a:rPr>
-              <a:t>(</a:t>
-            </a:r>
-            <a:r>
-              <a:rPr lang="ko-KR" altLang="en-US" b="1" dirty="0" smtClean="0">
-                <a:solidFill>
-                  <a:schemeClr val="tx1"/>
-                </a:solidFill>
-              </a:rPr>
-              <a:t>주문</a:t>
-            </a:r>
-            <a:r>
-              <a:rPr lang="en-US" altLang="ko-KR" b="1" dirty="0" smtClean="0">
-                <a:solidFill>
-                  <a:schemeClr val="tx1"/>
-                </a:solidFill>
-              </a:rPr>
-              <a:t>)</a:t>
-            </a:r>
-          </a:p>
-          <a:p>
-            <a:r>
-              <a:rPr lang="en-US" altLang="ko-KR" b="1" dirty="0" smtClean="0">
-                <a:solidFill>
-                  <a:schemeClr val="tx1"/>
-                </a:solidFill>
-              </a:rPr>
-              <a:t> 1 </a:t>
-            </a:r>
-            <a:r>
-              <a:rPr lang="ko-KR" altLang="en-US" b="1" dirty="0" smtClean="0">
-                <a:solidFill>
-                  <a:schemeClr val="tx1"/>
-                </a:solidFill>
-              </a:rPr>
-              <a:t>재고관리</a:t>
-            </a:r>
-            <a:endParaRPr lang="en-US" altLang="ko-KR" b="1" dirty="0" smtClean="0">
-              <a:solidFill>
-                <a:schemeClr val="tx1"/>
-              </a:solidFill>
-            </a:endParaRPr>
-          </a:p>
-          <a:p>
-            <a:r>
-              <a:rPr lang="en-US" altLang="ko-KR" b="1" dirty="0">
-                <a:solidFill>
-                  <a:schemeClr val="tx1"/>
-                </a:solidFill>
-              </a:rPr>
-              <a:t> </a:t>
-            </a:r>
-            <a:r>
-              <a:rPr lang="en-US" altLang="ko-KR" b="1" dirty="0" smtClean="0">
-                <a:solidFill>
-                  <a:schemeClr val="tx1"/>
-                </a:solidFill>
-              </a:rPr>
-              <a:t>2 </a:t>
-            </a:r>
-            <a:r>
-              <a:rPr lang="ko-KR" altLang="en-US" b="1" dirty="0" smtClean="0">
-                <a:solidFill>
-                  <a:schemeClr val="tx1"/>
-                </a:solidFill>
-              </a:rPr>
-              <a:t>매출관리</a:t>
-            </a:r>
-            <a:endParaRPr lang="en-US" altLang="ko-KR" b="1" dirty="0" smtClean="0">
-              <a:solidFill>
-                <a:schemeClr val="tx1"/>
-              </a:solidFill>
-            </a:endParaRPr>
-          </a:p>
-          <a:p>
-            <a:r>
-              <a:rPr lang="en-US" altLang="ko-KR" b="1" dirty="0">
-                <a:solidFill>
-                  <a:schemeClr val="tx1"/>
-                </a:solidFill>
-              </a:rPr>
-              <a:t> </a:t>
-            </a:r>
-            <a:r>
-              <a:rPr lang="en-US" altLang="ko-KR" b="1" dirty="0" smtClean="0">
-                <a:solidFill>
-                  <a:schemeClr val="tx1"/>
-                </a:solidFill>
-              </a:rPr>
-              <a:t>3 </a:t>
-            </a:r>
-            <a:r>
-              <a:rPr lang="ko-KR" altLang="en-US" b="1" dirty="0" err="1">
-                <a:solidFill>
-                  <a:schemeClr val="tx1"/>
-                </a:solidFill>
-              </a:rPr>
-              <a:t>마켓팅</a:t>
-            </a:r>
-            <a:endParaRPr lang="en-US" altLang="ko-KR" b="1" dirty="0" smtClean="0">
-              <a:solidFill>
-                <a:schemeClr val="tx1"/>
-              </a:solidFill>
-            </a:endParaRPr>
-          </a:p>
-          <a:p>
-            <a:r>
-              <a:rPr lang="en-US" altLang="ko-KR" b="1" dirty="0" smtClean="0">
-                <a:solidFill>
-                  <a:schemeClr val="tx1"/>
-                </a:solidFill>
-              </a:rPr>
-              <a:t> 4</a:t>
-            </a:r>
-          </a:p>
-          <a:p>
-            <a:endParaRPr lang="ko-KR" altLang="en-US" b="1" dirty="0">
-              <a:solidFill>
-                <a:schemeClr val="tx1"/>
-              </a:solidFill>
-            </a:endParaRPr>
-          </a:p>
-        </p:txBody>
-      </p:sp>
-      <p:sp>
-        <p:nvSpPr>
-          <p:cNvPr id="6" name="직사각형 5"/>
-          <p:cNvSpPr/>
+            <a:pPr algn="ctr"/>
+            <a:endParaRPr lang="ko-KR" altLang="en-US"/>
+          </a:p>
+        </p:txBody>
+      </p:sp>
+      <p:pic>
+        <p:nvPicPr>
+          <p:cNvPr id="1026" name="Picture 2"/>
+          <p:cNvPicPr>
+            <a:picLocks noChangeAspect="1" noChangeArrowheads="1"/>
+          </p:cNvPicPr>
           <p:nvPr/>
-        </p:nvSpPr>
-        <p:spPr>
+        </p:nvPicPr>
+        <p:blipFill>
+          <a:blip r:embed="rId2" cstate="print">
+            <a:extLst>
+              <a:ext uri="{28A0092B-C50C-407E-A947-70E740481C1C}">
+                <a14:useLocalDpi xmlns:a14="http://schemas.microsoft.com/office/drawing/2010/main" val="0"/>
+              </a:ext>
+            </a:extLst>
+          </a:blip>
+          <a:srcRect/>
+          <a:stretch>
+            <a:fillRect/>
+          </a:stretch>
+        </p:blipFill>
+        <p:spPr bwMode="auto">
           <a:xfrm>
-            <a:off x="7174186" y="-2835696"/>
-            <a:ext cx="3960440" cy="2160240"/>
+            <a:off x="3065868" y="0"/>
+            <a:ext cx="3514039" cy="2609314"/>
           </a:xfrm>
           <a:prstGeom prst="rect">
             <a:avLst/>
           </a:prstGeom>
-          <a:solidFill>
-            <a:srgbClr val="FFFF00"/>
-          </a:solidFill>
+          <a:noFill/>
           <a:ln>
-            <a:solidFill>
-              <a:schemeClr val="tx1"/>
-            </a:solidFill>
+            <a:noFill/>
           </a:ln>
-        </p:spPr>
-        <p:style>
-          <a:lnRef idx="2">
-            <a:schemeClr val="accent1">
-              <a:shade val="50000"/>
-            </a:schemeClr>
-          </a:lnRef>
-          <a:fillRef idx="1">
-            <a:schemeClr val="accent1"/>
-          </a:fillRef>
-          <a:effectRef idx="0">
-            <a:schemeClr val="accent1"/>
-          </a:effectRef>
-          <a:fontRef idx="minor">
-            <a:schemeClr val="lt1"/>
-          </a:fontRef>
-        </p:style>
-        <p:txBody>
-          <a:bodyPr rtlCol="0" anchor="t" anchorCtr="0"/>
-          <a:lstStyle/>
-          <a:p>
-            <a:r>
-              <a:rPr lang="ko-KR" altLang="en-US" b="1" dirty="0" smtClean="0">
+          <a:effectLst/>
+          <a:extLst>
+            <a:ext uri="{909E8E84-426E-40DD-AFC4-6F175D3DCCD1}">
+              <a14:hiddenFill xmlns:a14="http://schemas.microsoft.com/office/drawing/2010/main">
+                <a:solidFill>
+                  <a:schemeClr val="accent1"/>
+                </a:solidFill>
+              </a14:hiddenFill>
+            </a:ext>
+            <a:ext uri="{91240B29-F687-4F45-9708-019B960494DF}">
+              <a14:hiddenLine xmlns:a14="http://schemas.microsoft.com/office/drawing/2010/main" w="9525">
                 <a:solidFill>
                   <a:schemeClr val="tx1"/>
                 </a:solidFill>
-              </a:rPr>
-              <a:t>메뉴</a:t>
-            </a:r>
-            <a:endParaRPr lang="en-US" altLang="ko-KR" b="1" dirty="0" smtClean="0">
-              <a:solidFill>
-                <a:schemeClr val="tx1"/>
-              </a:solidFill>
-            </a:endParaRPr>
-          </a:p>
-          <a:p>
-            <a:r>
-              <a:rPr lang="en-US" altLang="ko-KR" b="1" dirty="0">
-                <a:solidFill>
-                  <a:schemeClr val="tx1"/>
-                </a:solidFill>
-              </a:rPr>
-              <a:t> </a:t>
-            </a:r>
-            <a:r>
-              <a:rPr lang="en-US" altLang="ko-KR" b="1" dirty="0" smtClean="0">
-                <a:solidFill>
-                  <a:schemeClr val="tx1"/>
-                </a:solidFill>
-              </a:rPr>
-              <a:t>1 </a:t>
-            </a:r>
-            <a:r>
-              <a:rPr lang="ko-KR" altLang="en-US" b="1" dirty="0" smtClean="0">
-                <a:solidFill>
-                  <a:schemeClr val="tx1"/>
-                </a:solidFill>
-              </a:rPr>
-              <a:t>이름 재료 수량</a:t>
-            </a:r>
-            <a:r>
-              <a:rPr lang="en-US" altLang="ko-KR" b="1" dirty="0" smtClean="0">
-                <a:solidFill>
-                  <a:schemeClr val="tx1"/>
-                </a:solidFill>
-              </a:rPr>
-              <a:t>, </a:t>
-            </a:r>
-            <a:r>
-              <a:rPr lang="ko-KR" altLang="en-US" b="1" dirty="0" smtClean="0">
-                <a:solidFill>
-                  <a:schemeClr val="tx1"/>
-                </a:solidFill>
-              </a:rPr>
-              <a:t>재료</a:t>
-            </a:r>
-            <a:r>
-              <a:rPr lang="en-US" altLang="ko-KR" b="1" dirty="0" smtClean="0">
-                <a:solidFill>
-                  <a:schemeClr val="tx1"/>
-                </a:solidFill>
-              </a:rPr>
-              <a:t>, </a:t>
-            </a:r>
-            <a:r>
-              <a:rPr lang="ko-KR" altLang="en-US" b="1" dirty="0" smtClean="0">
-                <a:solidFill>
-                  <a:schemeClr val="tx1"/>
-                </a:solidFill>
-              </a:rPr>
-              <a:t>가격</a:t>
-            </a:r>
-            <a:endParaRPr lang="en-US" altLang="ko-KR" b="1" dirty="0" smtClean="0">
-              <a:solidFill>
-                <a:schemeClr val="tx1"/>
-              </a:solidFill>
-            </a:endParaRPr>
-          </a:p>
-          <a:p>
-            <a:r>
-              <a:rPr lang="en-US" altLang="ko-KR" b="1" dirty="0">
-                <a:solidFill>
-                  <a:schemeClr val="tx1"/>
-                </a:solidFill>
-              </a:rPr>
-              <a:t> </a:t>
-            </a:r>
-            <a:r>
-              <a:rPr lang="en-US" altLang="ko-KR" b="1" dirty="0" smtClean="0">
-                <a:solidFill>
-                  <a:schemeClr val="tx1"/>
-                </a:solidFill>
-              </a:rPr>
-              <a:t>2</a:t>
-            </a:r>
-          </a:p>
-          <a:p>
-            <a:r>
-              <a:rPr lang="en-US" altLang="ko-KR" b="1" dirty="0">
-                <a:solidFill>
-                  <a:schemeClr val="tx1"/>
-                </a:solidFill>
-              </a:rPr>
-              <a:t> </a:t>
-            </a:r>
-            <a:r>
-              <a:rPr lang="en-US" altLang="ko-KR" b="1" dirty="0" smtClean="0">
-                <a:solidFill>
-                  <a:schemeClr val="tx1"/>
-                </a:solidFill>
-              </a:rPr>
-              <a:t>3</a:t>
-            </a:r>
-          </a:p>
-          <a:p>
-            <a:r>
-              <a:rPr lang="en-US" altLang="ko-KR" b="1" dirty="0">
-                <a:solidFill>
-                  <a:schemeClr val="tx1"/>
-                </a:solidFill>
-              </a:rPr>
-              <a:t> </a:t>
-            </a:r>
-            <a:r>
-              <a:rPr lang="en-US" altLang="ko-KR" b="1" dirty="0" smtClean="0">
-                <a:solidFill>
-                  <a:schemeClr val="tx1"/>
-                </a:solidFill>
-              </a:rPr>
-              <a:t>4</a:t>
-            </a:r>
-          </a:p>
-          <a:p>
-            <a:r>
-              <a:rPr lang="en-US" altLang="ko-KR" b="1" dirty="0">
-                <a:solidFill>
-                  <a:schemeClr val="tx1"/>
-                </a:solidFill>
-              </a:rPr>
-              <a:t> </a:t>
-            </a:r>
-            <a:r>
-              <a:rPr lang="en-US" altLang="ko-KR" b="1" dirty="0" smtClean="0">
-                <a:solidFill>
-                  <a:schemeClr val="tx1"/>
-                </a:solidFill>
-              </a:rPr>
-              <a:t>5</a:t>
-            </a:r>
-          </a:p>
-          <a:p>
-            <a:r>
-              <a:rPr lang="en-US" altLang="ko-KR" b="1" dirty="0">
-                <a:solidFill>
-                  <a:schemeClr val="tx1"/>
-                </a:solidFill>
-              </a:rPr>
-              <a:t> </a:t>
-            </a:r>
-            <a:r>
-              <a:rPr lang="en-US" altLang="ko-KR" b="1" dirty="0" smtClean="0">
-                <a:solidFill>
-                  <a:schemeClr val="tx1"/>
-                </a:solidFill>
-              </a:rPr>
-              <a:t>6</a:t>
-            </a:r>
-            <a:endParaRPr lang="ko-KR" altLang="en-US" b="1" dirty="0">
-              <a:solidFill>
-                <a:schemeClr val="tx1"/>
-              </a:solidFill>
-            </a:endParaRPr>
-          </a:p>
-        </p:txBody>
-      </p:sp>
-      <p:sp>
-        <p:nvSpPr>
-          <p:cNvPr id="7" name="직사각형 6"/>
-          <p:cNvSpPr/>
-          <p:nvPr/>
-        </p:nvSpPr>
-        <p:spPr>
-          <a:xfrm>
-            <a:off x="208053" y="2420888"/>
-            <a:ext cx="1944216" cy="1080120"/>
-          </a:xfrm>
-          <a:prstGeom prst="rect">
-            <a:avLst/>
-          </a:prstGeom>
-          <a:solidFill>
-            <a:srgbClr val="FFC000"/>
-          </a:solidFill>
-          <a:ln>
-            <a:solidFill>
-              <a:schemeClr val="tx1"/>
-            </a:solidFill>
-          </a:ln>
+                <a:miter lim="800000"/>
+                <a:headEnd/>
+                <a:tailEnd/>
+              </a14:hiddenLine>
+            </a:ext>
+            <a:ext uri="{AF507438-7753-43E0-B8FC-AC1667EBCBE1}">
+              <a14:hiddenEffects xmlns:a14="http://schemas.microsoft.com/office/drawing/2010/main">
+                <a:effectLst>
+                  <a:outerShdw dist="35921" dir="2700000" algn="ctr" rotWithShape="0">
+                    <a:schemeClr val="bg2"/>
+                  </a:outerShdw>
+                </a:effectLst>
+              </a14:hiddenEffects>
+            </a:ext>
+          </a:extLst>
         </p:spPr>
-        <p:style>
-          <a:lnRef idx="2">
-            <a:schemeClr val="accent1">
-              <a:shade val="50000"/>
-            </a:schemeClr>
-          </a:lnRef>
-          <a:fillRef idx="1">
-            <a:schemeClr val="accent1"/>
-          </a:fillRef>
-          <a:effectRef idx="0">
-            <a:schemeClr val="accent1"/>
-          </a:effectRef>
-          <a:fontRef idx="minor">
-            <a:schemeClr val="lt1"/>
-          </a:fontRef>
-        </p:style>
-        <p:txBody>
-          <a:bodyPr rtlCol="0" anchor="t" anchorCtr="0"/>
-          <a:lstStyle/>
-          <a:p>
-            <a:pPr algn="ctr"/>
-            <a:r>
-              <a:rPr lang="en-US" altLang="ko-KR" b="1" dirty="0" smtClean="0">
-                <a:solidFill>
-                  <a:schemeClr val="tx1"/>
-                </a:solidFill>
-              </a:rPr>
-              <a:t>INPUT</a:t>
-            </a:r>
-          </a:p>
-          <a:p>
-            <a:pPr algn="ctr"/>
-            <a:r>
-              <a:rPr lang="en-US" altLang="ko-KR" b="1" dirty="0" smtClean="0">
-                <a:solidFill>
-                  <a:schemeClr val="tx1"/>
-                </a:solidFill>
-              </a:rPr>
-              <a:t>&lt;</a:t>
-            </a:r>
-            <a:r>
-              <a:rPr lang="ko-KR" altLang="en-US" b="1" dirty="0" smtClean="0">
-                <a:solidFill>
-                  <a:schemeClr val="tx1"/>
-                </a:solidFill>
-              </a:rPr>
-              <a:t>고객</a:t>
-            </a:r>
-            <a:r>
-              <a:rPr lang="en-US" altLang="ko-KR" b="1" dirty="0" smtClean="0">
-                <a:solidFill>
-                  <a:schemeClr val="tx1"/>
-                </a:solidFill>
-              </a:rPr>
-              <a:t>&gt;</a:t>
-            </a:r>
-          </a:p>
-          <a:p>
-            <a:pPr algn="ctr"/>
-            <a:r>
-              <a:rPr lang="ko-KR" altLang="en-US" b="1" dirty="0" smtClean="0">
-                <a:solidFill>
-                  <a:schemeClr val="tx1"/>
-                </a:solidFill>
-              </a:rPr>
-              <a:t>주문</a:t>
-            </a:r>
-            <a:endParaRPr lang="en-US" altLang="ko-KR" b="1" dirty="0" smtClean="0">
-              <a:solidFill>
-                <a:schemeClr val="tx1"/>
-              </a:solidFill>
-            </a:endParaRPr>
-          </a:p>
-        </p:txBody>
-      </p:sp>
-      <p:sp>
-        <p:nvSpPr>
-          <p:cNvPr id="8" name="직사각형 7"/>
-          <p:cNvSpPr/>
-          <p:nvPr/>
-        </p:nvSpPr>
-        <p:spPr>
-          <a:xfrm>
-            <a:off x="251520" y="4653136"/>
-            <a:ext cx="1296144" cy="1728192"/>
-          </a:xfrm>
-          <a:prstGeom prst="rect">
-            <a:avLst/>
-          </a:prstGeom>
-          <a:solidFill>
-            <a:schemeClr val="accent4">
-              <a:lumMod val="40000"/>
-              <a:lumOff val="60000"/>
-            </a:schemeClr>
-          </a:solidFill>
-          <a:ln>
-            <a:solidFill>
-              <a:schemeClr val="tx1"/>
-            </a:solidFill>
-          </a:ln>
-        </p:spPr>
-        <p:style>
-          <a:lnRef idx="2">
-            <a:schemeClr val="accent1">
-              <a:shade val="50000"/>
-            </a:schemeClr>
-          </a:lnRef>
-          <a:fillRef idx="1">
-            <a:schemeClr val="accent1"/>
-          </a:fillRef>
-          <a:effectRef idx="0">
-            <a:schemeClr val="accent1"/>
-          </a:effectRef>
-          <a:fontRef idx="minor">
-            <a:schemeClr val="lt1"/>
-          </a:fontRef>
-        </p:style>
-        <p:txBody>
-          <a:bodyPr rtlCol="0" anchor="t" anchorCtr="0"/>
-          <a:lstStyle/>
-          <a:p>
-            <a:pPr algn="ctr"/>
-            <a:r>
-              <a:rPr lang="en-US" altLang="ko-KR" b="1" dirty="0" smtClean="0">
-                <a:solidFill>
-                  <a:schemeClr val="tx1"/>
-                </a:solidFill>
-              </a:rPr>
-              <a:t>&lt;</a:t>
-            </a:r>
-            <a:r>
-              <a:rPr lang="ko-KR" altLang="en-US" b="1" dirty="0" smtClean="0">
-                <a:solidFill>
-                  <a:schemeClr val="tx1"/>
-                </a:solidFill>
-              </a:rPr>
-              <a:t>고객</a:t>
-            </a:r>
-            <a:r>
-              <a:rPr lang="en-US" altLang="ko-KR" b="1" dirty="0" smtClean="0">
-                <a:solidFill>
-                  <a:schemeClr val="tx1"/>
-                </a:solidFill>
-              </a:rPr>
-              <a:t>&gt;</a:t>
-            </a:r>
-          </a:p>
-          <a:p>
-            <a:pPr algn="ctr"/>
-            <a:r>
-              <a:rPr lang="ko-KR" altLang="en-US" b="1" dirty="0" smtClean="0">
-                <a:solidFill>
-                  <a:schemeClr val="tx1"/>
-                </a:solidFill>
-              </a:rPr>
-              <a:t>영수증</a:t>
-            </a:r>
-            <a:endParaRPr lang="en-US" altLang="ko-KR" b="1" dirty="0" smtClean="0">
-              <a:solidFill>
-                <a:schemeClr val="tx1"/>
-              </a:solidFill>
-            </a:endParaRPr>
-          </a:p>
-          <a:p>
-            <a:pPr algn="ctr"/>
-            <a:endParaRPr lang="ko-KR" altLang="en-US" b="1" dirty="0">
-              <a:solidFill>
-                <a:schemeClr val="tx1"/>
-              </a:solidFill>
-            </a:endParaRPr>
-          </a:p>
-        </p:txBody>
-      </p:sp>
-      <p:sp>
-        <p:nvSpPr>
-          <p:cNvPr id="9" name="직사각형 8"/>
-          <p:cNvSpPr/>
-          <p:nvPr/>
-        </p:nvSpPr>
-        <p:spPr>
-          <a:xfrm>
-            <a:off x="251520" y="4293096"/>
-            <a:ext cx="7981268" cy="360040"/>
-          </a:xfrm>
-          <a:prstGeom prst="rect">
-            <a:avLst/>
-          </a:prstGeom>
-          <a:solidFill>
-            <a:schemeClr val="accent4">
-              <a:lumMod val="40000"/>
-              <a:lumOff val="60000"/>
-            </a:schemeClr>
-          </a:solidFill>
-          <a:ln>
-            <a:solidFill>
-              <a:schemeClr val="tx1"/>
-            </a:solidFill>
-          </a:ln>
-        </p:spPr>
-        <p:style>
-          <a:lnRef idx="2">
-            <a:schemeClr val="accent1">
-              <a:shade val="50000"/>
-            </a:schemeClr>
-          </a:lnRef>
-          <a:fillRef idx="1">
-            <a:schemeClr val="accent1"/>
-          </a:fillRef>
-          <a:effectRef idx="0">
-            <a:schemeClr val="accent1"/>
-          </a:effectRef>
-          <a:fontRef idx="minor">
-            <a:schemeClr val="lt1"/>
-          </a:fontRef>
-        </p:style>
-        <p:txBody>
-          <a:bodyPr rtlCol="0" anchor="t" anchorCtr="0"/>
-          <a:lstStyle/>
-          <a:p>
-            <a:pPr algn="ctr"/>
-            <a:r>
-              <a:rPr lang="en-US" altLang="ko-KR" b="1" dirty="0" smtClean="0">
-                <a:solidFill>
-                  <a:schemeClr val="tx1"/>
-                </a:solidFill>
-              </a:rPr>
-              <a:t>OUTPUT</a:t>
-            </a:r>
-          </a:p>
-        </p:txBody>
-      </p:sp>
-      <p:sp>
-        <p:nvSpPr>
-          <p:cNvPr id="10" name="직사각형 9"/>
-          <p:cNvSpPr/>
-          <p:nvPr/>
-        </p:nvSpPr>
-        <p:spPr>
-          <a:xfrm>
-            <a:off x="1547664" y="4653136"/>
-            <a:ext cx="1728192" cy="1728192"/>
-          </a:xfrm>
-          <a:prstGeom prst="rect">
-            <a:avLst/>
-          </a:prstGeom>
-          <a:solidFill>
-            <a:schemeClr val="accent4">
-              <a:lumMod val="40000"/>
-              <a:lumOff val="60000"/>
-            </a:schemeClr>
-          </a:solidFill>
-          <a:ln>
-            <a:solidFill>
-              <a:schemeClr val="tx1"/>
-            </a:solidFill>
-          </a:ln>
-        </p:spPr>
-        <p:style>
-          <a:lnRef idx="2">
-            <a:schemeClr val="accent1">
-              <a:shade val="50000"/>
-            </a:schemeClr>
-          </a:lnRef>
-          <a:fillRef idx="1">
-            <a:schemeClr val="accent1"/>
-          </a:fillRef>
-          <a:effectRef idx="0">
-            <a:schemeClr val="accent1"/>
-          </a:effectRef>
-          <a:fontRef idx="minor">
-            <a:schemeClr val="lt1"/>
-          </a:fontRef>
-        </p:style>
-        <p:txBody>
-          <a:bodyPr rtlCol="0" anchor="t" anchorCtr="0"/>
-          <a:lstStyle/>
-          <a:p>
-            <a:pPr algn="ctr"/>
-            <a:r>
-              <a:rPr lang="en-US" altLang="ko-KR" b="1" dirty="0" smtClean="0">
-                <a:solidFill>
-                  <a:schemeClr val="tx1"/>
-                </a:solidFill>
-              </a:rPr>
-              <a:t>&lt;</a:t>
-            </a:r>
-            <a:r>
-              <a:rPr lang="ko-KR" altLang="en-US" b="1" dirty="0" smtClean="0">
-                <a:solidFill>
-                  <a:schemeClr val="tx1"/>
-                </a:solidFill>
-              </a:rPr>
-              <a:t>점원</a:t>
-            </a:r>
-            <a:r>
-              <a:rPr lang="en-US" altLang="ko-KR" b="1" dirty="0" smtClean="0">
-                <a:solidFill>
-                  <a:schemeClr val="tx1"/>
-                </a:solidFill>
-              </a:rPr>
-              <a:t>&gt;</a:t>
-            </a:r>
-          </a:p>
-          <a:p>
-            <a:pPr algn="ctr"/>
-            <a:r>
-              <a:rPr lang="ko-KR" altLang="en-US" b="1" dirty="0" err="1" smtClean="0">
-                <a:solidFill>
-                  <a:schemeClr val="tx1"/>
-                </a:solidFill>
-              </a:rPr>
-              <a:t>주문표</a:t>
-            </a:r>
-            <a:endParaRPr lang="en-US" altLang="ko-KR" b="1" dirty="0" smtClean="0">
-              <a:solidFill>
-                <a:schemeClr val="tx1"/>
-              </a:solidFill>
-            </a:endParaRPr>
-          </a:p>
-          <a:p>
-            <a:pPr algn="ctr"/>
-            <a:r>
-              <a:rPr lang="ja-JP" altLang="en-US" b="1" dirty="0">
-                <a:solidFill>
-                  <a:schemeClr val="tx1"/>
-                </a:solidFill>
-              </a:rPr>
-              <a:t>↓</a:t>
-            </a:r>
-            <a:endParaRPr lang="en-US" altLang="ko-KR" b="1" dirty="0" smtClean="0">
-              <a:solidFill>
-                <a:schemeClr val="tx1"/>
-              </a:solidFill>
-            </a:endParaRPr>
-          </a:p>
-          <a:p>
-            <a:pPr algn="ctr"/>
-            <a:r>
-              <a:rPr lang="ko-KR" altLang="en-US" b="1" dirty="0" smtClean="0">
-                <a:solidFill>
-                  <a:schemeClr val="tx1"/>
-                </a:solidFill>
-              </a:rPr>
-              <a:t>메뉴</a:t>
-            </a:r>
-            <a:r>
-              <a:rPr lang="en-US" altLang="ko-KR" b="1" dirty="0" smtClean="0">
-                <a:solidFill>
-                  <a:schemeClr val="tx1"/>
-                </a:solidFill>
-              </a:rPr>
-              <a:t>,</a:t>
-            </a:r>
-            <a:r>
-              <a:rPr lang="ko-KR" altLang="en-US" b="1" dirty="0" smtClean="0">
-                <a:solidFill>
-                  <a:schemeClr val="tx1"/>
-                </a:solidFill>
-              </a:rPr>
-              <a:t>작업순서</a:t>
-            </a:r>
-            <a:endParaRPr lang="ko-KR" altLang="en-US" b="1" dirty="0">
-              <a:solidFill>
-                <a:schemeClr val="tx1"/>
-              </a:solidFill>
-            </a:endParaRPr>
-          </a:p>
-        </p:txBody>
-      </p:sp>
-      <p:sp>
-        <p:nvSpPr>
-          <p:cNvPr id="11" name="직사각형 10"/>
-          <p:cNvSpPr/>
-          <p:nvPr/>
-        </p:nvSpPr>
-        <p:spPr>
-          <a:xfrm>
-            <a:off x="3275856" y="4653136"/>
-            <a:ext cx="1716572" cy="1728192"/>
-          </a:xfrm>
-          <a:prstGeom prst="rect">
-            <a:avLst/>
-          </a:prstGeom>
-          <a:solidFill>
-            <a:schemeClr val="accent4">
-              <a:lumMod val="40000"/>
-              <a:lumOff val="60000"/>
-            </a:schemeClr>
-          </a:solidFill>
-          <a:ln>
-            <a:solidFill>
-              <a:schemeClr val="tx1"/>
-            </a:solidFill>
-          </a:ln>
-        </p:spPr>
-        <p:style>
-          <a:lnRef idx="2">
-            <a:schemeClr val="accent1">
-              <a:shade val="50000"/>
-            </a:schemeClr>
-          </a:lnRef>
-          <a:fillRef idx="1">
-            <a:schemeClr val="accent1"/>
-          </a:fillRef>
-          <a:effectRef idx="0">
-            <a:schemeClr val="accent1"/>
-          </a:effectRef>
-          <a:fontRef idx="minor">
-            <a:schemeClr val="lt1"/>
-          </a:fontRef>
-        </p:style>
-        <p:txBody>
-          <a:bodyPr rtlCol="0" anchor="t" anchorCtr="0"/>
-          <a:lstStyle/>
-          <a:p>
-            <a:pPr algn="ctr"/>
-            <a:r>
-              <a:rPr lang="en-US" altLang="ko-KR" b="1" dirty="0" smtClean="0">
-                <a:solidFill>
-                  <a:schemeClr val="tx1"/>
-                </a:solidFill>
-              </a:rPr>
-              <a:t>&lt;</a:t>
-            </a:r>
-            <a:r>
-              <a:rPr lang="ko-KR" altLang="en-US" b="1" dirty="0" smtClean="0">
-                <a:solidFill>
-                  <a:schemeClr val="tx1"/>
-                </a:solidFill>
-              </a:rPr>
-              <a:t>지점</a:t>
-            </a:r>
-            <a:r>
-              <a:rPr lang="en-US" altLang="ko-KR" b="1" dirty="0" smtClean="0">
-                <a:solidFill>
-                  <a:schemeClr val="tx1"/>
-                </a:solidFill>
-              </a:rPr>
-              <a:t>&gt;</a:t>
-            </a:r>
-          </a:p>
-          <a:p>
-            <a:pPr algn="ctr"/>
-            <a:r>
-              <a:rPr lang="ko-KR" altLang="en-US" b="1" dirty="0" smtClean="0">
-                <a:solidFill>
-                  <a:schemeClr val="tx1"/>
-                </a:solidFill>
-              </a:rPr>
-              <a:t>재고관리</a:t>
-            </a:r>
-            <a:endParaRPr lang="en-US" altLang="ko-KR" b="1" dirty="0" smtClean="0">
-              <a:solidFill>
-                <a:schemeClr val="tx1"/>
-              </a:solidFill>
-            </a:endParaRPr>
-          </a:p>
-          <a:p>
-            <a:pPr algn="ctr"/>
-            <a:r>
-              <a:rPr lang="ja-JP" altLang="en-US" b="1" dirty="0" smtClean="0">
-                <a:solidFill>
-                  <a:schemeClr val="tx1"/>
-                </a:solidFill>
-              </a:rPr>
-              <a:t>↓</a:t>
-            </a:r>
-            <a:endParaRPr lang="en-US" altLang="ko-KR" b="1" dirty="0" smtClean="0">
-              <a:solidFill>
-                <a:schemeClr val="tx1"/>
-              </a:solidFill>
-            </a:endParaRPr>
-          </a:p>
-          <a:p>
-            <a:pPr algn="ctr"/>
-            <a:r>
-              <a:rPr lang="ko-KR" altLang="en-US" b="1" dirty="0" smtClean="0">
-                <a:solidFill>
-                  <a:schemeClr val="tx1"/>
-                </a:solidFill>
-              </a:rPr>
-              <a:t>재료자동주문</a:t>
-            </a:r>
-            <a:endParaRPr lang="en-US" altLang="ko-KR" b="1" dirty="0" smtClean="0">
-              <a:solidFill>
-                <a:schemeClr val="tx1"/>
-              </a:solidFill>
-            </a:endParaRPr>
-          </a:p>
-          <a:p>
-            <a:pPr algn="ctr"/>
-            <a:endParaRPr lang="ko-KR" altLang="en-US" b="1" dirty="0">
-              <a:solidFill>
-                <a:schemeClr val="tx1"/>
-              </a:solidFill>
-            </a:endParaRPr>
-          </a:p>
-        </p:txBody>
-      </p:sp>
-      <p:sp>
-        <p:nvSpPr>
-          <p:cNvPr id="14" name="직사각형 13"/>
-          <p:cNvSpPr/>
-          <p:nvPr/>
-        </p:nvSpPr>
-        <p:spPr>
-          <a:xfrm>
-            <a:off x="4992428" y="4653136"/>
-            <a:ext cx="3240360" cy="1728192"/>
-          </a:xfrm>
-          <a:prstGeom prst="rect">
-            <a:avLst/>
-          </a:prstGeom>
-          <a:solidFill>
-            <a:schemeClr val="accent4">
-              <a:lumMod val="40000"/>
-              <a:lumOff val="60000"/>
-            </a:schemeClr>
-          </a:solidFill>
-          <a:ln>
-            <a:solidFill>
-              <a:schemeClr val="tx1"/>
-            </a:solidFill>
-          </a:ln>
-        </p:spPr>
-        <p:style>
-          <a:lnRef idx="2">
-            <a:schemeClr val="accent1">
-              <a:shade val="50000"/>
-            </a:schemeClr>
-          </a:lnRef>
-          <a:fillRef idx="1">
-            <a:schemeClr val="accent1"/>
-          </a:fillRef>
-          <a:effectRef idx="0">
-            <a:schemeClr val="accent1"/>
-          </a:effectRef>
-          <a:fontRef idx="minor">
-            <a:schemeClr val="lt1"/>
-          </a:fontRef>
-        </p:style>
-        <p:txBody>
-          <a:bodyPr rtlCol="0" anchor="t" anchorCtr="0"/>
-          <a:lstStyle/>
-          <a:p>
-            <a:pPr algn="ctr"/>
-            <a:r>
-              <a:rPr lang="en-US" altLang="ko-KR" b="1" dirty="0" smtClean="0">
-                <a:solidFill>
-                  <a:schemeClr val="tx1"/>
-                </a:solidFill>
-              </a:rPr>
-              <a:t>&lt;</a:t>
-            </a:r>
-            <a:r>
-              <a:rPr lang="ko-KR" altLang="en-US" b="1" dirty="0" smtClean="0">
-                <a:solidFill>
-                  <a:schemeClr val="tx1"/>
-                </a:solidFill>
-              </a:rPr>
-              <a:t>본사</a:t>
-            </a:r>
-            <a:r>
-              <a:rPr lang="en-US" altLang="ko-KR" b="1" dirty="0" smtClean="0">
-                <a:solidFill>
-                  <a:schemeClr val="tx1"/>
-                </a:solidFill>
-              </a:rPr>
-              <a:t>&gt;</a:t>
-            </a:r>
-          </a:p>
-          <a:p>
-            <a:pPr algn="ctr"/>
-            <a:r>
-              <a:rPr lang="ko-KR" altLang="en-US" b="1" dirty="0" smtClean="0">
-                <a:solidFill>
-                  <a:schemeClr val="tx1"/>
-                </a:solidFill>
-              </a:rPr>
-              <a:t>매출분석</a:t>
-            </a:r>
-            <a:endParaRPr lang="en-US" altLang="ko-KR" b="1" dirty="0" smtClean="0">
-              <a:solidFill>
-                <a:schemeClr val="tx1"/>
-              </a:solidFill>
-            </a:endParaRPr>
-          </a:p>
-          <a:p>
-            <a:pPr algn="ctr"/>
-            <a:r>
-              <a:rPr lang="en-US" altLang="ko-KR" b="1" dirty="0" smtClean="0">
-                <a:solidFill>
-                  <a:schemeClr val="tx1"/>
-                </a:solidFill>
-              </a:rPr>
-              <a:t>ex:</a:t>
-            </a:r>
-            <a:r>
-              <a:rPr lang="ko-KR" altLang="en-US" b="1" dirty="0" smtClean="0">
-                <a:solidFill>
-                  <a:schemeClr val="tx1"/>
-                </a:solidFill>
-              </a:rPr>
-              <a:t>매출</a:t>
-            </a:r>
-            <a:r>
-              <a:rPr lang="en-US" altLang="ko-KR" b="1" dirty="0" smtClean="0">
-                <a:solidFill>
-                  <a:schemeClr val="tx1"/>
-                </a:solidFill>
-              </a:rPr>
-              <a:t>,</a:t>
-            </a:r>
-            <a:r>
-              <a:rPr lang="ko-KR" altLang="en-US" b="1" dirty="0" smtClean="0">
-                <a:solidFill>
-                  <a:schemeClr val="tx1"/>
-                </a:solidFill>
-              </a:rPr>
-              <a:t>순수익</a:t>
-            </a:r>
-            <a:endParaRPr lang="en-US" altLang="ko-KR" b="1" dirty="0" smtClean="0">
-              <a:solidFill>
-                <a:schemeClr val="tx1"/>
-              </a:solidFill>
-            </a:endParaRPr>
-          </a:p>
-          <a:p>
-            <a:pPr algn="ctr"/>
-            <a:r>
-              <a:rPr lang="ko-KR" altLang="en-US" b="1" dirty="0" err="1" smtClean="0">
-                <a:solidFill>
-                  <a:schemeClr val="tx1"/>
-                </a:solidFill>
-              </a:rPr>
-              <a:t>마켓팅</a:t>
-            </a:r>
-            <a:r>
-              <a:rPr lang="en-US" altLang="ko-KR" b="1" dirty="0" smtClean="0">
-                <a:solidFill>
-                  <a:schemeClr val="tx1"/>
-                </a:solidFill>
-              </a:rPr>
-              <a:t>(</a:t>
-            </a:r>
-            <a:r>
-              <a:rPr lang="ko-KR" altLang="en-US" b="1" dirty="0" smtClean="0">
-                <a:solidFill>
-                  <a:schemeClr val="tx1"/>
-                </a:solidFill>
-              </a:rPr>
-              <a:t>이벤트</a:t>
-            </a:r>
-            <a:r>
-              <a:rPr lang="en-US" altLang="ko-KR" b="1" dirty="0" smtClean="0">
-                <a:solidFill>
-                  <a:schemeClr val="tx1"/>
-                </a:solidFill>
-              </a:rPr>
-              <a:t>)</a:t>
-            </a:r>
-          </a:p>
-          <a:p>
-            <a:pPr algn="ctr"/>
-            <a:r>
-              <a:rPr lang="en-US" altLang="ko-KR" b="1" dirty="0">
-                <a:solidFill>
-                  <a:schemeClr val="tx1"/>
-                </a:solidFill>
-              </a:rPr>
-              <a:t>ex</a:t>
-            </a:r>
-            <a:r>
-              <a:rPr lang="en-US" altLang="ko-KR" b="1" dirty="0" smtClean="0">
-                <a:solidFill>
-                  <a:schemeClr val="tx1"/>
-                </a:solidFill>
-              </a:rPr>
-              <a:t>:</a:t>
-            </a:r>
-            <a:r>
-              <a:rPr lang="ko-KR" altLang="en-US" b="1" dirty="0" smtClean="0">
-                <a:solidFill>
-                  <a:schemeClr val="tx1"/>
-                </a:solidFill>
-              </a:rPr>
-              <a:t>시간</a:t>
-            </a:r>
-            <a:r>
-              <a:rPr lang="en-US" altLang="ko-KR" b="1" dirty="0" smtClean="0">
-                <a:solidFill>
-                  <a:schemeClr val="tx1"/>
-                </a:solidFill>
-              </a:rPr>
-              <a:t>(</a:t>
-            </a:r>
-            <a:r>
-              <a:rPr lang="ko-KR" altLang="en-US" b="1" dirty="0" smtClean="0">
-                <a:solidFill>
-                  <a:schemeClr val="tx1"/>
-                </a:solidFill>
-              </a:rPr>
-              <a:t>계절</a:t>
-            </a:r>
-            <a:r>
-              <a:rPr lang="en-US" altLang="ko-KR" b="1" dirty="0" smtClean="0">
-                <a:solidFill>
-                  <a:schemeClr val="tx1"/>
-                </a:solidFill>
-              </a:rPr>
-              <a:t>,</a:t>
-            </a:r>
-            <a:r>
-              <a:rPr lang="ko-KR" altLang="en-US" b="1" dirty="0" smtClean="0">
-                <a:solidFill>
-                  <a:schemeClr val="tx1"/>
-                </a:solidFill>
-              </a:rPr>
-              <a:t>요일</a:t>
-            </a:r>
-            <a:r>
-              <a:rPr lang="en-US" altLang="ko-KR" b="1" dirty="0" smtClean="0">
-                <a:solidFill>
-                  <a:schemeClr val="tx1"/>
-                </a:solidFill>
-              </a:rPr>
-              <a:t>)</a:t>
-            </a:r>
-            <a:r>
-              <a:rPr lang="ko-KR" altLang="en-US" b="1" dirty="0" smtClean="0">
-                <a:solidFill>
-                  <a:schemeClr val="tx1"/>
-                </a:solidFill>
-              </a:rPr>
-              <a:t>지역</a:t>
-            </a:r>
-            <a:r>
-              <a:rPr lang="en-US" altLang="ko-KR" b="1" dirty="0" smtClean="0">
-                <a:solidFill>
-                  <a:schemeClr val="tx1"/>
-                </a:solidFill>
-              </a:rPr>
-              <a:t>,</a:t>
-            </a:r>
-            <a:r>
-              <a:rPr lang="ko-KR" altLang="en-US" b="1" dirty="0" smtClean="0">
-                <a:solidFill>
-                  <a:schemeClr val="tx1"/>
-                </a:solidFill>
-              </a:rPr>
-              <a:t>날씨</a:t>
-            </a:r>
-            <a:endParaRPr lang="ko-KR" altLang="en-US" b="1" dirty="0">
-              <a:solidFill>
-                <a:schemeClr val="tx1"/>
-              </a:solidFill>
-            </a:endParaRPr>
-          </a:p>
-        </p:txBody>
-      </p:sp>
-      <p:sp>
-        <p:nvSpPr>
-          <p:cNvPr id="15" name="직사각형 14"/>
-          <p:cNvSpPr/>
-          <p:nvPr/>
-        </p:nvSpPr>
-        <p:spPr>
-          <a:xfrm>
-            <a:off x="208053" y="2060848"/>
-            <a:ext cx="1944216" cy="360040"/>
-          </a:xfrm>
-          <a:prstGeom prst="rect">
-            <a:avLst/>
-          </a:prstGeom>
-          <a:solidFill>
-            <a:srgbClr val="FFC000"/>
-          </a:solidFill>
-          <a:ln>
-            <a:solidFill>
-              <a:schemeClr val="tx1"/>
-            </a:solidFill>
-          </a:ln>
-        </p:spPr>
-        <p:style>
-          <a:lnRef idx="2">
-            <a:schemeClr val="accent1">
-              <a:shade val="50000"/>
-            </a:schemeClr>
-          </a:lnRef>
-          <a:fillRef idx="1">
-            <a:schemeClr val="accent1"/>
-          </a:fillRef>
-          <a:effectRef idx="0">
-            <a:schemeClr val="accent1"/>
-          </a:effectRef>
-          <a:fontRef idx="minor">
-            <a:schemeClr val="lt1"/>
-          </a:fontRef>
-        </p:style>
-        <p:txBody>
-          <a:bodyPr rtlCol="0" anchor="t" anchorCtr="0"/>
-          <a:lstStyle/>
-          <a:p>
-            <a:pPr algn="ctr"/>
-            <a:r>
-              <a:rPr lang="en-US" altLang="ko-KR" b="1" dirty="0" smtClean="0">
-                <a:solidFill>
-                  <a:schemeClr val="tx1"/>
-                </a:solidFill>
-              </a:rPr>
-              <a:t>INPUT</a:t>
-            </a:r>
-          </a:p>
-        </p:txBody>
-      </p:sp>
+      </p:pic>
     </p:spTree>
     <p:extLst>
       <p:ext uri="{BB962C8B-B14F-4D97-AF65-F5344CB8AC3E}">

--- a/곽.pptx
+++ b/곽.pptx
@@ -7,6 +7,8 @@
   <p:sldIdLst>
     <p:sldId id="256" r:id="rId2"/>
     <p:sldId id="257" r:id="rId3"/>
+    <p:sldId id="258" r:id="rId4"/>
+    <p:sldId id="259" r:id="rId5"/>
   </p:sldIdLst>
   <p:sldSz cx="9144000" cy="6858000" type="screen4x3"/>
   <p:notesSz cx="6858000" cy="9144000"/>
@@ -5847,6 +5849,1437 @@
 </p:sld>
 </file>
 
+<file path=ppt/slides/slide3.xml><?xml version="1.0" encoding="utf-8"?>
+<p:sld xmlns:a="http://schemas.openxmlformats.org/drawingml/2006/main" xmlns:r="http://schemas.openxmlformats.org/officeDocument/2006/relationships" xmlns:p="http://schemas.openxmlformats.org/presentationml/2006/main">
+  <p:cSld>
+    <p:spTree>
+      <p:nvGrpSpPr>
+        <p:cNvPr id="1" name=""/>
+        <p:cNvGrpSpPr/>
+        <p:nvPr/>
+      </p:nvGrpSpPr>
+      <p:grpSpPr>
+        <a:xfrm>
+          <a:off x="0" y="0"/>
+          <a:ext cx="0" cy="0"/>
+          <a:chOff x="0" y="0"/>
+          <a:chExt cx="0" cy="0"/>
+        </a:xfrm>
+      </p:grpSpPr>
+      <p:grpSp>
+        <p:nvGrpSpPr>
+          <p:cNvPr id="16" name="그룹 15"/>
+          <p:cNvGrpSpPr/>
+          <p:nvPr/>
+        </p:nvGrpSpPr>
+        <p:grpSpPr>
+          <a:xfrm>
+            <a:off x="1095518" y="620688"/>
+            <a:ext cx="7981268" cy="1944216"/>
+            <a:chOff x="251520" y="4293096"/>
+            <a:chExt cx="7981268" cy="1944216"/>
+          </a:xfrm>
+        </p:grpSpPr>
+        <p:sp>
+          <p:nvSpPr>
+            <p:cNvPr id="17" name="직사각형 16"/>
+            <p:cNvSpPr/>
+            <p:nvPr/>
+          </p:nvSpPr>
+          <p:spPr>
+            <a:xfrm>
+              <a:off x="251520" y="4653136"/>
+              <a:ext cx="1296144" cy="1584176"/>
+            </a:xfrm>
+            <a:prstGeom prst="rect">
+              <a:avLst/>
+            </a:prstGeom>
+            <a:solidFill>
+              <a:srgbClr val="92D050"/>
+            </a:solidFill>
+            <a:ln>
+              <a:solidFill>
+                <a:schemeClr val="tx1"/>
+              </a:solidFill>
+            </a:ln>
+          </p:spPr>
+          <p:style>
+            <a:lnRef idx="2">
+              <a:schemeClr val="accent1">
+                <a:shade val="50000"/>
+              </a:schemeClr>
+            </a:lnRef>
+            <a:fillRef idx="1">
+              <a:schemeClr val="accent1"/>
+            </a:fillRef>
+            <a:effectRef idx="0">
+              <a:schemeClr val="accent1"/>
+            </a:effectRef>
+            <a:fontRef idx="minor">
+              <a:schemeClr val="lt1"/>
+            </a:fontRef>
+          </p:style>
+          <p:txBody>
+            <a:bodyPr rtlCol="0" anchor="t" anchorCtr="0"/>
+            <a:lstStyle/>
+            <a:p>
+              <a:pPr algn="ctr"/>
+              <a:r>
+                <a:rPr lang="en-US" altLang="ko-KR" b="1" dirty="0" smtClean="0">
+                  <a:solidFill>
+                    <a:schemeClr val="tx1"/>
+                  </a:solidFill>
+                </a:rPr>
+                <a:t>&lt;</a:t>
+              </a:r>
+              <a:r>
+                <a:rPr lang="ko-KR" altLang="en-US" b="1" dirty="0" smtClean="0">
+                  <a:solidFill>
+                    <a:schemeClr val="tx1"/>
+                  </a:solidFill>
+                </a:rPr>
+                <a:t>고객</a:t>
+              </a:r>
+              <a:r>
+                <a:rPr lang="en-US" altLang="ko-KR" b="1" dirty="0" smtClean="0">
+                  <a:solidFill>
+                    <a:schemeClr val="tx1"/>
+                  </a:solidFill>
+                </a:rPr>
+                <a:t>&gt;</a:t>
+              </a:r>
+            </a:p>
+            <a:p>
+              <a:pPr algn="ctr"/>
+              <a:r>
+                <a:rPr lang="ko-KR" altLang="en-US" b="1" dirty="0" smtClean="0">
+                  <a:solidFill>
+                    <a:schemeClr val="tx1"/>
+                  </a:solidFill>
+                </a:rPr>
+                <a:t>영수증</a:t>
+              </a:r>
+              <a:endParaRPr lang="en-US" altLang="ko-KR" b="1" dirty="0" smtClean="0">
+                <a:solidFill>
+                  <a:schemeClr val="tx1"/>
+                </a:solidFill>
+              </a:endParaRPr>
+            </a:p>
+            <a:p>
+              <a:pPr algn="ctr"/>
+              <a:endParaRPr lang="ko-KR" altLang="en-US" b="1" dirty="0">
+                <a:solidFill>
+                  <a:schemeClr val="tx1"/>
+                </a:solidFill>
+              </a:endParaRPr>
+            </a:p>
+          </p:txBody>
+        </p:sp>
+        <p:sp>
+          <p:nvSpPr>
+            <p:cNvPr id="18" name="직사각형 17"/>
+            <p:cNvSpPr/>
+            <p:nvPr/>
+          </p:nvSpPr>
+          <p:spPr>
+            <a:xfrm>
+              <a:off x="251520" y="4293096"/>
+              <a:ext cx="7981268" cy="360040"/>
+            </a:xfrm>
+            <a:prstGeom prst="rect">
+              <a:avLst/>
+            </a:prstGeom>
+            <a:solidFill>
+              <a:srgbClr val="92D050"/>
+            </a:solidFill>
+            <a:ln>
+              <a:solidFill>
+                <a:schemeClr val="tx1"/>
+              </a:solidFill>
+            </a:ln>
+          </p:spPr>
+          <p:style>
+            <a:lnRef idx="2">
+              <a:schemeClr val="accent1">
+                <a:shade val="50000"/>
+              </a:schemeClr>
+            </a:lnRef>
+            <a:fillRef idx="1">
+              <a:schemeClr val="accent1"/>
+            </a:fillRef>
+            <a:effectRef idx="0">
+              <a:schemeClr val="accent1"/>
+            </a:effectRef>
+            <a:fontRef idx="minor">
+              <a:schemeClr val="lt1"/>
+            </a:fontRef>
+          </p:style>
+          <p:txBody>
+            <a:bodyPr rtlCol="0" anchor="t" anchorCtr="0"/>
+            <a:lstStyle/>
+            <a:p>
+              <a:pPr algn="ctr"/>
+              <a:r>
+                <a:rPr lang="en-US" altLang="ko-KR" b="1" dirty="0" smtClean="0">
+                  <a:solidFill>
+                    <a:schemeClr val="tx1"/>
+                  </a:solidFill>
+                </a:rPr>
+                <a:t>OUTPUT</a:t>
+              </a:r>
+            </a:p>
+          </p:txBody>
+        </p:sp>
+        <p:sp>
+          <p:nvSpPr>
+            <p:cNvPr id="19" name="직사각형 18"/>
+            <p:cNvSpPr/>
+            <p:nvPr/>
+          </p:nvSpPr>
+          <p:spPr>
+            <a:xfrm>
+              <a:off x="1547664" y="4653136"/>
+              <a:ext cx="1728192" cy="1584176"/>
+            </a:xfrm>
+            <a:prstGeom prst="rect">
+              <a:avLst/>
+            </a:prstGeom>
+            <a:solidFill>
+              <a:srgbClr val="92D050"/>
+            </a:solidFill>
+            <a:ln>
+              <a:solidFill>
+                <a:schemeClr val="tx1"/>
+              </a:solidFill>
+            </a:ln>
+          </p:spPr>
+          <p:style>
+            <a:lnRef idx="2">
+              <a:schemeClr val="accent1">
+                <a:shade val="50000"/>
+              </a:schemeClr>
+            </a:lnRef>
+            <a:fillRef idx="1">
+              <a:schemeClr val="accent1"/>
+            </a:fillRef>
+            <a:effectRef idx="0">
+              <a:schemeClr val="accent1"/>
+            </a:effectRef>
+            <a:fontRef idx="minor">
+              <a:schemeClr val="lt1"/>
+            </a:fontRef>
+          </p:style>
+          <p:txBody>
+            <a:bodyPr rtlCol="0" anchor="t" anchorCtr="0"/>
+            <a:lstStyle/>
+            <a:p>
+              <a:pPr algn="ctr"/>
+              <a:r>
+                <a:rPr lang="en-US" altLang="ko-KR" b="1" dirty="0" smtClean="0">
+                  <a:solidFill>
+                    <a:schemeClr val="tx1"/>
+                  </a:solidFill>
+                </a:rPr>
+                <a:t>&lt;</a:t>
+              </a:r>
+              <a:r>
+                <a:rPr lang="ko-KR" altLang="en-US" b="1" dirty="0" smtClean="0">
+                  <a:solidFill>
+                    <a:schemeClr val="tx1"/>
+                  </a:solidFill>
+                </a:rPr>
+                <a:t>점원</a:t>
+              </a:r>
+              <a:r>
+                <a:rPr lang="en-US" altLang="ko-KR" b="1" dirty="0" smtClean="0">
+                  <a:solidFill>
+                    <a:schemeClr val="tx1"/>
+                  </a:solidFill>
+                </a:rPr>
+                <a:t>&gt;</a:t>
+              </a:r>
+            </a:p>
+            <a:p>
+              <a:pPr algn="ctr"/>
+              <a:r>
+                <a:rPr lang="ko-KR" altLang="en-US" b="1" dirty="0" err="1" smtClean="0">
+                  <a:solidFill>
+                    <a:schemeClr val="tx1"/>
+                  </a:solidFill>
+                </a:rPr>
+                <a:t>주문표</a:t>
+              </a:r>
+              <a:endParaRPr lang="en-US" altLang="ko-KR" b="1" dirty="0" smtClean="0">
+                <a:solidFill>
+                  <a:schemeClr val="tx1"/>
+                </a:solidFill>
+              </a:endParaRPr>
+            </a:p>
+            <a:p>
+              <a:pPr algn="ctr"/>
+              <a:r>
+                <a:rPr lang="ja-JP" altLang="en-US" b="1" dirty="0">
+                  <a:solidFill>
+                    <a:schemeClr val="tx1"/>
+                  </a:solidFill>
+                </a:rPr>
+                <a:t>↓</a:t>
+              </a:r>
+              <a:endParaRPr lang="en-US" altLang="ko-KR" b="1" dirty="0" smtClean="0">
+                <a:solidFill>
+                  <a:schemeClr val="tx1"/>
+                </a:solidFill>
+              </a:endParaRPr>
+            </a:p>
+            <a:p>
+              <a:pPr algn="ctr"/>
+              <a:r>
+                <a:rPr lang="ko-KR" altLang="en-US" b="1" dirty="0" smtClean="0">
+                  <a:solidFill>
+                    <a:schemeClr val="tx1"/>
+                  </a:solidFill>
+                </a:rPr>
+                <a:t>메뉴</a:t>
+              </a:r>
+              <a:r>
+                <a:rPr lang="en-US" altLang="ko-KR" b="1" dirty="0" smtClean="0">
+                  <a:solidFill>
+                    <a:schemeClr val="tx1"/>
+                  </a:solidFill>
+                </a:rPr>
+                <a:t>,</a:t>
+              </a:r>
+              <a:r>
+                <a:rPr lang="ko-KR" altLang="en-US" b="1" dirty="0" smtClean="0">
+                  <a:solidFill>
+                    <a:schemeClr val="tx1"/>
+                  </a:solidFill>
+                </a:rPr>
+                <a:t>작업순서</a:t>
+              </a:r>
+              <a:endParaRPr lang="ko-KR" altLang="en-US" b="1" dirty="0">
+                <a:solidFill>
+                  <a:schemeClr val="tx1"/>
+                </a:solidFill>
+              </a:endParaRPr>
+            </a:p>
+          </p:txBody>
+        </p:sp>
+        <p:sp>
+          <p:nvSpPr>
+            <p:cNvPr id="20" name="직사각형 19"/>
+            <p:cNvSpPr/>
+            <p:nvPr/>
+          </p:nvSpPr>
+          <p:spPr>
+            <a:xfrm>
+              <a:off x="3275856" y="4653136"/>
+              <a:ext cx="1716572" cy="1584176"/>
+            </a:xfrm>
+            <a:prstGeom prst="rect">
+              <a:avLst/>
+            </a:prstGeom>
+            <a:solidFill>
+              <a:srgbClr val="92D050"/>
+            </a:solidFill>
+            <a:ln>
+              <a:solidFill>
+                <a:schemeClr val="tx1"/>
+              </a:solidFill>
+            </a:ln>
+          </p:spPr>
+          <p:style>
+            <a:lnRef idx="2">
+              <a:schemeClr val="accent1">
+                <a:shade val="50000"/>
+              </a:schemeClr>
+            </a:lnRef>
+            <a:fillRef idx="1">
+              <a:schemeClr val="accent1"/>
+            </a:fillRef>
+            <a:effectRef idx="0">
+              <a:schemeClr val="accent1"/>
+            </a:effectRef>
+            <a:fontRef idx="minor">
+              <a:schemeClr val="lt1"/>
+            </a:fontRef>
+          </p:style>
+          <p:txBody>
+            <a:bodyPr rtlCol="0" anchor="t" anchorCtr="0"/>
+            <a:lstStyle/>
+            <a:p>
+              <a:pPr algn="ctr"/>
+              <a:r>
+                <a:rPr lang="en-US" altLang="ko-KR" b="1" dirty="0" smtClean="0">
+                  <a:solidFill>
+                    <a:schemeClr val="tx1"/>
+                  </a:solidFill>
+                </a:rPr>
+                <a:t>&lt;</a:t>
+              </a:r>
+              <a:r>
+                <a:rPr lang="ko-KR" altLang="en-US" b="1" dirty="0" smtClean="0">
+                  <a:solidFill>
+                    <a:schemeClr val="tx1"/>
+                  </a:solidFill>
+                </a:rPr>
+                <a:t>지점</a:t>
+              </a:r>
+              <a:r>
+                <a:rPr lang="en-US" altLang="ko-KR" b="1" dirty="0" smtClean="0">
+                  <a:solidFill>
+                    <a:schemeClr val="tx1"/>
+                  </a:solidFill>
+                </a:rPr>
+                <a:t>&gt;</a:t>
+              </a:r>
+            </a:p>
+            <a:p>
+              <a:pPr algn="ctr"/>
+              <a:r>
+                <a:rPr lang="ko-KR" altLang="en-US" b="1" dirty="0" smtClean="0">
+                  <a:solidFill>
+                    <a:schemeClr val="tx1"/>
+                  </a:solidFill>
+                </a:rPr>
+                <a:t>재고관리</a:t>
+              </a:r>
+              <a:endParaRPr lang="en-US" altLang="ko-KR" b="1" dirty="0" smtClean="0">
+                <a:solidFill>
+                  <a:schemeClr val="tx1"/>
+                </a:solidFill>
+              </a:endParaRPr>
+            </a:p>
+            <a:p>
+              <a:pPr algn="ctr"/>
+              <a:r>
+                <a:rPr lang="ja-JP" altLang="en-US" b="1" dirty="0" smtClean="0">
+                  <a:solidFill>
+                    <a:schemeClr val="tx1"/>
+                  </a:solidFill>
+                </a:rPr>
+                <a:t>↓</a:t>
+              </a:r>
+              <a:endParaRPr lang="en-US" altLang="ko-KR" b="1" dirty="0" smtClean="0">
+                <a:solidFill>
+                  <a:schemeClr val="tx1"/>
+                </a:solidFill>
+              </a:endParaRPr>
+            </a:p>
+            <a:p>
+              <a:pPr algn="ctr"/>
+              <a:r>
+                <a:rPr lang="ko-KR" altLang="en-US" b="1" dirty="0" smtClean="0">
+                  <a:solidFill>
+                    <a:schemeClr val="tx1"/>
+                  </a:solidFill>
+                </a:rPr>
+                <a:t>재료자동주문</a:t>
+              </a:r>
+              <a:endParaRPr lang="en-US" altLang="ko-KR" b="1" dirty="0" smtClean="0">
+                <a:solidFill>
+                  <a:schemeClr val="tx1"/>
+                </a:solidFill>
+              </a:endParaRPr>
+            </a:p>
+            <a:p>
+              <a:pPr algn="ctr"/>
+              <a:endParaRPr lang="ko-KR" altLang="en-US" b="1" dirty="0">
+                <a:solidFill>
+                  <a:schemeClr val="tx1"/>
+                </a:solidFill>
+              </a:endParaRPr>
+            </a:p>
+          </p:txBody>
+        </p:sp>
+        <p:sp>
+          <p:nvSpPr>
+            <p:cNvPr id="21" name="직사각형 20"/>
+            <p:cNvSpPr/>
+            <p:nvPr/>
+          </p:nvSpPr>
+          <p:spPr>
+            <a:xfrm>
+              <a:off x="4992428" y="4653136"/>
+              <a:ext cx="3240360" cy="1584176"/>
+            </a:xfrm>
+            <a:prstGeom prst="rect">
+              <a:avLst/>
+            </a:prstGeom>
+            <a:solidFill>
+              <a:srgbClr val="92D050"/>
+            </a:solidFill>
+            <a:ln>
+              <a:solidFill>
+                <a:schemeClr val="tx1"/>
+              </a:solidFill>
+            </a:ln>
+          </p:spPr>
+          <p:style>
+            <a:lnRef idx="2">
+              <a:schemeClr val="accent1">
+                <a:shade val="50000"/>
+              </a:schemeClr>
+            </a:lnRef>
+            <a:fillRef idx="1">
+              <a:schemeClr val="accent1"/>
+            </a:fillRef>
+            <a:effectRef idx="0">
+              <a:schemeClr val="accent1"/>
+            </a:effectRef>
+            <a:fontRef idx="minor">
+              <a:schemeClr val="lt1"/>
+            </a:fontRef>
+          </p:style>
+          <p:txBody>
+            <a:bodyPr rtlCol="0" anchor="t" anchorCtr="0"/>
+            <a:lstStyle/>
+            <a:p>
+              <a:pPr algn="ctr"/>
+              <a:r>
+                <a:rPr lang="en-US" altLang="ko-KR" b="1" dirty="0" smtClean="0">
+                  <a:solidFill>
+                    <a:schemeClr val="tx1"/>
+                  </a:solidFill>
+                </a:rPr>
+                <a:t>&lt;</a:t>
+              </a:r>
+              <a:r>
+                <a:rPr lang="ko-KR" altLang="en-US" b="1" dirty="0" smtClean="0">
+                  <a:solidFill>
+                    <a:schemeClr val="tx1"/>
+                  </a:solidFill>
+                </a:rPr>
+                <a:t>본사</a:t>
+              </a:r>
+              <a:r>
+                <a:rPr lang="en-US" altLang="ko-KR" b="1" dirty="0" smtClean="0">
+                  <a:solidFill>
+                    <a:schemeClr val="tx1"/>
+                  </a:solidFill>
+                </a:rPr>
+                <a:t>&gt;</a:t>
+              </a:r>
+            </a:p>
+            <a:p>
+              <a:pPr algn="ctr"/>
+              <a:r>
+                <a:rPr lang="ko-KR" altLang="en-US" b="1" dirty="0" smtClean="0">
+                  <a:solidFill>
+                    <a:schemeClr val="tx1"/>
+                  </a:solidFill>
+                </a:rPr>
+                <a:t>매출분석</a:t>
+              </a:r>
+              <a:endParaRPr lang="en-US" altLang="ko-KR" b="1" dirty="0" smtClean="0">
+                <a:solidFill>
+                  <a:schemeClr val="tx1"/>
+                </a:solidFill>
+              </a:endParaRPr>
+            </a:p>
+            <a:p>
+              <a:pPr algn="ctr"/>
+              <a:r>
+                <a:rPr lang="en-US" altLang="ko-KR" b="1" dirty="0" smtClean="0">
+                  <a:solidFill>
+                    <a:schemeClr val="tx1"/>
+                  </a:solidFill>
+                </a:rPr>
+                <a:t>ex:</a:t>
+              </a:r>
+              <a:r>
+                <a:rPr lang="ko-KR" altLang="en-US" b="1" dirty="0" smtClean="0">
+                  <a:solidFill>
+                    <a:schemeClr val="tx1"/>
+                  </a:solidFill>
+                </a:rPr>
+                <a:t>매출</a:t>
+              </a:r>
+              <a:r>
+                <a:rPr lang="en-US" altLang="ko-KR" b="1" dirty="0" smtClean="0">
+                  <a:solidFill>
+                    <a:schemeClr val="tx1"/>
+                  </a:solidFill>
+                </a:rPr>
+                <a:t>,</a:t>
+              </a:r>
+              <a:r>
+                <a:rPr lang="ko-KR" altLang="en-US" b="1" dirty="0" smtClean="0">
+                  <a:solidFill>
+                    <a:schemeClr val="tx1"/>
+                  </a:solidFill>
+                </a:rPr>
+                <a:t>순수익</a:t>
+              </a:r>
+              <a:endParaRPr lang="en-US" altLang="ko-KR" b="1" dirty="0" smtClean="0">
+                <a:solidFill>
+                  <a:schemeClr val="tx1"/>
+                </a:solidFill>
+              </a:endParaRPr>
+            </a:p>
+            <a:p>
+              <a:pPr algn="ctr"/>
+              <a:r>
+                <a:rPr lang="ko-KR" altLang="en-US" b="1" dirty="0" err="1" smtClean="0">
+                  <a:solidFill>
+                    <a:schemeClr val="tx1"/>
+                  </a:solidFill>
+                </a:rPr>
+                <a:t>마켓팅</a:t>
+              </a:r>
+              <a:r>
+                <a:rPr lang="en-US" altLang="ko-KR" b="1" dirty="0" smtClean="0">
+                  <a:solidFill>
+                    <a:schemeClr val="tx1"/>
+                  </a:solidFill>
+                </a:rPr>
+                <a:t>(</a:t>
+              </a:r>
+              <a:r>
+                <a:rPr lang="ko-KR" altLang="en-US" b="1" dirty="0" smtClean="0">
+                  <a:solidFill>
+                    <a:schemeClr val="tx1"/>
+                  </a:solidFill>
+                </a:rPr>
+                <a:t>이벤트</a:t>
+              </a:r>
+              <a:r>
+                <a:rPr lang="en-US" altLang="ko-KR" b="1" dirty="0" smtClean="0">
+                  <a:solidFill>
+                    <a:schemeClr val="tx1"/>
+                  </a:solidFill>
+                </a:rPr>
+                <a:t>)</a:t>
+              </a:r>
+            </a:p>
+            <a:p>
+              <a:pPr algn="ctr"/>
+              <a:r>
+                <a:rPr lang="en-US" altLang="ko-KR" b="1" dirty="0">
+                  <a:solidFill>
+                    <a:schemeClr val="tx1"/>
+                  </a:solidFill>
+                </a:rPr>
+                <a:t>ex</a:t>
+              </a:r>
+              <a:r>
+                <a:rPr lang="en-US" altLang="ko-KR" b="1" dirty="0" smtClean="0">
+                  <a:solidFill>
+                    <a:schemeClr val="tx1"/>
+                  </a:solidFill>
+                </a:rPr>
+                <a:t>:</a:t>
+              </a:r>
+              <a:r>
+                <a:rPr lang="ko-KR" altLang="en-US" b="1" dirty="0" smtClean="0">
+                  <a:solidFill>
+                    <a:schemeClr val="tx1"/>
+                  </a:solidFill>
+                </a:rPr>
+                <a:t>시간</a:t>
+              </a:r>
+              <a:r>
+                <a:rPr lang="en-US" altLang="ko-KR" b="1" dirty="0" smtClean="0">
+                  <a:solidFill>
+                    <a:schemeClr val="tx1"/>
+                  </a:solidFill>
+                </a:rPr>
+                <a:t>(</a:t>
+              </a:r>
+              <a:r>
+                <a:rPr lang="ko-KR" altLang="en-US" b="1" dirty="0" smtClean="0">
+                  <a:solidFill>
+                    <a:schemeClr val="tx1"/>
+                  </a:solidFill>
+                </a:rPr>
+                <a:t>계절</a:t>
+              </a:r>
+              <a:r>
+                <a:rPr lang="en-US" altLang="ko-KR" b="1" dirty="0" smtClean="0">
+                  <a:solidFill>
+                    <a:schemeClr val="tx1"/>
+                  </a:solidFill>
+                </a:rPr>
+                <a:t>,</a:t>
+              </a:r>
+              <a:r>
+                <a:rPr lang="ko-KR" altLang="en-US" b="1" dirty="0" smtClean="0">
+                  <a:solidFill>
+                    <a:schemeClr val="tx1"/>
+                  </a:solidFill>
+                </a:rPr>
+                <a:t>요일</a:t>
+              </a:r>
+              <a:r>
+                <a:rPr lang="en-US" altLang="ko-KR" b="1" dirty="0" smtClean="0">
+                  <a:solidFill>
+                    <a:schemeClr val="tx1"/>
+                  </a:solidFill>
+                </a:rPr>
+                <a:t>),</a:t>
+              </a:r>
+              <a:r>
+                <a:rPr lang="ko-KR" altLang="en-US" b="1" dirty="0" smtClean="0">
+                  <a:solidFill>
+                    <a:schemeClr val="tx1"/>
+                  </a:solidFill>
+                </a:rPr>
+                <a:t>지역</a:t>
+              </a:r>
+              <a:r>
+                <a:rPr lang="en-US" altLang="ko-KR" b="1" dirty="0" smtClean="0">
+                  <a:solidFill>
+                    <a:schemeClr val="tx1"/>
+                  </a:solidFill>
+                </a:rPr>
+                <a:t>,</a:t>
+              </a:r>
+              <a:r>
+                <a:rPr lang="ko-KR" altLang="en-US" b="1" dirty="0" smtClean="0">
+                  <a:solidFill>
+                    <a:schemeClr val="tx1"/>
+                  </a:solidFill>
+                </a:rPr>
+                <a:t>날씨</a:t>
+              </a:r>
+              <a:endParaRPr lang="ko-KR" altLang="en-US" b="1" dirty="0">
+                <a:solidFill>
+                  <a:schemeClr val="tx1"/>
+                </a:solidFill>
+              </a:endParaRPr>
+            </a:p>
+          </p:txBody>
+        </p:sp>
+      </p:grpSp>
+      <p:pic>
+        <p:nvPicPr>
+          <p:cNvPr id="22" name="그림 21"/>
+          <p:cNvPicPr>
+            <a:picLocks noChangeAspect="1"/>
+          </p:cNvPicPr>
+          <p:nvPr/>
+        </p:nvPicPr>
+        <p:blipFill>
+          <a:blip r:embed="rId2"/>
+          <a:stretch>
+            <a:fillRect/>
+          </a:stretch>
+        </p:blipFill>
+        <p:spPr>
+          <a:xfrm>
+            <a:off x="-540568" y="4077072"/>
+            <a:ext cx="6245715" cy="3582857"/>
+          </a:xfrm>
+          <a:prstGeom prst="rect">
+            <a:avLst/>
+          </a:prstGeom>
+          <a:ln>
+            <a:solidFill>
+              <a:schemeClr val="tx1"/>
+            </a:solidFill>
+          </a:ln>
+        </p:spPr>
+      </p:pic>
+      <p:grpSp>
+        <p:nvGrpSpPr>
+          <p:cNvPr id="23" name="그룹 22"/>
+          <p:cNvGrpSpPr/>
+          <p:nvPr/>
+        </p:nvGrpSpPr>
+        <p:grpSpPr>
+          <a:xfrm>
+            <a:off x="-1116632" y="989732"/>
+            <a:ext cx="1944216" cy="1368152"/>
+            <a:chOff x="208053" y="2060848"/>
+            <a:chExt cx="1944216" cy="1368152"/>
+          </a:xfrm>
+        </p:grpSpPr>
+        <p:sp>
+          <p:nvSpPr>
+            <p:cNvPr id="24" name="직사각형 23"/>
+            <p:cNvSpPr/>
+            <p:nvPr/>
+          </p:nvSpPr>
+          <p:spPr>
+            <a:xfrm>
+              <a:off x="208053" y="2420888"/>
+              <a:ext cx="1944216" cy="1008112"/>
+            </a:xfrm>
+            <a:prstGeom prst="rect">
+              <a:avLst/>
+            </a:prstGeom>
+            <a:solidFill>
+              <a:srgbClr val="FFC000"/>
+            </a:solidFill>
+            <a:ln>
+              <a:solidFill>
+                <a:schemeClr val="tx1"/>
+              </a:solidFill>
+            </a:ln>
+          </p:spPr>
+          <p:style>
+            <a:lnRef idx="2">
+              <a:schemeClr val="accent1">
+                <a:shade val="50000"/>
+              </a:schemeClr>
+            </a:lnRef>
+            <a:fillRef idx="1">
+              <a:schemeClr val="accent1"/>
+            </a:fillRef>
+            <a:effectRef idx="0">
+              <a:schemeClr val="accent1"/>
+            </a:effectRef>
+            <a:fontRef idx="minor">
+              <a:schemeClr val="lt1"/>
+            </a:fontRef>
+          </p:style>
+          <p:txBody>
+            <a:bodyPr rtlCol="0" anchor="t" anchorCtr="0"/>
+            <a:lstStyle/>
+            <a:p>
+              <a:pPr algn="ctr"/>
+              <a:r>
+                <a:rPr lang="en-US" altLang="ko-KR" b="1" dirty="0" smtClean="0">
+                  <a:solidFill>
+                    <a:schemeClr val="tx1"/>
+                  </a:solidFill>
+                </a:rPr>
+                <a:t>INPUT</a:t>
+              </a:r>
+            </a:p>
+            <a:p>
+              <a:pPr algn="ctr"/>
+              <a:r>
+                <a:rPr lang="en-US" altLang="ko-KR" b="1" dirty="0" smtClean="0">
+                  <a:solidFill>
+                    <a:schemeClr val="tx1"/>
+                  </a:solidFill>
+                </a:rPr>
+                <a:t>&lt;</a:t>
+              </a:r>
+              <a:r>
+                <a:rPr lang="ko-KR" altLang="en-US" b="1" dirty="0" smtClean="0">
+                  <a:solidFill>
+                    <a:schemeClr val="tx1"/>
+                  </a:solidFill>
+                </a:rPr>
+                <a:t>고객</a:t>
+              </a:r>
+              <a:r>
+                <a:rPr lang="en-US" altLang="ko-KR" b="1" dirty="0" smtClean="0">
+                  <a:solidFill>
+                    <a:schemeClr val="tx1"/>
+                  </a:solidFill>
+                </a:rPr>
+                <a:t>&gt;</a:t>
+              </a:r>
+            </a:p>
+            <a:p>
+              <a:pPr algn="ctr"/>
+              <a:r>
+                <a:rPr lang="ko-KR" altLang="en-US" b="1" dirty="0" smtClean="0">
+                  <a:solidFill>
+                    <a:schemeClr val="tx1"/>
+                  </a:solidFill>
+                </a:rPr>
+                <a:t>주문</a:t>
+              </a:r>
+              <a:endParaRPr lang="en-US" altLang="ko-KR" b="1" dirty="0" smtClean="0">
+                <a:solidFill>
+                  <a:schemeClr val="tx1"/>
+                </a:solidFill>
+              </a:endParaRPr>
+            </a:p>
+          </p:txBody>
+        </p:sp>
+        <p:sp>
+          <p:nvSpPr>
+            <p:cNvPr id="25" name="직사각형 24"/>
+            <p:cNvSpPr/>
+            <p:nvPr/>
+          </p:nvSpPr>
+          <p:spPr>
+            <a:xfrm>
+              <a:off x="208053" y="2060848"/>
+              <a:ext cx="1944216" cy="360040"/>
+            </a:xfrm>
+            <a:prstGeom prst="rect">
+              <a:avLst/>
+            </a:prstGeom>
+            <a:solidFill>
+              <a:srgbClr val="FFC000"/>
+            </a:solidFill>
+            <a:ln>
+              <a:solidFill>
+                <a:schemeClr val="tx1"/>
+              </a:solidFill>
+            </a:ln>
+          </p:spPr>
+          <p:style>
+            <a:lnRef idx="2">
+              <a:schemeClr val="accent1">
+                <a:shade val="50000"/>
+              </a:schemeClr>
+            </a:lnRef>
+            <a:fillRef idx="1">
+              <a:schemeClr val="accent1"/>
+            </a:fillRef>
+            <a:effectRef idx="0">
+              <a:schemeClr val="accent1"/>
+            </a:effectRef>
+            <a:fontRef idx="minor">
+              <a:schemeClr val="lt1"/>
+            </a:fontRef>
+          </p:style>
+          <p:txBody>
+            <a:bodyPr rtlCol="0" anchor="t" anchorCtr="0"/>
+            <a:lstStyle/>
+            <a:p>
+              <a:pPr algn="ctr"/>
+              <a:r>
+                <a:rPr lang="en-US" altLang="ko-KR" b="1" dirty="0" smtClean="0">
+                  <a:solidFill>
+                    <a:schemeClr val="tx1"/>
+                  </a:solidFill>
+                </a:rPr>
+                <a:t>INPUT</a:t>
+              </a:r>
+            </a:p>
+          </p:txBody>
+        </p:sp>
+      </p:grpSp>
+      <p:sp>
+        <p:nvSpPr>
+          <p:cNvPr id="5" name="TextBox 4"/>
+          <p:cNvSpPr txBox="1"/>
+          <p:nvPr/>
+        </p:nvSpPr>
+        <p:spPr>
+          <a:xfrm>
+            <a:off x="5837057" y="4077072"/>
+            <a:ext cx="1502334" cy="369332"/>
+          </a:xfrm>
+          <a:prstGeom prst="rect">
+            <a:avLst/>
+          </a:prstGeom>
+          <a:noFill/>
+        </p:spPr>
+        <p:txBody>
+          <a:bodyPr wrap="none" rtlCol="0">
+            <a:spAutoFit/>
+          </a:bodyPr>
+          <a:lstStyle/>
+          <a:p>
+            <a:r>
+              <a:rPr lang="ko-KR" altLang="en-US" dirty="0" smtClean="0"/>
+              <a:t>구현 시 화면</a:t>
+            </a:r>
+            <a:endParaRPr lang="ko-KR" altLang="en-US" dirty="0"/>
+          </a:p>
+        </p:txBody>
+      </p:sp>
+      <p:sp>
+        <p:nvSpPr>
+          <p:cNvPr id="26" name="TextBox 25"/>
+          <p:cNvSpPr txBox="1"/>
+          <p:nvPr/>
+        </p:nvSpPr>
+        <p:spPr>
+          <a:xfrm>
+            <a:off x="6084168" y="4581128"/>
+            <a:ext cx="1107996" cy="369332"/>
+          </a:xfrm>
+          <a:prstGeom prst="rect">
+            <a:avLst/>
+          </a:prstGeom>
+          <a:noFill/>
+        </p:spPr>
+        <p:txBody>
+          <a:bodyPr wrap="none" rtlCol="0">
+            <a:spAutoFit/>
+          </a:bodyPr>
+          <a:lstStyle/>
+          <a:p>
+            <a:r>
+              <a:rPr lang="ko-KR" altLang="en-US" dirty="0" smtClean="0"/>
+              <a:t>사용자별</a:t>
+            </a:r>
+            <a:endParaRPr lang="ko-KR" altLang="en-US" dirty="0"/>
+          </a:p>
+        </p:txBody>
+      </p:sp>
+      <p:sp>
+        <p:nvSpPr>
+          <p:cNvPr id="27" name="TextBox 26"/>
+          <p:cNvSpPr txBox="1"/>
+          <p:nvPr/>
+        </p:nvSpPr>
+        <p:spPr>
+          <a:xfrm>
+            <a:off x="930875" y="3501008"/>
+            <a:ext cx="1651414" cy="369332"/>
+          </a:xfrm>
+          <a:prstGeom prst="rect">
+            <a:avLst/>
+          </a:prstGeom>
+          <a:noFill/>
+        </p:spPr>
+        <p:txBody>
+          <a:bodyPr wrap="none" rtlCol="0">
+            <a:spAutoFit/>
+          </a:bodyPr>
+          <a:lstStyle/>
+          <a:p>
+            <a:r>
+              <a:rPr lang="ko-KR" altLang="en-US" dirty="0" smtClean="0"/>
+              <a:t>테이블 구상도</a:t>
+            </a:r>
+            <a:endParaRPr lang="ko-KR" altLang="en-US" dirty="0"/>
+          </a:p>
+        </p:txBody>
+      </p:sp>
+      <p:sp>
+        <p:nvSpPr>
+          <p:cNvPr id="28" name="TextBox 27"/>
+          <p:cNvSpPr txBox="1"/>
+          <p:nvPr/>
+        </p:nvSpPr>
+        <p:spPr>
+          <a:xfrm>
+            <a:off x="930875" y="2852936"/>
+            <a:ext cx="1443024" cy="369332"/>
+          </a:xfrm>
+          <a:prstGeom prst="rect">
+            <a:avLst/>
+          </a:prstGeom>
+          <a:noFill/>
+        </p:spPr>
+        <p:txBody>
+          <a:bodyPr wrap="none" rtlCol="0">
+            <a:spAutoFit/>
+          </a:bodyPr>
+          <a:lstStyle/>
+          <a:p>
+            <a:r>
+              <a:rPr lang="ko-KR" altLang="en-US" dirty="0" smtClean="0"/>
+              <a:t>테이블 </a:t>
+            </a:r>
+            <a:r>
+              <a:rPr lang="en-US" altLang="ko-KR" dirty="0" smtClean="0"/>
+              <a:t>UML</a:t>
+            </a:r>
+            <a:endParaRPr lang="ko-KR" altLang="en-US" dirty="0"/>
+          </a:p>
+        </p:txBody>
+      </p:sp>
+    </p:spTree>
+    <p:extLst>
+      <p:ext uri="{BB962C8B-B14F-4D97-AF65-F5344CB8AC3E}">
+        <p14:creationId xmlns:p14="http://schemas.microsoft.com/office/powerpoint/2010/main" val="2173038219"/>
+      </p:ext>
+    </p:extLst>
+  </p:cSld>
+  <p:clrMapOvr>
+    <a:masterClrMapping/>
+  </p:clrMapOvr>
+</p:sld>
+</file>
+
+<file path=ppt/slides/slide4.xml><?xml version="1.0" encoding="utf-8"?>
+<p:sld xmlns:a="http://schemas.openxmlformats.org/drawingml/2006/main" xmlns:r="http://schemas.openxmlformats.org/officeDocument/2006/relationships" xmlns:p="http://schemas.openxmlformats.org/presentationml/2006/main">
+  <p:cSld>
+    <p:spTree>
+      <p:nvGrpSpPr>
+        <p:cNvPr id="1" name=""/>
+        <p:cNvGrpSpPr/>
+        <p:nvPr/>
+      </p:nvGrpSpPr>
+      <p:grpSpPr>
+        <a:xfrm>
+          <a:off x="0" y="0"/>
+          <a:ext cx="0" cy="0"/>
+          <a:chOff x="0" y="0"/>
+          <a:chExt cx="0" cy="0"/>
+        </a:xfrm>
+      </p:grpSpPr>
+      <p:sp>
+        <p:nvSpPr>
+          <p:cNvPr id="2" name="TextBox 1"/>
+          <p:cNvSpPr txBox="1"/>
+          <p:nvPr/>
+        </p:nvSpPr>
+        <p:spPr>
+          <a:xfrm>
+            <a:off x="569506" y="476672"/>
+            <a:ext cx="1561646" cy="369332"/>
+          </a:xfrm>
+          <a:prstGeom prst="rect">
+            <a:avLst/>
+          </a:prstGeom>
+          <a:noFill/>
+        </p:spPr>
+        <p:txBody>
+          <a:bodyPr wrap="none" rtlCol="0">
+            <a:spAutoFit/>
+          </a:bodyPr>
+          <a:lstStyle/>
+          <a:p>
+            <a:r>
+              <a:rPr lang="ko-KR" altLang="en-US" dirty="0" smtClean="0"/>
+              <a:t>후기 </a:t>
+            </a:r>
+            <a:r>
+              <a:rPr lang="en-US" altLang="ko-KR" dirty="0" smtClean="0"/>
+              <a:t>(</a:t>
+            </a:r>
+            <a:r>
+              <a:rPr lang="ko-KR" altLang="en-US" dirty="0" smtClean="0"/>
+              <a:t>느낀점</a:t>
+            </a:r>
+            <a:r>
+              <a:rPr lang="en-US" altLang="ko-KR" dirty="0" smtClean="0"/>
+              <a:t>)</a:t>
+            </a:r>
+          </a:p>
+        </p:txBody>
+      </p:sp>
+      <p:sp>
+        <p:nvSpPr>
+          <p:cNvPr id="3" name="TextBox 2"/>
+          <p:cNvSpPr txBox="1"/>
+          <p:nvPr/>
+        </p:nvSpPr>
+        <p:spPr>
+          <a:xfrm>
+            <a:off x="747005" y="3501008"/>
+            <a:ext cx="3437159" cy="2031325"/>
+          </a:xfrm>
+          <a:prstGeom prst="rect">
+            <a:avLst/>
+          </a:prstGeom>
+          <a:noFill/>
+        </p:spPr>
+        <p:txBody>
+          <a:bodyPr wrap="none" rtlCol="0">
+            <a:spAutoFit/>
+          </a:bodyPr>
+          <a:lstStyle/>
+          <a:p>
+            <a:r>
+              <a:rPr lang="ko-KR" altLang="en-US" dirty="0" smtClean="0"/>
+              <a:t>윤철희씨 경험담을 이해하게 됨</a:t>
+            </a:r>
+            <a:endParaRPr lang="en-US" altLang="ko-KR" dirty="0" smtClean="0"/>
+          </a:p>
+          <a:p>
+            <a:endParaRPr lang="en-US" altLang="ko-KR" dirty="0" smtClean="0"/>
+          </a:p>
+          <a:p>
+            <a:r>
+              <a:rPr lang="ko-KR" altLang="en-US" dirty="0" smtClean="0"/>
+              <a:t>팀장 </a:t>
+            </a:r>
+            <a:r>
+              <a:rPr lang="en-US" altLang="ko-KR" dirty="0" smtClean="0"/>
+              <a:t>1</a:t>
+            </a:r>
+            <a:r>
+              <a:rPr lang="ko-KR" altLang="en-US" dirty="0" smtClean="0"/>
+              <a:t>명 </a:t>
+            </a:r>
+            <a:r>
+              <a:rPr lang="en-US" altLang="ko-KR" dirty="0" smtClean="0"/>
+              <a:t>(</a:t>
+            </a:r>
+            <a:r>
+              <a:rPr lang="ko-KR" altLang="en-US" dirty="0" smtClean="0"/>
+              <a:t>기획</a:t>
+            </a:r>
+            <a:r>
+              <a:rPr lang="en-US" altLang="ko-KR" dirty="0" smtClean="0"/>
+              <a:t>, </a:t>
+            </a:r>
+            <a:r>
+              <a:rPr lang="ko-KR" altLang="en-US" dirty="0" smtClean="0"/>
+              <a:t>총괄</a:t>
+            </a:r>
+            <a:r>
+              <a:rPr lang="en-US" altLang="ko-KR" dirty="0" smtClean="0"/>
+              <a:t>)</a:t>
+            </a:r>
+          </a:p>
+          <a:p>
+            <a:r>
+              <a:rPr lang="en-US" altLang="ko-KR" dirty="0" smtClean="0"/>
+              <a:t>UI/UX 1</a:t>
+            </a:r>
+            <a:r>
+              <a:rPr lang="ko-KR" altLang="en-US" dirty="0" smtClean="0"/>
+              <a:t>명 </a:t>
+            </a:r>
+            <a:r>
+              <a:rPr lang="en-US" altLang="ko-KR" dirty="0" smtClean="0"/>
+              <a:t>(</a:t>
+            </a:r>
+            <a:r>
+              <a:rPr lang="ko-KR" altLang="en-US" dirty="0" smtClean="0"/>
+              <a:t>디자인</a:t>
+            </a:r>
+            <a:r>
+              <a:rPr lang="en-US" altLang="ko-KR" dirty="0" smtClean="0"/>
+              <a:t>)</a:t>
+            </a:r>
+          </a:p>
+          <a:p>
+            <a:r>
+              <a:rPr lang="ko-KR" altLang="en-US" dirty="0" smtClean="0"/>
+              <a:t>개발자 </a:t>
+            </a:r>
+            <a:r>
+              <a:rPr lang="en-US" altLang="ko-KR" dirty="0" smtClean="0"/>
+              <a:t>2</a:t>
+            </a:r>
+            <a:r>
+              <a:rPr lang="ko-KR" altLang="en-US" dirty="0" smtClean="0"/>
+              <a:t>명 </a:t>
+            </a:r>
+            <a:r>
+              <a:rPr lang="en-US" altLang="ko-KR" dirty="0" smtClean="0"/>
+              <a:t>(</a:t>
+            </a:r>
+            <a:r>
+              <a:rPr lang="ko-KR" altLang="en-US" dirty="0" smtClean="0"/>
+              <a:t>알고리즘</a:t>
+            </a:r>
+            <a:r>
+              <a:rPr lang="en-US" altLang="ko-KR" dirty="0" smtClean="0"/>
+              <a:t>,</a:t>
+            </a:r>
+            <a:r>
+              <a:rPr lang="ko-KR" altLang="en-US" dirty="0" smtClean="0"/>
+              <a:t>코드구현</a:t>
+            </a:r>
+            <a:r>
+              <a:rPr lang="en-US" altLang="ko-KR" dirty="0" smtClean="0"/>
+              <a:t>)</a:t>
+            </a:r>
+          </a:p>
+          <a:p>
+            <a:r>
+              <a:rPr lang="en-US" altLang="ko-KR" dirty="0" smtClean="0"/>
+              <a:t>DB 1</a:t>
+            </a:r>
+            <a:r>
+              <a:rPr lang="ko-KR" altLang="en-US" dirty="0" smtClean="0"/>
+              <a:t>명</a:t>
+            </a:r>
+            <a:endParaRPr lang="en-US" altLang="ko-KR" dirty="0" smtClean="0"/>
+          </a:p>
+          <a:p>
+            <a:r>
+              <a:rPr lang="ko-KR" altLang="en-US" dirty="0" smtClean="0"/>
+              <a:t>웹</a:t>
+            </a:r>
+            <a:r>
+              <a:rPr lang="ja-JP" altLang="en-US" dirty="0" smtClean="0"/>
+              <a:t>・</a:t>
+            </a:r>
+            <a:r>
+              <a:rPr lang="ko-KR" altLang="en-US" dirty="0" smtClean="0"/>
+              <a:t>어플 </a:t>
+            </a:r>
+            <a:r>
+              <a:rPr lang="en-US" altLang="ko-KR" dirty="0" smtClean="0"/>
+              <a:t>1</a:t>
+            </a:r>
+            <a:r>
+              <a:rPr lang="ko-KR" altLang="en-US" dirty="0" smtClean="0"/>
+              <a:t>명</a:t>
+            </a:r>
+            <a:endParaRPr lang="ko-KR" altLang="en-US" dirty="0"/>
+          </a:p>
+        </p:txBody>
+      </p:sp>
+      <p:sp>
+        <p:nvSpPr>
+          <p:cNvPr id="14" name="TextBox 13"/>
+          <p:cNvSpPr txBox="1"/>
+          <p:nvPr/>
+        </p:nvSpPr>
+        <p:spPr>
+          <a:xfrm>
+            <a:off x="747005" y="1268760"/>
+            <a:ext cx="2589170" cy="1200329"/>
+          </a:xfrm>
+          <a:prstGeom prst="rect">
+            <a:avLst/>
+          </a:prstGeom>
+          <a:noFill/>
+        </p:spPr>
+        <p:txBody>
+          <a:bodyPr wrap="none" rtlCol="0">
+            <a:spAutoFit/>
+          </a:bodyPr>
+          <a:lstStyle/>
+          <a:p>
+            <a:r>
+              <a:rPr lang="ko-KR" altLang="en-US" dirty="0" smtClean="0"/>
+              <a:t>솔루션</a:t>
+            </a:r>
+            <a:r>
+              <a:rPr lang="en-US" altLang="ko-KR" dirty="0" smtClean="0"/>
+              <a:t>(</a:t>
+            </a:r>
+            <a:r>
+              <a:rPr lang="ko-KR" altLang="en-US" dirty="0" smtClean="0"/>
+              <a:t>취업 </a:t>
+            </a:r>
+            <a:r>
+              <a:rPr lang="en-US" altLang="ko-KR" dirty="0" smtClean="0"/>
+              <a:t>or </a:t>
+            </a:r>
+            <a:r>
+              <a:rPr lang="ko-KR" altLang="en-US" dirty="0" smtClean="0"/>
+              <a:t>사업</a:t>
+            </a:r>
+            <a:r>
+              <a:rPr lang="en-US" altLang="ko-KR" dirty="0" smtClean="0"/>
+              <a:t>)</a:t>
+            </a:r>
+          </a:p>
+          <a:p>
+            <a:r>
+              <a:rPr lang="en-US" altLang="ko-KR" dirty="0" smtClean="0"/>
+              <a:t>DB</a:t>
+            </a:r>
+            <a:r>
+              <a:rPr lang="ko-KR" altLang="en-US" dirty="0" smtClean="0"/>
+              <a:t>구현은 아니더라도</a:t>
+            </a:r>
+            <a:endParaRPr lang="en-US" altLang="ko-KR" dirty="0" smtClean="0"/>
+          </a:p>
+          <a:p>
+            <a:r>
+              <a:rPr lang="ko-KR" altLang="en-US" dirty="0" smtClean="0"/>
+              <a:t>구상</a:t>
+            </a:r>
+            <a:r>
+              <a:rPr lang="ja-JP" altLang="en-US" dirty="0"/>
+              <a:t> </a:t>
+            </a:r>
+            <a:r>
+              <a:rPr lang="en-US" altLang="ja-JP" dirty="0" smtClean="0"/>
+              <a:t>and </a:t>
+            </a:r>
+            <a:r>
+              <a:rPr lang="ko-KR" altLang="en-US" dirty="0" smtClean="0"/>
+              <a:t>책</a:t>
+            </a:r>
+            <a:r>
+              <a:rPr lang="en-US" altLang="ko-KR" dirty="0" smtClean="0"/>
+              <a:t>1</a:t>
+            </a:r>
+            <a:r>
+              <a:rPr lang="ko-KR" altLang="en-US" dirty="0" smtClean="0"/>
+              <a:t>권은</a:t>
+            </a:r>
+            <a:endParaRPr lang="en-US" altLang="ko-KR" dirty="0" smtClean="0"/>
+          </a:p>
+          <a:p>
+            <a:r>
+              <a:rPr lang="ko-KR" altLang="en-US" dirty="0" smtClean="0"/>
+              <a:t>정독하면 좋을 듯 하다</a:t>
+            </a:r>
+            <a:r>
+              <a:rPr lang="en-US" altLang="ja-JP" dirty="0" smtClean="0"/>
+              <a:t> </a:t>
+            </a:r>
+            <a:endParaRPr lang="ko-KR" altLang="en-US" dirty="0"/>
+          </a:p>
+        </p:txBody>
+      </p:sp>
+      <p:pic>
+        <p:nvPicPr>
+          <p:cNvPr id="2050" name="Picture 2" descr="데이터베이스시스템 - 에브리타임 책방"/>
+          <p:cNvPicPr>
+            <a:picLocks noChangeAspect="1" noChangeArrowheads="1"/>
+          </p:cNvPicPr>
+          <p:nvPr/>
+        </p:nvPicPr>
+        <p:blipFill rotWithShape="1">
+          <a:blip r:embed="rId2">
+            <a:extLst>
+              <a:ext uri="{28A0092B-C50C-407E-A947-70E740481C1C}">
+                <a14:useLocalDpi xmlns:a14="http://schemas.microsoft.com/office/drawing/2010/main" val="0"/>
+              </a:ext>
+            </a:extLst>
+          </a:blip>
+          <a:srcRect t="18203" b="20860"/>
+          <a:stretch/>
+        </p:blipFill>
+        <p:spPr bwMode="auto">
+          <a:xfrm>
+            <a:off x="5292080" y="1556792"/>
+            <a:ext cx="3291840" cy="4457663"/>
+          </a:xfrm>
+          <a:prstGeom prst="rect">
+            <a:avLst/>
+          </a:prstGeom>
+          <a:noFill/>
+          <a:extLst>
+            <a:ext uri="{909E8E84-426E-40DD-AFC4-6F175D3DCCD1}">
+              <a14:hiddenFill xmlns:a14="http://schemas.microsoft.com/office/drawing/2010/main">
+                <a:solidFill>
+                  <a:srgbClr val="FFFFFF"/>
+                </a:solidFill>
+              </a14:hiddenFill>
+            </a:ext>
+          </a:extLst>
+        </p:spPr>
+      </p:pic>
+      <p:sp>
+        <p:nvSpPr>
+          <p:cNvPr id="26" name="TextBox 25"/>
+          <p:cNvSpPr txBox="1"/>
+          <p:nvPr/>
+        </p:nvSpPr>
+        <p:spPr>
+          <a:xfrm>
+            <a:off x="5269260" y="1084094"/>
+            <a:ext cx="1882247" cy="369332"/>
+          </a:xfrm>
+          <a:prstGeom prst="rect">
+            <a:avLst/>
+          </a:prstGeom>
+          <a:noFill/>
+        </p:spPr>
+        <p:txBody>
+          <a:bodyPr wrap="none" rtlCol="0">
+            <a:spAutoFit/>
+          </a:bodyPr>
+          <a:lstStyle/>
+          <a:p>
+            <a:r>
+              <a:rPr lang="ko-KR" altLang="en-US" dirty="0" smtClean="0"/>
+              <a:t>쩌리짱 추천서적</a:t>
+            </a:r>
+            <a:endParaRPr lang="en-US" altLang="ko-KR" dirty="0" smtClean="0"/>
+          </a:p>
+        </p:txBody>
+      </p:sp>
+    </p:spTree>
+    <p:extLst>
+      <p:ext uri="{BB962C8B-B14F-4D97-AF65-F5344CB8AC3E}">
+        <p14:creationId xmlns:p14="http://schemas.microsoft.com/office/powerpoint/2010/main" val="3727638853"/>
+      </p:ext>
+    </p:extLst>
+  </p:cSld>
+  <p:clrMapOvr>
+    <a:masterClrMapping/>
+  </p:clrMapOvr>
+</p:sld>
+</file>
+
 <file path=ppt/theme/theme1.xml><?xml version="1.0" encoding="utf-8"?>
 <a:theme xmlns:a="http://schemas.openxmlformats.org/drawingml/2006/main" name="Office 테마">
   <a:themeElements>
